--- a/problem_statement/Challenge Problem 7-v2.pptx
+++ b/problem_statement/Challenge Problem 7-v2.pptx
@@ -523,11 +523,11 @@
           <c:showPercent val="0"/>
           <c:showBubbleSize val="0"/>
         </c:dLbls>
-        <c:axId val="78711808"/>
-        <c:axId val="78729984"/>
+        <c:axId val="34064640"/>
+        <c:axId val="34680832"/>
       </c:scatterChart>
       <c:valAx>
-        <c:axId val="78711808"/>
+        <c:axId val="34064640"/>
         <c:scaling>
           <c:orientation val="minMax"/>
         </c:scaling>
@@ -537,12 +537,12 @@
         <c:majorTickMark val="out"/>
         <c:minorTickMark val="none"/>
         <c:tickLblPos val="nextTo"/>
-        <c:crossAx val="78729984"/>
+        <c:crossAx val="34680832"/>
         <c:crosses val="autoZero"/>
         <c:crossBetween val="midCat"/>
       </c:valAx>
       <c:valAx>
-        <c:axId val="78729984"/>
+        <c:axId val="34680832"/>
         <c:scaling>
           <c:orientation val="minMax"/>
         </c:scaling>
@@ -578,7 +578,7 @@
         <c:majorTickMark val="out"/>
         <c:minorTickMark val="none"/>
         <c:tickLblPos val="nextTo"/>
-        <c:crossAx val="78711808"/>
+        <c:crossAx val="34064640"/>
         <c:crosses val="autoZero"/>
         <c:crossBetween val="midCat"/>
       </c:valAx>
@@ -676,7 +676,7 @@
             <a:fld id="{9E6BD383-960F-4311-92C8-B2CD992ECA1E}" type="datetimeFigureOut">
               <a:rPr lang="en-US" smtClean="0"/>
               <a:pPr/>
-              <a:t>1/18/2016</a:t>
+              <a:t>1/23/2016</a:t>
             </a:fld>
             <a:endParaRPr lang="en-US"/>
           </a:p>
@@ -2107,7 +2107,7 @@
           <a:p>
             <a:fld id="{10A2D9C9-303B-4AB5-84A1-F153B136A717}" type="datetime1">
               <a:rPr lang="en-US" smtClean="0"/>
-              <a:t>1/18/2016</a:t>
+              <a:t>1/23/2016</a:t>
             </a:fld>
             <a:endParaRPr lang="en-US"/>
           </a:p>
@@ -2322,7 +2322,7 @@
           <a:p>
             <a:fld id="{51197B75-BE7F-4272-B976-D1D1E7899D4A}" type="datetime1">
               <a:rPr lang="en-US" smtClean="0"/>
-              <a:t>1/18/2016</a:t>
+              <a:t>1/23/2016</a:t>
             </a:fld>
             <a:endParaRPr lang="en-US"/>
           </a:p>
@@ -2537,7 +2537,7 @@
           <a:p>
             <a:fld id="{FE47BF7B-1E73-43D8-84A6-C70A80555264}" type="datetime1">
               <a:rPr lang="en-US" smtClean="0"/>
-              <a:t>1/18/2016</a:t>
+              <a:t>1/23/2016</a:t>
             </a:fld>
             <a:endParaRPr lang="en-US"/>
           </a:p>
@@ -3026,7 +3026,7 @@
           <a:p>
             <a:fld id="{33CE1CC0-3F48-49CA-B6DD-2076A2849A7C}" type="datetime1">
               <a:rPr lang="en-US" smtClean="0"/>
-              <a:t>1/18/2016</a:t>
+              <a:t>1/23/2016</a:t>
             </a:fld>
             <a:endParaRPr lang="en-US"/>
           </a:p>
@@ -3307,7 +3307,7 @@
           <a:p>
             <a:fld id="{8ADFE6ED-759C-4698-956B-3902C4481DF3}" type="datetime1">
               <a:rPr lang="en-US" smtClean="0"/>
-              <a:t>1/18/2016</a:t>
+              <a:t>1/23/2016</a:t>
             </a:fld>
             <a:endParaRPr lang="en-US"/>
           </a:p>
@@ -3638,7 +3638,7 @@
           <a:p>
             <a:fld id="{B60BC632-6F8B-4847-A1F0-503D152A434F}" type="datetime1">
               <a:rPr lang="en-US" smtClean="0"/>
-              <a:t>1/18/2016</a:t>
+              <a:t>1/23/2016</a:t>
             </a:fld>
             <a:endParaRPr lang="en-US"/>
           </a:p>
@@ -4109,7 +4109,7 @@
           <a:p>
             <a:fld id="{A419F865-BE9A-48D4-9430-39E701FC316F}" type="datetime1">
               <a:rPr lang="en-US" smtClean="0"/>
-              <a:t>1/18/2016</a:t>
+              <a:t>1/23/2016</a:t>
             </a:fld>
             <a:endParaRPr lang="en-US"/>
           </a:p>
@@ -4264,7 +4264,7 @@
           <a:p>
             <a:fld id="{C0324990-2155-49D2-9872-32C6CA12C0AC}" type="datetime1">
               <a:rPr lang="en-US" smtClean="0"/>
-              <a:t>1/18/2016</a:t>
+              <a:t>1/23/2016</a:t>
             </a:fld>
             <a:endParaRPr lang="en-US"/>
           </a:p>
@@ -4388,7 +4388,7 @@
           <a:p>
             <a:fld id="{99CA6F97-ACCB-4A92-AD64-1D4E7596EBDF}" type="datetime1">
               <a:rPr lang="en-US" smtClean="0"/>
-              <a:t>1/18/2016</a:t>
+              <a:t>1/23/2016</a:t>
             </a:fld>
             <a:endParaRPr lang="en-US"/>
           </a:p>
@@ -4703,7 +4703,7 @@
           <a:p>
             <a:fld id="{DACDE28F-BBA8-4E5C-A8E7-150E9CCFEF2C}" type="datetime1">
               <a:rPr lang="en-US" smtClean="0"/>
-              <a:t>1/18/2016</a:t>
+              <a:t>1/23/2016</a:t>
             </a:fld>
             <a:endParaRPr lang="en-US"/>
           </a:p>
@@ -4994,7 +4994,7 @@
           <a:p>
             <a:fld id="{17158191-D514-4FE8-8753-B6BFF2D54D8A}" type="datetime1">
               <a:rPr lang="en-US" smtClean="0"/>
-              <a:t>1/18/2016</a:t>
+              <a:t>1/23/2016</a:t>
             </a:fld>
             <a:endParaRPr lang="en-US"/>
           </a:p>
@@ -5795,11 +5795,7 @@
             </a:br>
             <a:r>
               <a:rPr lang="en-US" dirty="0" smtClean="0"/>
-              <a:t>Influenza-Like </a:t>
-            </a:r>
-            <a:r>
-              <a:rPr lang="en-US" dirty="0" smtClean="0"/>
-              <a:t>Illnesses</a:t>
+              <a:t>Influenza-Like Illnesses</a:t>
             </a:r>
             <a:br>
               <a:rPr lang="en-US" dirty="0" smtClean="0"/>
@@ -7634,21 +7630,8 @@
             <a:pPr lvl="1"/>
             <a:r>
               <a:rPr lang="en-US" dirty="0" smtClean="0"/>
-              <a:t>weekly ILI prevalence </a:t>
-            </a:r>
-            <a:r>
-              <a:rPr lang="en-US" dirty="0" smtClean="0"/>
-              <a:t>for all counties in the </a:t>
-            </a:r>
-            <a:r>
-              <a:rPr lang="en-US" dirty="0" smtClean="0"/>
-              <a:t>Prediction </a:t>
-            </a:r>
-            <a:r>
-              <a:rPr lang="en-US" dirty="0" smtClean="0"/>
-              <a:t>Regions</a:t>
-            </a:r>
-            <a:endParaRPr lang="en-US" dirty="0" smtClean="0"/>
+              <a:t>weekly ILI prevalence for all counties in the Prediction Regions</a:t>
+            </a:r>
           </a:p>
           <a:p>
             <a:r>
@@ -7808,8 +7791,8 @@
           </a:p>
         </p:txBody>
       </p:sp>
-      <mc:AlternateContent xmlns:mc="http://schemas.openxmlformats.org/markup-compatibility/2006">
-        <mc:Choice xmlns:a14="http://schemas.microsoft.com/office/drawing/2010/main" Requires="a14">
+      <mc:AlternateContent xmlns:mc="http://schemas.openxmlformats.org/markup-compatibility/2006" xmlns:a14="http://schemas.microsoft.com/office/drawing/2010/main">
+        <mc:Choice Requires="a14">
           <p:sp>
             <p:nvSpPr>
               <p:cNvPr id="3" name="Content Placeholder 2"/>
@@ -7894,11 +7877,7 @@
                 <a:pPr lvl="1"/>
                 <a:r>
                   <a:rPr lang="en-US" dirty="0" smtClean="0"/>
-                  <a:t>County observations for </a:t>
-                </a:r>
-                <a:r>
-                  <a:rPr lang="en-US" dirty="0" smtClean="0"/>
-                  <a:t>week </a:t>
+                  <a:t>County observations for week </a:t>
                 </a:r>
                 <a14:m>
                   <m:oMath xmlns:m="http://schemas.openxmlformats.org/officeDocument/2006/math">
@@ -7934,7 +7913,7 @@
             </p:txBody>
           </p:sp>
         </mc:Choice>
-        <mc:Fallback>
+        <mc:Fallback xmlns="">
           <p:sp>
             <p:nvSpPr>
               <p:cNvPr id="3" name="Content Placeholder 2"/>
@@ -8447,10 +8426,10 @@
               <a:buChar char="•"/>
             </a:pPr>
             <a:r>
-              <a:rPr lang="en-US" b="1" dirty="0" smtClean="0"/>
+              <a:rPr lang="en-US" b="1" u="sng" dirty="0" smtClean="0"/>
               <a:t>Influenza</a:t>
             </a:r>
-            <a:endParaRPr lang="en-US" b="1" dirty="0"/>
+            <a:endParaRPr lang="en-US" b="1" u="sng" dirty="0"/>
           </a:p>
         </p:txBody>
       </p:sp>
@@ -10005,33 +9984,15 @@
             <a:pPr lvl="1"/>
             <a:r>
               <a:rPr lang="en-US" sz="2400" dirty="0" smtClean="0"/>
-              <a:t>PI Meeting – 90 days: </a:t>
-            </a:r>
+              <a:t>PI Meeting – 90 days: Beta Period Begins</a:t>
+            </a:r>
+          </a:p>
+          <a:p>
+            <a:pPr lvl="1"/>
             <a:r>
               <a:rPr lang="en-US" sz="2400" dirty="0" smtClean="0"/>
-              <a:t>Beta </a:t>
-            </a:r>
-            <a:r>
-              <a:rPr lang="en-US" sz="2400" dirty="0" smtClean="0"/>
-              <a:t>Period Begins</a:t>
-            </a:r>
-            <a:endParaRPr lang="en-US" sz="2400" dirty="0" smtClean="0"/>
-          </a:p>
-          <a:p>
-            <a:pPr lvl="1"/>
-            <a:r>
-              <a:rPr lang="en-US" sz="2400" dirty="0" smtClean="0"/>
-              <a:t>PI Meeting – 45 days: </a:t>
-            </a:r>
-            <a:r>
-              <a:rPr lang="en-US" sz="2400" dirty="0" smtClean="0"/>
-              <a:t>Final Deadline for CP6 and CP7 </a:t>
-            </a:r>
-            <a:r>
-              <a:rPr lang="en-US" sz="2400" dirty="0" smtClean="0"/>
-              <a:t>solutions</a:t>
-            </a:r>
-            <a:endParaRPr lang="en-US" sz="2400" dirty="0" smtClean="0"/>
+              <a:t>PI Meeting – 45 days: Final Deadline for CP6 and CP7 solutions</a:t>
+            </a:r>
           </a:p>
           <a:p>
             <a:pPr lvl="1"/>
@@ -10259,7 +10220,7 @@
             </a:pPr>
             <a:r>
               <a:rPr lang="en-US" sz="2400" u="sng" dirty="0" smtClean="0"/>
-              <a:t>Micro-breakout ??? at ???</a:t>
+              <a:t>Micro-breakout today at 1:30pm</a:t>
             </a:r>
             <a:endParaRPr lang="en-US" sz="2400" dirty="0"/>
           </a:p>
@@ -10419,13 +10380,8 @@
           <a:p>
             <a:r>
               <a:rPr lang="en-US" dirty="0" smtClean="0"/>
-              <a:t>CP10: </a:t>
-            </a:r>
-            <a:r>
-              <a:rPr lang="en-US" dirty="0" smtClean="0"/>
-              <a:t>Exploratory Data Analysis Hackathon??</a:t>
-            </a:r>
-            <a:endParaRPr lang="en-US" dirty="0" smtClean="0"/>
+              <a:t>CP10: Exploratory Data Analysis Hackathon??</a:t>
+            </a:r>
           </a:p>
           <a:p>
             <a:endParaRPr lang="en-US" dirty="0"/>
@@ -10435,8 +10391,8 @@
               <a:buNone/>
             </a:pPr>
             <a:r>
-              <a:rPr lang="en-US" dirty="0" smtClean="0"/>
-              <a:t>Micro-Breakout ?? at ??</a:t>
+              <a:rPr lang="en-US" smtClean="0"/>
+              <a:t>Micro-Breakout Monday at 1:30pm</a:t>
             </a:r>
             <a:endParaRPr lang="en-US" dirty="0"/>
           </a:p>
@@ -10737,13 +10693,7 @@
               <a:rPr lang="en-US" sz="2000" dirty="0" smtClean="0">
                 <a:hlinkClick r:id="rId4"/>
               </a:rPr>
-              <a:t>https://</a:t>
-            </a:r>
-            <a:r>
-              <a:rPr lang="en-US" sz="2000" dirty="0" smtClean="0">
-                <a:hlinkClick r:id="rId4"/>
-              </a:rPr>
-              <a:t>www.tfaforms.com/406358</a:t>
+              <a:t>https://www.tfaforms.com/406358</a:t>
             </a:r>
             <a:endParaRPr lang="en-US" sz="2000" dirty="0"/>
           </a:p>

--- a/problem_statement/Challenge Problem 7-v2.pptx
+++ b/problem_statement/Challenge Problem 7-v2.pptx
@@ -5,7 +5,7 @@
     <p:sldMasterId id="2147483648" r:id="rId1"/>
   </p:sldMasterIdLst>
   <p:notesMasterIdLst>
-    <p:notesMasterId r:id="rId20"/>
+    <p:notesMasterId r:id="rId22"/>
   </p:notesMasterIdLst>
   <p:sldIdLst>
     <p:sldId id="256" r:id="rId2"/>
@@ -20,12 +20,14 @@
     <p:sldId id="284" r:id="rId11"/>
     <p:sldId id="285" r:id="rId12"/>
     <p:sldId id="286" r:id="rId13"/>
-    <p:sldId id="287" r:id="rId14"/>
-    <p:sldId id="273" r:id="rId15"/>
-    <p:sldId id="274" r:id="rId16"/>
-    <p:sldId id="275" r:id="rId17"/>
-    <p:sldId id="276" r:id="rId18"/>
-    <p:sldId id="289" r:id="rId19"/>
+    <p:sldId id="291" r:id="rId14"/>
+    <p:sldId id="287" r:id="rId15"/>
+    <p:sldId id="290" r:id="rId16"/>
+    <p:sldId id="273" r:id="rId17"/>
+    <p:sldId id="274" r:id="rId18"/>
+    <p:sldId id="275" r:id="rId19"/>
+    <p:sldId id="276" r:id="rId20"/>
+    <p:sldId id="289" r:id="rId21"/>
   </p:sldIdLst>
   <p:sldSz cx="9144000" cy="6858000" type="screen4x3"/>
   <p:notesSz cx="6858000" cy="9144000"/>
@@ -126,7 +128,7 @@
   </p:defaultTextStyle>
   <p:extLst>
     <p:ext uri="{EFAFB233-063F-42B5-8137-9DF3F51BA10A}">
-      <p15:sldGuideLst xmlns:p15="http://schemas.microsoft.com/office/powerpoint/2012/main" xmlns="">
+      <p15:sldGuideLst xmlns="" xmlns:p15="http://schemas.microsoft.com/office/powerpoint/2012/main">
         <p15:guide id="1" orient="horz" pos="2160">
           <p15:clr>
             <a:srgbClr val="A4A3A4"/>
@@ -523,11 +525,11 @@
           <c:showPercent val="0"/>
           <c:showBubbleSize val="0"/>
         </c:dLbls>
-        <c:axId val="34064640"/>
-        <c:axId val="34680832"/>
+        <c:axId val="152908544"/>
+        <c:axId val="152910080"/>
       </c:scatterChart>
       <c:valAx>
-        <c:axId val="34064640"/>
+        <c:axId val="152908544"/>
         <c:scaling>
           <c:orientation val="minMax"/>
         </c:scaling>
@@ -537,12 +539,12 @@
         <c:majorTickMark val="out"/>
         <c:minorTickMark val="none"/>
         <c:tickLblPos val="nextTo"/>
-        <c:crossAx val="34680832"/>
+        <c:crossAx val="152910080"/>
         <c:crosses val="autoZero"/>
         <c:crossBetween val="midCat"/>
       </c:valAx>
       <c:valAx>
-        <c:axId val="34680832"/>
+        <c:axId val="152910080"/>
         <c:scaling>
           <c:orientation val="minMax"/>
         </c:scaling>
@@ -578,7 +580,7 @@
         <c:majorTickMark val="out"/>
         <c:minorTickMark val="none"/>
         <c:tickLblPos val="nextTo"/>
-        <c:crossAx val="34064640"/>
+        <c:crossAx val="152908544"/>
         <c:crosses val="autoZero"/>
         <c:crossBetween val="midCat"/>
       </c:valAx>
@@ -676,7 +678,7 @@
             <a:fld id="{9E6BD383-960F-4311-92C8-B2CD992ECA1E}" type="datetimeFigureOut">
               <a:rPr lang="en-US" smtClean="0"/>
               <a:pPr/>
-              <a:t>1/23/2016</a:t>
+              <a:t>1/24/2016</a:t>
             </a:fld>
             <a:endParaRPr lang="en-US"/>
           </a:p>
@@ -1893,7 +1895,7 @@
             <a:fld id="{832CC242-A0D7-4B80-A96C-75E8B1ABCB20}" type="slidenum">
               <a:rPr lang="en-US" smtClean="0"/>
               <a:pPr/>
-              <a:t>14</a:t>
+              <a:t>16</a:t>
             </a:fld>
             <a:endParaRPr lang="en-US"/>
           </a:p>
@@ -2107,7 +2109,7 @@
           <a:p>
             <a:fld id="{10A2D9C9-303B-4AB5-84A1-F153B136A717}" type="datetime1">
               <a:rPr lang="en-US" smtClean="0"/>
-              <a:t>1/23/2016</a:t>
+              <a:t>1/24/2016</a:t>
             </a:fld>
             <a:endParaRPr lang="en-US"/>
           </a:p>
@@ -2322,7 +2324,7 @@
           <a:p>
             <a:fld id="{51197B75-BE7F-4272-B976-D1D1E7899D4A}" type="datetime1">
               <a:rPr lang="en-US" smtClean="0"/>
-              <a:t>1/23/2016</a:t>
+              <a:t>1/24/2016</a:t>
             </a:fld>
             <a:endParaRPr lang="en-US"/>
           </a:p>
@@ -2537,7 +2539,7 @@
           <a:p>
             <a:fld id="{FE47BF7B-1E73-43D8-84A6-C70A80555264}" type="datetime1">
               <a:rPr lang="en-US" smtClean="0"/>
-              <a:t>1/23/2016</a:t>
+              <a:t>1/24/2016</a:t>
             </a:fld>
             <a:endParaRPr lang="en-US"/>
           </a:p>
@@ -3026,7 +3028,7 @@
           <a:p>
             <a:fld id="{33CE1CC0-3F48-49CA-B6DD-2076A2849A7C}" type="datetime1">
               <a:rPr lang="en-US" smtClean="0"/>
-              <a:t>1/23/2016</a:t>
+              <a:t>1/24/2016</a:t>
             </a:fld>
             <a:endParaRPr lang="en-US"/>
           </a:p>
@@ -3307,7 +3309,7 @@
           <a:p>
             <a:fld id="{8ADFE6ED-759C-4698-956B-3902C4481DF3}" type="datetime1">
               <a:rPr lang="en-US" smtClean="0"/>
-              <a:t>1/23/2016</a:t>
+              <a:t>1/24/2016</a:t>
             </a:fld>
             <a:endParaRPr lang="en-US"/>
           </a:p>
@@ -3638,7 +3640,7 @@
           <a:p>
             <a:fld id="{B60BC632-6F8B-4847-A1F0-503D152A434F}" type="datetime1">
               <a:rPr lang="en-US" smtClean="0"/>
-              <a:t>1/23/2016</a:t>
+              <a:t>1/24/2016</a:t>
             </a:fld>
             <a:endParaRPr lang="en-US"/>
           </a:p>
@@ -4109,7 +4111,7 @@
           <a:p>
             <a:fld id="{A419F865-BE9A-48D4-9430-39E701FC316F}" type="datetime1">
               <a:rPr lang="en-US" smtClean="0"/>
-              <a:t>1/23/2016</a:t>
+              <a:t>1/24/2016</a:t>
             </a:fld>
             <a:endParaRPr lang="en-US"/>
           </a:p>
@@ -4264,7 +4266,7 @@
           <a:p>
             <a:fld id="{C0324990-2155-49D2-9872-32C6CA12C0AC}" type="datetime1">
               <a:rPr lang="en-US" smtClean="0"/>
-              <a:t>1/23/2016</a:t>
+              <a:t>1/24/2016</a:t>
             </a:fld>
             <a:endParaRPr lang="en-US"/>
           </a:p>
@@ -4388,7 +4390,7 @@
           <a:p>
             <a:fld id="{99CA6F97-ACCB-4A92-AD64-1D4E7596EBDF}" type="datetime1">
               <a:rPr lang="en-US" smtClean="0"/>
-              <a:t>1/23/2016</a:t>
+              <a:t>1/24/2016</a:t>
             </a:fld>
             <a:endParaRPr lang="en-US"/>
           </a:p>
@@ -4703,7 +4705,7 @@
           <a:p>
             <a:fld id="{DACDE28F-BBA8-4E5C-A8E7-150E9CCFEF2C}" type="datetime1">
               <a:rPr lang="en-US" smtClean="0"/>
-              <a:t>1/23/2016</a:t>
+              <a:t>1/24/2016</a:t>
             </a:fld>
             <a:endParaRPr lang="en-US"/>
           </a:p>
@@ -4994,7 +4996,7 @@
           <a:p>
             <a:fld id="{17158191-D514-4FE8-8753-B6BFF2D54D8A}" type="datetime1">
               <a:rPr lang="en-US" smtClean="0"/>
-              <a:t>1/23/2016</a:t>
+              <a:t>1/24/2016</a:t>
             </a:fld>
             <a:endParaRPr lang="en-US"/>
           </a:p>
@@ -7758,6 +7760,2693 @@
             <p:ph type="title"/>
           </p:nvPr>
         </p:nvSpPr>
+        <p:spPr/>
+        <p:txBody>
+          <a:bodyPr/>
+          <a:lstStyle/>
+          <a:p>
+            <a:r>
+              <a:rPr lang="en-US" dirty="0" smtClean="0"/>
+              <a:t>Phase 1</a:t>
+            </a:r>
+            <a:endParaRPr lang="en-US" dirty="0"/>
+          </a:p>
+        </p:txBody>
+      </p:sp>
+      <p:sp>
+        <p:nvSpPr>
+          <p:cNvPr id="4" name="Footer Placeholder 3"/>
+          <p:cNvSpPr>
+            <a:spLocks noGrp="1"/>
+          </p:cNvSpPr>
+          <p:nvPr>
+            <p:ph type="ftr" sz="quarter" idx="11"/>
+          </p:nvPr>
+        </p:nvSpPr>
+        <p:spPr/>
+        <p:txBody>
+          <a:bodyPr/>
+          <a:lstStyle/>
+          <a:p>
+            <a:r>
+              <a:rPr lang="en-US" smtClean="0"/>
+              <a:t>Distribution Unlimited</a:t>
+            </a:r>
+            <a:endParaRPr lang="en-US"/>
+          </a:p>
+        </p:txBody>
+      </p:sp>
+      <p:sp>
+        <p:nvSpPr>
+          <p:cNvPr id="5" name="Slide Number Placeholder 4"/>
+          <p:cNvSpPr>
+            <a:spLocks noGrp="1"/>
+          </p:cNvSpPr>
+          <p:nvPr>
+            <p:ph type="sldNum" sz="quarter" idx="12"/>
+          </p:nvPr>
+        </p:nvSpPr>
+        <p:spPr/>
+        <p:txBody>
+          <a:bodyPr/>
+          <a:lstStyle/>
+          <a:p>
+            <a:fld id="{B7AE4108-064F-4050-AAE5-C40EA46DD43F}" type="slidenum">
+              <a:rPr lang="en-US" smtClean="0"/>
+              <a:pPr/>
+              <a:t>13</a:t>
+            </a:fld>
+            <a:endParaRPr lang="en-US"/>
+          </a:p>
+        </p:txBody>
+      </p:sp>
+      <mc:AlternateContent xmlns:mc="http://schemas.openxmlformats.org/markup-compatibility/2006">
+        <mc:Choice xmlns:a14="http://schemas.microsoft.com/office/drawing/2010/main" Requires="a14">
+          <p:sp>
+            <p:nvSpPr>
+              <p:cNvPr id="6" name="Rectangle 5"/>
+              <p:cNvSpPr/>
+              <p:nvPr/>
+            </p:nvSpPr>
+            <p:spPr>
+              <a:xfrm>
+                <a:off x="990600" y="1524000"/>
+                <a:ext cx="685800" cy="457200"/>
+              </a:xfrm>
+              <a:prstGeom prst="rect">
+                <a:avLst/>
+              </a:prstGeom>
+            </p:spPr>
+            <p:style>
+              <a:lnRef idx="2">
+                <a:schemeClr val="accent1">
+                  <a:shade val="50000"/>
+                </a:schemeClr>
+              </a:lnRef>
+              <a:fillRef idx="1">
+                <a:schemeClr val="accent1"/>
+              </a:fillRef>
+              <a:effectRef idx="0">
+                <a:schemeClr val="accent1"/>
+              </a:effectRef>
+              <a:fontRef idx="minor">
+                <a:schemeClr val="lt1"/>
+              </a:fontRef>
+            </p:style>
+            <p:txBody>
+              <a:bodyPr rtlCol="0" anchor="ctr"/>
+              <a:lstStyle/>
+              <a:p>
+                <a:pPr algn="ctr"/>
+                <a14:m>
+                  <m:oMathPara xmlns:m="http://schemas.openxmlformats.org/officeDocument/2006/math">
+                    <m:oMathParaPr>
+                      <m:jc m:val="centerGroup"/>
+                    </m:oMathParaPr>
+                    <m:oMath xmlns:m="http://schemas.openxmlformats.org/officeDocument/2006/math">
+                      <m:sSub>
+                        <m:sSubPr>
+                          <m:ctrlPr>
+                            <a:rPr lang="en-US" b="0" i="1" dirty="0" smtClean="0">
+                              <a:latin typeface="Cambria Math"/>
+                            </a:rPr>
+                          </m:ctrlPr>
+                        </m:sSubPr>
+                        <m:e>
+                          <m:r>
+                            <a:rPr lang="en-US" i="1" dirty="0" smtClean="0">
+                              <a:latin typeface="Cambria Math"/>
+                            </a:rPr>
+                            <m:t>𝑋</m:t>
+                          </m:r>
+                        </m:e>
+                        <m:sub>
+                          <m:r>
+                            <a:rPr lang="en-US" b="0" i="1" dirty="0" smtClean="0">
+                              <a:latin typeface="Cambria Math"/>
+                            </a:rPr>
+                            <m:t>1</m:t>
+                          </m:r>
+                        </m:sub>
+                      </m:sSub>
+                    </m:oMath>
+                  </m:oMathPara>
+                </a14:m>
+                <a:endParaRPr lang="en-US" dirty="0"/>
+              </a:p>
+            </p:txBody>
+          </p:sp>
+        </mc:Choice>
+        <mc:Fallback>
+          <p:sp>
+            <p:nvSpPr>
+              <p:cNvPr id="6" name="Rectangle 5"/>
+              <p:cNvSpPr>
+                <a:spLocks noRot="1" noChangeAspect="1" noMove="1" noResize="1" noEditPoints="1" noAdjustHandles="1" noChangeArrowheads="1" noChangeShapeType="1" noTextEdit="1"/>
+              </p:cNvSpPr>
+              <p:nvPr/>
+            </p:nvSpPr>
+            <p:spPr>
+              <a:xfrm>
+                <a:off x="990600" y="1524000"/>
+                <a:ext cx="685800" cy="457200"/>
+              </a:xfrm>
+              <a:prstGeom prst="rect">
+                <a:avLst/>
+              </a:prstGeom>
+              <a:blipFill rotWithShape="1">
+                <a:blip r:embed="rId2"/>
+                <a:stretch>
+                  <a:fillRect/>
+                </a:stretch>
+              </a:blipFill>
+            </p:spPr>
+            <p:txBody>
+              <a:bodyPr/>
+              <a:lstStyle/>
+              <a:p>
+                <a:r>
+                  <a:rPr lang="en-US">
+                    <a:noFill/>
+                  </a:rPr>
+                  <a:t> </a:t>
+                </a:r>
+              </a:p>
+            </p:txBody>
+          </p:sp>
+        </mc:Fallback>
+      </mc:AlternateContent>
+      <mc:AlternateContent xmlns:mc="http://schemas.openxmlformats.org/markup-compatibility/2006">
+        <mc:Choice xmlns:a14="http://schemas.microsoft.com/office/drawing/2010/main" Requires="a14">
+          <p:sp>
+            <p:nvSpPr>
+              <p:cNvPr id="7" name="Rectangle 6"/>
+              <p:cNvSpPr/>
+              <p:nvPr/>
+            </p:nvSpPr>
+            <p:spPr>
+              <a:xfrm>
+                <a:off x="1676400" y="1524000"/>
+                <a:ext cx="685800" cy="457200"/>
+              </a:xfrm>
+              <a:prstGeom prst="rect">
+                <a:avLst/>
+              </a:prstGeom>
+            </p:spPr>
+            <p:style>
+              <a:lnRef idx="2">
+                <a:schemeClr val="accent1">
+                  <a:shade val="50000"/>
+                </a:schemeClr>
+              </a:lnRef>
+              <a:fillRef idx="1">
+                <a:schemeClr val="accent1"/>
+              </a:fillRef>
+              <a:effectRef idx="0">
+                <a:schemeClr val="accent1"/>
+              </a:effectRef>
+              <a:fontRef idx="minor">
+                <a:schemeClr val="lt1"/>
+              </a:fontRef>
+            </p:style>
+            <p:txBody>
+              <a:bodyPr rtlCol="0" anchor="ctr"/>
+              <a:lstStyle/>
+              <a:p>
+                <a:pPr algn="ctr"/>
+                <a14:m>
+                  <m:oMathPara xmlns:m="http://schemas.openxmlformats.org/officeDocument/2006/math">
+                    <m:oMathParaPr>
+                      <m:jc m:val="centerGroup"/>
+                    </m:oMathParaPr>
+                    <m:oMath xmlns:m="http://schemas.openxmlformats.org/officeDocument/2006/math">
+                      <m:sSub>
+                        <m:sSubPr>
+                          <m:ctrlPr>
+                            <a:rPr lang="en-US" i="1" dirty="0" smtClean="0">
+                              <a:latin typeface="Cambria Math"/>
+                            </a:rPr>
+                          </m:ctrlPr>
+                        </m:sSubPr>
+                        <m:e>
+                          <m:r>
+                            <a:rPr lang="en-US" i="1" dirty="0">
+                              <a:latin typeface="Cambria Math"/>
+                            </a:rPr>
+                            <m:t>𝑋</m:t>
+                          </m:r>
+                        </m:e>
+                        <m:sub>
+                          <m:r>
+                            <a:rPr lang="en-US" b="0" i="1" dirty="0" smtClean="0">
+                              <a:latin typeface="Cambria Math"/>
+                            </a:rPr>
+                            <m:t>2</m:t>
+                          </m:r>
+                        </m:sub>
+                      </m:sSub>
+                    </m:oMath>
+                  </m:oMathPara>
+                </a14:m>
+                <a:endParaRPr lang="en-US" dirty="0"/>
+              </a:p>
+            </p:txBody>
+          </p:sp>
+        </mc:Choice>
+        <mc:Fallback>
+          <p:sp>
+            <p:nvSpPr>
+              <p:cNvPr id="7" name="Rectangle 6"/>
+              <p:cNvSpPr>
+                <a:spLocks noRot="1" noChangeAspect="1" noMove="1" noResize="1" noEditPoints="1" noAdjustHandles="1" noChangeArrowheads="1" noChangeShapeType="1" noTextEdit="1"/>
+              </p:cNvSpPr>
+              <p:nvPr/>
+            </p:nvSpPr>
+            <p:spPr>
+              <a:xfrm>
+                <a:off x="1676400" y="1524000"/>
+                <a:ext cx="685800" cy="457200"/>
+              </a:xfrm>
+              <a:prstGeom prst="rect">
+                <a:avLst/>
+              </a:prstGeom>
+              <a:blipFill rotWithShape="1">
+                <a:blip r:embed="rId3"/>
+                <a:stretch>
+                  <a:fillRect/>
+                </a:stretch>
+              </a:blipFill>
+            </p:spPr>
+            <p:txBody>
+              <a:bodyPr/>
+              <a:lstStyle/>
+              <a:p>
+                <a:r>
+                  <a:rPr lang="en-US">
+                    <a:noFill/>
+                  </a:rPr>
+                  <a:t> </a:t>
+                </a:r>
+              </a:p>
+            </p:txBody>
+          </p:sp>
+        </mc:Fallback>
+      </mc:AlternateContent>
+      <mc:AlternateContent xmlns:mc="http://schemas.openxmlformats.org/markup-compatibility/2006">
+        <mc:Choice xmlns:a14="http://schemas.microsoft.com/office/drawing/2010/main" Requires="a14">
+          <p:sp>
+            <p:nvSpPr>
+              <p:cNvPr id="8" name="Rectangle 7"/>
+              <p:cNvSpPr/>
+              <p:nvPr/>
+            </p:nvSpPr>
+            <p:spPr>
+              <a:xfrm>
+                <a:off x="2362200" y="1524000"/>
+                <a:ext cx="685800" cy="457200"/>
+              </a:xfrm>
+              <a:prstGeom prst="rect">
+                <a:avLst/>
+              </a:prstGeom>
+            </p:spPr>
+            <p:style>
+              <a:lnRef idx="2">
+                <a:schemeClr val="accent1">
+                  <a:shade val="50000"/>
+                </a:schemeClr>
+              </a:lnRef>
+              <a:fillRef idx="1">
+                <a:schemeClr val="accent1"/>
+              </a:fillRef>
+              <a:effectRef idx="0">
+                <a:schemeClr val="accent1"/>
+              </a:effectRef>
+              <a:fontRef idx="minor">
+                <a:schemeClr val="lt1"/>
+              </a:fontRef>
+            </p:style>
+            <p:txBody>
+              <a:bodyPr rtlCol="0" anchor="ctr"/>
+              <a:lstStyle/>
+              <a:p>
+                <a:pPr algn="ctr"/>
+                <a14:m>
+                  <m:oMathPara xmlns:m="http://schemas.openxmlformats.org/officeDocument/2006/math">
+                    <m:oMathParaPr>
+                      <m:jc m:val="centerGroup"/>
+                    </m:oMathParaPr>
+                    <m:oMath xmlns:m="http://schemas.openxmlformats.org/officeDocument/2006/math">
+                      <m:sSub>
+                        <m:sSubPr>
+                          <m:ctrlPr>
+                            <a:rPr lang="en-US" i="1" dirty="0" smtClean="0">
+                              <a:latin typeface="Cambria Math"/>
+                            </a:rPr>
+                          </m:ctrlPr>
+                        </m:sSubPr>
+                        <m:e>
+                          <m:r>
+                            <a:rPr lang="en-US" i="1" dirty="0">
+                              <a:latin typeface="Cambria Math"/>
+                            </a:rPr>
+                            <m:t>𝑋</m:t>
+                          </m:r>
+                        </m:e>
+                        <m:sub>
+                          <m:r>
+                            <a:rPr lang="en-US" b="0" i="1" dirty="0" smtClean="0">
+                              <a:latin typeface="Cambria Math"/>
+                            </a:rPr>
+                            <m:t>3</m:t>
+                          </m:r>
+                        </m:sub>
+                      </m:sSub>
+                    </m:oMath>
+                  </m:oMathPara>
+                </a14:m>
+                <a:endParaRPr lang="en-US" dirty="0"/>
+              </a:p>
+            </p:txBody>
+          </p:sp>
+        </mc:Choice>
+        <mc:Fallback>
+          <p:sp>
+            <p:nvSpPr>
+              <p:cNvPr id="8" name="Rectangle 7"/>
+              <p:cNvSpPr>
+                <a:spLocks noRot="1" noChangeAspect="1" noMove="1" noResize="1" noEditPoints="1" noAdjustHandles="1" noChangeArrowheads="1" noChangeShapeType="1" noTextEdit="1"/>
+              </p:cNvSpPr>
+              <p:nvPr/>
+            </p:nvSpPr>
+            <p:spPr>
+              <a:xfrm>
+                <a:off x="2362200" y="1524000"/>
+                <a:ext cx="685800" cy="457200"/>
+              </a:xfrm>
+              <a:prstGeom prst="rect">
+                <a:avLst/>
+              </a:prstGeom>
+              <a:blipFill rotWithShape="1">
+                <a:blip r:embed="rId4"/>
+                <a:stretch>
+                  <a:fillRect/>
+                </a:stretch>
+              </a:blipFill>
+            </p:spPr>
+            <p:txBody>
+              <a:bodyPr/>
+              <a:lstStyle/>
+              <a:p>
+                <a:r>
+                  <a:rPr lang="en-US">
+                    <a:noFill/>
+                  </a:rPr>
+                  <a:t> </a:t>
+                </a:r>
+              </a:p>
+            </p:txBody>
+          </p:sp>
+        </mc:Fallback>
+      </mc:AlternateContent>
+      <mc:AlternateContent xmlns:mc="http://schemas.openxmlformats.org/markup-compatibility/2006">
+        <mc:Choice xmlns:a14="http://schemas.microsoft.com/office/drawing/2010/main" Requires="a14">
+          <p:sp>
+            <p:nvSpPr>
+              <p:cNvPr id="9" name="Rectangle 8"/>
+              <p:cNvSpPr/>
+              <p:nvPr/>
+            </p:nvSpPr>
+            <p:spPr>
+              <a:xfrm>
+                <a:off x="3048000" y="1524000"/>
+                <a:ext cx="685800" cy="457200"/>
+              </a:xfrm>
+              <a:prstGeom prst="rect">
+                <a:avLst/>
+              </a:prstGeom>
+            </p:spPr>
+            <p:style>
+              <a:lnRef idx="2">
+                <a:schemeClr val="accent1">
+                  <a:shade val="50000"/>
+                </a:schemeClr>
+              </a:lnRef>
+              <a:fillRef idx="1">
+                <a:schemeClr val="accent1"/>
+              </a:fillRef>
+              <a:effectRef idx="0">
+                <a:schemeClr val="accent1"/>
+              </a:effectRef>
+              <a:fontRef idx="minor">
+                <a:schemeClr val="lt1"/>
+              </a:fontRef>
+            </p:style>
+            <p:txBody>
+              <a:bodyPr rtlCol="0" anchor="ctr"/>
+              <a:lstStyle/>
+              <a:p>
+                <a:pPr algn="ctr"/>
+                <a14:m>
+                  <m:oMathPara xmlns:m="http://schemas.openxmlformats.org/officeDocument/2006/math">
+                    <m:oMathParaPr>
+                      <m:jc m:val="centerGroup"/>
+                    </m:oMathParaPr>
+                    <m:oMath xmlns:m="http://schemas.openxmlformats.org/officeDocument/2006/math">
+                      <m:sSub>
+                        <m:sSubPr>
+                          <m:ctrlPr>
+                            <a:rPr lang="en-US" i="1" dirty="0" smtClean="0">
+                              <a:latin typeface="Cambria Math"/>
+                            </a:rPr>
+                          </m:ctrlPr>
+                        </m:sSubPr>
+                        <m:e>
+                          <m:r>
+                            <a:rPr lang="en-US" i="1" dirty="0">
+                              <a:latin typeface="Cambria Math"/>
+                            </a:rPr>
+                            <m:t>𝑋</m:t>
+                          </m:r>
+                        </m:e>
+                        <m:sub>
+                          <m:r>
+                            <a:rPr lang="en-US" b="0" i="1" dirty="0" smtClean="0">
+                              <a:latin typeface="Cambria Math"/>
+                            </a:rPr>
+                            <m:t>4</m:t>
+                          </m:r>
+                        </m:sub>
+                      </m:sSub>
+                    </m:oMath>
+                  </m:oMathPara>
+                </a14:m>
+                <a:endParaRPr lang="en-US" dirty="0"/>
+              </a:p>
+            </p:txBody>
+          </p:sp>
+        </mc:Choice>
+        <mc:Fallback>
+          <p:sp>
+            <p:nvSpPr>
+              <p:cNvPr id="9" name="Rectangle 8"/>
+              <p:cNvSpPr>
+                <a:spLocks noRot="1" noChangeAspect="1" noMove="1" noResize="1" noEditPoints="1" noAdjustHandles="1" noChangeArrowheads="1" noChangeShapeType="1" noTextEdit="1"/>
+              </p:cNvSpPr>
+              <p:nvPr/>
+            </p:nvSpPr>
+            <p:spPr>
+              <a:xfrm>
+                <a:off x="3048000" y="1524000"/>
+                <a:ext cx="685800" cy="457200"/>
+              </a:xfrm>
+              <a:prstGeom prst="rect">
+                <a:avLst/>
+              </a:prstGeom>
+              <a:blipFill rotWithShape="1">
+                <a:blip r:embed="rId5"/>
+                <a:stretch>
+                  <a:fillRect/>
+                </a:stretch>
+              </a:blipFill>
+            </p:spPr>
+            <p:txBody>
+              <a:bodyPr/>
+              <a:lstStyle/>
+              <a:p>
+                <a:r>
+                  <a:rPr lang="en-US">
+                    <a:noFill/>
+                  </a:rPr>
+                  <a:t> </a:t>
+                </a:r>
+              </a:p>
+            </p:txBody>
+          </p:sp>
+        </mc:Fallback>
+      </mc:AlternateContent>
+      <mc:AlternateContent xmlns:mc="http://schemas.openxmlformats.org/markup-compatibility/2006">
+        <mc:Choice xmlns:a14="http://schemas.microsoft.com/office/drawing/2010/main" Requires="a14">
+          <p:sp>
+            <p:nvSpPr>
+              <p:cNvPr id="10" name="Rectangle 9"/>
+              <p:cNvSpPr/>
+              <p:nvPr/>
+            </p:nvSpPr>
+            <p:spPr>
+              <a:xfrm>
+                <a:off x="3733800" y="1524000"/>
+                <a:ext cx="685800" cy="457200"/>
+              </a:xfrm>
+              <a:prstGeom prst="rect">
+                <a:avLst/>
+              </a:prstGeom>
+            </p:spPr>
+            <p:style>
+              <a:lnRef idx="2">
+                <a:schemeClr val="accent1">
+                  <a:shade val="50000"/>
+                </a:schemeClr>
+              </a:lnRef>
+              <a:fillRef idx="1">
+                <a:schemeClr val="accent1"/>
+              </a:fillRef>
+              <a:effectRef idx="0">
+                <a:schemeClr val="accent1"/>
+              </a:effectRef>
+              <a:fontRef idx="minor">
+                <a:schemeClr val="lt1"/>
+              </a:fontRef>
+            </p:style>
+            <p:txBody>
+              <a:bodyPr rtlCol="0" anchor="ctr"/>
+              <a:lstStyle/>
+              <a:p>
+                <a:pPr algn="ctr"/>
+                <a14:m>
+                  <m:oMathPara xmlns:m="http://schemas.openxmlformats.org/officeDocument/2006/math">
+                    <m:oMathParaPr>
+                      <m:jc m:val="centerGroup"/>
+                    </m:oMathParaPr>
+                    <m:oMath xmlns:m="http://schemas.openxmlformats.org/officeDocument/2006/math">
+                      <m:sSub>
+                        <m:sSubPr>
+                          <m:ctrlPr>
+                            <a:rPr lang="en-US" i="1" dirty="0" smtClean="0">
+                              <a:latin typeface="Cambria Math"/>
+                            </a:rPr>
+                          </m:ctrlPr>
+                        </m:sSubPr>
+                        <m:e>
+                          <m:r>
+                            <a:rPr lang="en-US" i="1" dirty="0">
+                              <a:latin typeface="Cambria Math"/>
+                            </a:rPr>
+                            <m:t>𝑋</m:t>
+                          </m:r>
+                        </m:e>
+                        <m:sub>
+                          <m:r>
+                            <a:rPr lang="en-US" b="0" i="1" dirty="0" smtClean="0">
+                              <a:latin typeface="Cambria Math"/>
+                            </a:rPr>
+                            <m:t>5</m:t>
+                          </m:r>
+                        </m:sub>
+                      </m:sSub>
+                    </m:oMath>
+                  </m:oMathPara>
+                </a14:m>
+                <a:endParaRPr lang="en-US" dirty="0"/>
+              </a:p>
+            </p:txBody>
+          </p:sp>
+        </mc:Choice>
+        <mc:Fallback>
+          <p:sp>
+            <p:nvSpPr>
+              <p:cNvPr id="10" name="Rectangle 9"/>
+              <p:cNvSpPr>
+                <a:spLocks noRot="1" noChangeAspect="1" noMove="1" noResize="1" noEditPoints="1" noAdjustHandles="1" noChangeArrowheads="1" noChangeShapeType="1" noTextEdit="1"/>
+              </p:cNvSpPr>
+              <p:nvPr/>
+            </p:nvSpPr>
+            <p:spPr>
+              <a:xfrm>
+                <a:off x="3733800" y="1524000"/>
+                <a:ext cx="685800" cy="457200"/>
+              </a:xfrm>
+              <a:prstGeom prst="rect">
+                <a:avLst/>
+              </a:prstGeom>
+              <a:blipFill rotWithShape="1">
+                <a:blip r:embed="rId6"/>
+                <a:stretch>
+                  <a:fillRect/>
+                </a:stretch>
+              </a:blipFill>
+            </p:spPr>
+            <p:txBody>
+              <a:bodyPr/>
+              <a:lstStyle/>
+              <a:p>
+                <a:r>
+                  <a:rPr lang="en-US">
+                    <a:noFill/>
+                  </a:rPr>
+                  <a:t> </a:t>
+                </a:r>
+              </a:p>
+            </p:txBody>
+          </p:sp>
+        </mc:Fallback>
+      </mc:AlternateContent>
+      <mc:AlternateContent xmlns:mc="http://schemas.openxmlformats.org/markup-compatibility/2006">
+        <mc:Choice xmlns:a14="http://schemas.microsoft.com/office/drawing/2010/main" Requires="a14">
+          <p:sp>
+            <p:nvSpPr>
+              <p:cNvPr id="11" name="Rectangle 10"/>
+              <p:cNvSpPr/>
+              <p:nvPr/>
+            </p:nvSpPr>
+            <p:spPr>
+              <a:xfrm>
+                <a:off x="4419600" y="1524000"/>
+                <a:ext cx="685800" cy="457200"/>
+              </a:xfrm>
+              <a:prstGeom prst="rect">
+                <a:avLst/>
+              </a:prstGeom>
+            </p:spPr>
+            <p:style>
+              <a:lnRef idx="2">
+                <a:schemeClr val="accent1">
+                  <a:shade val="50000"/>
+                </a:schemeClr>
+              </a:lnRef>
+              <a:fillRef idx="1">
+                <a:schemeClr val="accent1"/>
+              </a:fillRef>
+              <a:effectRef idx="0">
+                <a:schemeClr val="accent1"/>
+              </a:effectRef>
+              <a:fontRef idx="minor">
+                <a:schemeClr val="lt1"/>
+              </a:fontRef>
+            </p:style>
+            <p:txBody>
+              <a:bodyPr rtlCol="0" anchor="ctr"/>
+              <a:lstStyle/>
+              <a:p>
+                <a:pPr algn="ctr"/>
+                <a14:m>
+                  <m:oMathPara xmlns:m="http://schemas.openxmlformats.org/officeDocument/2006/math">
+                    <m:oMathParaPr>
+                      <m:jc m:val="centerGroup"/>
+                    </m:oMathParaPr>
+                    <m:oMath xmlns:m="http://schemas.openxmlformats.org/officeDocument/2006/math">
+                      <m:r>
+                        <a:rPr lang="en-US" i="1" dirty="0" smtClean="0">
+                          <a:latin typeface="Cambria Math"/>
+                        </a:rPr>
+                        <m:t>…</m:t>
+                      </m:r>
+                    </m:oMath>
+                  </m:oMathPara>
+                </a14:m>
+                <a:endParaRPr lang="en-US" dirty="0"/>
+              </a:p>
+            </p:txBody>
+          </p:sp>
+        </mc:Choice>
+        <mc:Fallback>
+          <p:sp>
+            <p:nvSpPr>
+              <p:cNvPr id="11" name="Rectangle 10"/>
+              <p:cNvSpPr>
+                <a:spLocks noRot="1" noChangeAspect="1" noMove="1" noResize="1" noEditPoints="1" noAdjustHandles="1" noChangeArrowheads="1" noChangeShapeType="1" noTextEdit="1"/>
+              </p:cNvSpPr>
+              <p:nvPr/>
+            </p:nvSpPr>
+            <p:spPr>
+              <a:xfrm>
+                <a:off x="4419600" y="1524000"/>
+                <a:ext cx="685800" cy="457200"/>
+              </a:xfrm>
+              <a:prstGeom prst="rect">
+                <a:avLst/>
+              </a:prstGeom>
+              <a:blipFill rotWithShape="1">
+                <a:blip r:embed="rId7"/>
+                <a:stretch>
+                  <a:fillRect/>
+                </a:stretch>
+              </a:blipFill>
+            </p:spPr>
+            <p:txBody>
+              <a:bodyPr/>
+              <a:lstStyle/>
+              <a:p>
+                <a:r>
+                  <a:rPr lang="en-US">
+                    <a:noFill/>
+                  </a:rPr>
+                  <a:t> </a:t>
+                </a:r>
+              </a:p>
+            </p:txBody>
+          </p:sp>
+        </mc:Fallback>
+      </mc:AlternateContent>
+      <mc:AlternateContent xmlns:mc="http://schemas.openxmlformats.org/markup-compatibility/2006">
+        <mc:Choice xmlns:a14="http://schemas.microsoft.com/office/drawing/2010/main" Requires="a14">
+          <p:sp>
+            <p:nvSpPr>
+              <p:cNvPr id="12" name="Rectangle 11"/>
+              <p:cNvSpPr/>
+              <p:nvPr/>
+            </p:nvSpPr>
+            <p:spPr>
+              <a:xfrm>
+                <a:off x="5105400" y="1524000"/>
+                <a:ext cx="685800" cy="457200"/>
+              </a:xfrm>
+              <a:prstGeom prst="rect">
+                <a:avLst/>
+              </a:prstGeom>
+            </p:spPr>
+            <p:style>
+              <a:lnRef idx="2">
+                <a:schemeClr val="accent1">
+                  <a:shade val="50000"/>
+                </a:schemeClr>
+              </a:lnRef>
+              <a:fillRef idx="1">
+                <a:schemeClr val="accent1"/>
+              </a:fillRef>
+              <a:effectRef idx="0">
+                <a:schemeClr val="accent1"/>
+              </a:effectRef>
+              <a:fontRef idx="minor">
+                <a:schemeClr val="lt1"/>
+              </a:fontRef>
+            </p:style>
+            <p:txBody>
+              <a:bodyPr rtlCol="0" anchor="ctr"/>
+              <a:lstStyle/>
+              <a:p>
+                <a:pPr algn="ctr"/>
+                <a14:m>
+                  <m:oMathPara xmlns:m="http://schemas.openxmlformats.org/officeDocument/2006/math">
+                    <m:oMathParaPr>
+                      <m:jc m:val="centerGroup"/>
+                    </m:oMathParaPr>
+                    <m:oMath xmlns:m="http://schemas.openxmlformats.org/officeDocument/2006/math">
+                      <m:sSub>
+                        <m:sSubPr>
+                          <m:ctrlPr>
+                            <a:rPr lang="en-US" i="1" dirty="0" smtClean="0">
+                              <a:latin typeface="Cambria Math"/>
+                            </a:rPr>
+                          </m:ctrlPr>
+                        </m:sSubPr>
+                        <m:e>
+                          <m:r>
+                            <a:rPr lang="en-US" i="1" dirty="0">
+                              <a:latin typeface="Cambria Math"/>
+                            </a:rPr>
+                            <m:t>𝑋</m:t>
+                          </m:r>
+                        </m:e>
+                        <m:sub>
+                          <m:r>
+                            <a:rPr lang="en-US" b="0" i="1" dirty="0" smtClean="0">
+                              <a:latin typeface="Cambria Math"/>
+                            </a:rPr>
+                            <m:t>52</m:t>
+                          </m:r>
+                        </m:sub>
+                      </m:sSub>
+                    </m:oMath>
+                  </m:oMathPara>
+                </a14:m>
+                <a:endParaRPr lang="en-US" dirty="0"/>
+              </a:p>
+            </p:txBody>
+          </p:sp>
+        </mc:Choice>
+        <mc:Fallback>
+          <p:sp>
+            <p:nvSpPr>
+              <p:cNvPr id="12" name="Rectangle 11"/>
+              <p:cNvSpPr>
+                <a:spLocks noRot="1" noChangeAspect="1" noMove="1" noResize="1" noEditPoints="1" noAdjustHandles="1" noChangeArrowheads="1" noChangeShapeType="1" noTextEdit="1"/>
+              </p:cNvSpPr>
+              <p:nvPr/>
+            </p:nvSpPr>
+            <p:spPr>
+              <a:xfrm>
+                <a:off x="5105400" y="1524000"/>
+                <a:ext cx="685800" cy="457200"/>
+              </a:xfrm>
+              <a:prstGeom prst="rect">
+                <a:avLst/>
+              </a:prstGeom>
+              <a:blipFill rotWithShape="1">
+                <a:blip r:embed="rId8"/>
+                <a:stretch>
+                  <a:fillRect/>
+                </a:stretch>
+              </a:blipFill>
+            </p:spPr>
+            <p:txBody>
+              <a:bodyPr/>
+              <a:lstStyle/>
+              <a:p>
+                <a:r>
+                  <a:rPr lang="en-US">
+                    <a:noFill/>
+                  </a:rPr>
+                  <a:t> </a:t>
+                </a:r>
+              </a:p>
+            </p:txBody>
+          </p:sp>
+        </mc:Fallback>
+      </mc:AlternateContent>
+      <p:sp>
+        <p:nvSpPr>
+          <p:cNvPr id="13" name="TextBox 12"/>
+          <p:cNvSpPr txBox="1"/>
+          <p:nvPr/>
+        </p:nvSpPr>
+        <p:spPr>
+          <a:xfrm>
+            <a:off x="6705600" y="1558290"/>
+            <a:ext cx="2280753" cy="369332"/>
+          </a:xfrm>
+          <a:prstGeom prst="rect">
+            <a:avLst/>
+          </a:prstGeom>
+          <a:noFill/>
+        </p:spPr>
+        <p:txBody>
+          <a:bodyPr wrap="none" rtlCol="0">
+            <a:spAutoFit/>
+          </a:bodyPr>
+          <a:lstStyle/>
+          <a:p>
+            <a:r>
+              <a:rPr lang="en-US" dirty="0" smtClean="0"/>
+              <a:t>Tweets &amp; Vaccinations</a:t>
+            </a:r>
+            <a:endParaRPr lang="en-US" dirty="0"/>
+          </a:p>
+        </p:txBody>
+      </p:sp>
+      <mc:AlternateContent xmlns:mc="http://schemas.openxmlformats.org/markup-compatibility/2006">
+        <mc:Choice xmlns:a14="http://schemas.microsoft.com/office/drawing/2010/main" Requires="a14">
+          <p:sp>
+            <p:nvSpPr>
+              <p:cNvPr id="14" name="Rectangle 13"/>
+              <p:cNvSpPr/>
+              <p:nvPr/>
+            </p:nvSpPr>
+            <p:spPr>
+              <a:xfrm>
+                <a:off x="990600" y="2286000"/>
+                <a:ext cx="685800" cy="457200"/>
+              </a:xfrm>
+              <a:prstGeom prst="rect">
+                <a:avLst/>
+              </a:prstGeom>
+            </p:spPr>
+            <p:style>
+              <a:lnRef idx="2">
+                <a:schemeClr val="accent1">
+                  <a:shade val="50000"/>
+                </a:schemeClr>
+              </a:lnRef>
+              <a:fillRef idx="1">
+                <a:schemeClr val="accent1"/>
+              </a:fillRef>
+              <a:effectRef idx="0">
+                <a:schemeClr val="accent1"/>
+              </a:effectRef>
+              <a:fontRef idx="minor">
+                <a:schemeClr val="lt1"/>
+              </a:fontRef>
+            </p:style>
+            <p:txBody>
+              <a:bodyPr rtlCol="0" anchor="ctr"/>
+              <a:lstStyle/>
+              <a:p>
+                <a:pPr algn="ctr"/>
+                <a14:m>
+                  <m:oMathPara xmlns:m="http://schemas.openxmlformats.org/officeDocument/2006/math">
+                    <m:oMathParaPr>
+                      <m:jc m:val="centerGroup"/>
+                    </m:oMathParaPr>
+                    <m:oMath xmlns:m="http://schemas.openxmlformats.org/officeDocument/2006/math">
+                      <m:sSub>
+                        <m:sSubPr>
+                          <m:ctrlPr>
+                            <a:rPr lang="en-US" b="0" i="1" dirty="0" smtClean="0">
+                              <a:latin typeface="Cambria Math"/>
+                            </a:rPr>
+                          </m:ctrlPr>
+                        </m:sSubPr>
+                        <m:e>
+                          <m:r>
+                            <a:rPr lang="en-US" b="0" i="1" dirty="0" smtClean="0">
+                              <a:latin typeface="Cambria Math"/>
+                            </a:rPr>
+                            <m:t>𝐶</m:t>
+                          </m:r>
+                        </m:e>
+                        <m:sub>
+                          <m:r>
+                            <a:rPr lang="en-US" b="0" i="1" dirty="0" smtClean="0">
+                              <a:latin typeface="Cambria Math"/>
+                            </a:rPr>
+                            <m:t>1</m:t>
+                          </m:r>
+                        </m:sub>
+                      </m:sSub>
+                    </m:oMath>
+                  </m:oMathPara>
+                </a14:m>
+                <a:endParaRPr lang="en-US" dirty="0"/>
+              </a:p>
+            </p:txBody>
+          </p:sp>
+        </mc:Choice>
+        <mc:Fallback>
+          <p:sp>
+            <p:nvSpPr>
+              <p:cNvPr id="14" name="Rectangle 13"/>
+              <p:cNvSpPr>
+                <a:spLocks noRot="1" noChangeAspect="1" noMove="1" noResize="1" noEditPoints="1" noAdjustHandles="1" noChangeArrowheads="1" noChangeShapeType="1" noTextEdit="1"/>
+              </p:cNvSpPr>
+              <p:nvPr/>
+            </p:nvSpPr>
+            <p:spPr>
+              <a:xfrm>
+                <a:off x="990600" y="2286000"/>
+                <a:ext cx="685800" cy="457200"/>
+              </a:xfrm>
+              <a:prstGeom prst="rect">
+                <a:avLst/>
+              </a:prstGeom>
+              <a:blipFill rotWithShape="1">
+                <a:blip r:embed="rId9"/>
+                <a:stretch>
+                  <a:fillRect/>
+                </a:stretch>
+              </a:blipFill>
+            </p:spPr>
+            <p:txBody>
+              <a:bodyPr/>
+              <a:lstStyle/>
+              <a:p>
+                <a:r>
+                  <a:rPr lang="en-US">
+                    <a:noFill/>
+                  </a:rPr>
+                  <a:t> </a:t>
+                </a:r>
+              </a:p>
+            </p:txBody>
+          </p:sp>
+        </mc:Fallback>
+      </mc:AlternateContent>
+      <mc:AlternateContent xmlns:mc="http://schemas.openxmlformats.org/markup-compatibility/2006">
+        <mc:Choice xmlns:a14="http://schemas.microsoft.com/office/drawing/2010/main" Requires="a14">
+          <p:sp>
+            <p:nvSpPr>
+              <p:cNvPr id="15" name="Rectangle 14"/>
+              <p:cNvSpPr/>
+              <p:nvPr/>
+            </p:nvSpPr>
+            <p:spPr>
+              <a:xfrm>
+                <a:off x="1676400" y="2286000"/>
+                <a:ext cx="685800" cy="457200"/>
+              </a:xfrm>
+              <a:prstGeom prst="rect">
+                <a:avLst/>
+              </a:prstGeom>
+            </p:spPr>
+            <p:style>
+              <a:lnRef idx="2">
+                <a:schemeClr val="accent1">
+                  <a:shade val="50000"/>
+                </a:schemeClr>
+              </a:lnRef>
+              <a:fillRef idx="1">
+                <a:schemeClr val="accent1"/>
+              </a:fillRef>
+              <a:effectRef idx="0">
+                <a:schemeClr val="accent1"/>
+              </a:effectRef>
+              <a:fontRef idx="minor">
+                <a:schemeClr val="lt1"/>
+              </a:fontRef>
+            </p:style>
+            <p:txBody>
+              <a:bodyPr rtlCol="0" anchor="ctr"/>
+              <a:lstStyle/>
+              <a:p>
+                <a:pPr algn="ctr"/>
+                <a14:m>
+                  <m:oMathPara xmlns:m="http://schemas.openxmlformats.org/officeDocument/2006/math">
+                    <m:oMathParaPr>
+                      <m:jc m:val="centerGroup"/>
+                    </m:oMathParaPr>
+                    <m:oMath xmlns:m="http://schemas.openxmlformats.org/officeDocument/2006/math">
+                      <m:sSub>
+                        <m:sSubPr>
+                          <m:ctrlPr>
+                            <a:rPr lang="en-US" i="1" dirty="0" smtClean="0">
+                              <a:latin typeface="Cambria Math"/>
+                            </a:rPr>
+                          </m:ctrlPr>
+                        </m:sSubPr>
+                        <m:e>
+                          <m:r>
+                            <a:rPr lang="en-US" b="0" i="1" dirty="0" smtClean="0">
+                              <a:latin typeface="Cambria Math"/>
+                            </a:rPr>
+                            <m:t>𝐶</m:t>
+                          </m:r>
+                        </m:e>
+                        <m:sub>
+                          <m:r>
+                            <a:rPr lang="en-US" b="0" i="1" dirty="0" smtClean="0">
+                              <a:latin typeface="Cambria Math"/>
+                            </a:rPr>
+                            <m:t>2</m:t>
+                          </m:r>
+                        </m:sub>
+                      </m:sSub>
+                    </m:oMath>
+                  </m:oMathPara>
+                </a14:m>
+                <a:endParaRPr lang="en-US" dirty="0"/>
+              </a:p>
+            </p:txBody>
+          </p:sp>
+        </mc:Choice>
+        <mc:Fallback>
+          <p:sp>
+            <p:nvSpPr>
+              <p:cNvPr id="15" name="Rectangle 14"/>
+              <p:cNvSpPr>
+                <a:spLocks noRot="1" noChangeAspect="1" noMove="1" noResize="1" noEditPoints="1" noAdjustHandles="1" noChangeArrowheads="1" noChangeShapeType="1" noTextEdit="1"/>
+              </p:cNvSpPr>
+              <p:nvPr/>
+            </p:nvSpPr>
+            <p:spPr>
+              <a:xfrm>
+                <a:off x="1676400" y="2286000"/>
+                <a:ext cx="685800" cy="457200"/>
+              </a:xfrm>
+              <a:prstGeom prst="rect">
+                <a:avLst/>
+              </a:prstGeom>
+              <a:blipFill rotWithShape="1">
+                <a:blip r:embed="rId10"/>
+                <a:stretch>
+                  <a:fillRect/>
+                </a:stretch>
+              </a:blipFill>
+            </p:spPr>
+            <p:txBody>
+              <a:bodyPr/>
+              <a:lstStyle/>
+              <a:p>
+                <a:r>
+                  <a:rPr lang="en-US">
+                    <a:noFill/>
+                  </a:rPr>
+                  <a:t> </a:t>
+                </a:r>
+              </a:p>
+            </p:txBody>
+          </p:sp>
+        </mc:Fallback>
+      </mc:AlternateContent>
+      <mc:AlternateContent xmlns:mc="http://schemas.openxmlformats.org/markup-compatibility/2006">
+        <mc:Choice xmlns:a14="http://schemas.microsoft.com/office/drawing/2010/main" Requires="a14">
+          <p:sp>
+            <p:nvSpPr>
+              <p:cNvPr id="16" name="Rectangle 15"/>
+              <p:cNvSpPr/>
+              <p:nvPr/>
+            </p:nvSpPr>
+            <p:spPr>
+              <a:xfrm>
+                <a:off x="2362200" y="2286000"/>
+                <a:ext cx="685800" cy="457200"/>
+              </a:xfrm>
+              <a:prstGeom prst="rect">
+                <a:avLst/>
+              </a:prstGeom>
+            </p:spPr>
+            <p:style>
+              <a:lnRef idx="2">
+                <a:schemeClr val="accent1">
+                  <a:shade val="50000"/>
+                </a:schemeClr>
+              </a:lnRef>
+              <a:fillRef idx="1">
+                <a:schemeClr val="accent1"/>
+              </a:fillRef>
+              <a:effectRef idx="0">
+                <a:schemeClr val="accent1"/>
+              </a:effectRef>
+              <a:fontRef idx="minor">
+                <a:schemeClr val="lt1"/>
+              </a:fontRef>
+            </p:style>
+            <p:txBody>
+              <a:bodyPr rtlCol="0" anchor="ctr"/>
+              <a:lstStyle/>
+              <a:p>
+                <a:pPr algn="ctr"/>
+                <a14:m>
+                  <m:oMathPara xmlns:m="http://schemas.openxmlformats.org/officeDocument/2006/math">
+                    <m:oMathParaPr>
+                      <m:jc m:val="centerGroup"/>
+                    </m:oMathParaPr>
+                    <m:oMath xmlns:m="http://schemas.openxmlformats.org/officeDocument/2006/math">
+                      <m:sSub>
+                        <m:sSubPr>
+                          <m:ctrlPr>
+                            <a:rPr lang="en-US" i="1" dirty="0" smtClean="0">
+                              <a:latin typeface="Cambria Math"/>
+                            </a:rPr>
+                          </m:ctrlPr>
+                        </m:sSubPr>
+                        <m:e>
+                          <m:r>
+                            <a:rPr lang="en-US" b="0" i="1" dirty="0" smtClean="0">
+                              <a:latin typeface="Cambria Math"/>
+                            </a:rPr>
+                            <m:t>𝐶</m:t>
+                          </m:r>
+                        </m:e>
+                        <m:sub>
+                          <m:r>
+                            <a:rPr lang="en-US" b="0" i="1" dirty="0" smtClean="0">
+                              <a:latin typeface="Cambria Math"/>
+                            </a:rPr>
+                            <m:t>3</m:t>
+                          </m:r>
+                        </m:sub>
+                      </m:sSub>
+                    </m:oMath>
+                  </m:oMathPara>
+                </a14:m>
+                <a:endParaRPr lang="en-US" dirty="0"/>
+              </a:p>
+            </p:txBody>
+          </p:sp>
+        </mc:Choice>
+        <mc:Fallback>
+          <p:sp>
+            <p:nvSpPr>
+              <p:cNvPr id="16" name="Rectangle 15"/>
+              <p:cNvSpPr>
+                <a:spLocks noRot="1" noChangeAspect="1" noMove="1" noResize="1" noEditPoints="1" noAdjustHandles="1" noChangeArrowheads="1" noChangeShapeType="1" noTextEdit="1"/>
+              </p:cNvSpPr>
+              <p:nvPr/>
+            </p:nvSpPr>
+            <p:spPr>
+              <a:xfrm>
+                <a:off x="2362200" y="2286000"/>
+                <a:ext cx="685800" cy="457200"/>
+              </a:xfrm>
+              <a:prstGeom prst="rect">
+                <a:avLst/>
+              </a:prstGeom>
+              <a:blipFill rotWithShape="1">
+                <a:blip r:embed="rId11"/>
+                <a:stretch>
+                  <a:fillRect/>
+                </a:stretch>
+              </a:blipFill>
+            </p:spPr>
+            <p:txBody>
+              <a:bodyPr/>
+              <a:lstStyle/>
+              <a:p>
+                <a:r>
+                  <a:rPr lang="en-US">
+                    <a:noFill/>
+                  </a:rPr>
+                  <a:t> </a:t>
+                </a:r>
+              </a:p>
+            </p:txBody>
+          </p:sp>
+        </mc:Fallback>
+      </mc:AlternateContent>
+      <mc:AlternateContent xmlns:mc="http://schemas.openxmlformats.org/markup-compatibility/2006">
+        <mc:Choice xmlns:a14="http://schemas.microsoft.com/office/drawing/2010/main" Requires="a14">
+          <p:sp>
+            <p:nvSpPr>
+              <p:cNvPr id="17" name="Rectangle 16"/>
+              <p:cNvSpPr/>
+              <p:nvPr/>
+            </p:nvSpPr>
+            <p:spPr>
+              <a:xfrm>
+                <a:off x="3048000" y="2286000"/>
+                <a:ext cx="685800" cy="457200"/>
+              </a:xfrm>
+              <a:prstGeom prst="rect">
+                <a:avLst/>
+              </a:prstGeom>
+            </p:spPr>
+            <p:style>
+              <a:lnRef idx="2">
+                <a:schemeClr val="accent1">
+                  <a:shade val="50000"/>
+                </a:schemeClr>
+              </a:lnRef>
+              <a:fillRef idx="1">
+                <a:schemeClr val="accent1"/>
+              </a:fillRef>
+              <a:effectRef idx="0">
+                <a:schemeClr val="accent1"/>
+              </a:effectRef>
+              <a:fontRef idx="minor">
+                <a:schemeClr val="lt1"/>
+              </a:fontRef>
+            </p:style>
+            <p:txBody>
+              <a:bodyPr rtlCol="0" anchor="ctr"/>
+              <a:lstStyle/>
+              <a:p>
+                <a:pPr algn="ctr"/>
+                <a14:m>
+                  <m:oMathPara xmlns:m="http://schemas.openxmlformats.org/officeDocument/2006/math">
+                    <m:oMathParaPr>
+                      <m:jc m:val="centerGroup"/>
+                    </m:oMathParaPr>
+                    <m:oMath xmlns:m="http://schemas.openxmlformats.org/officeDocument/2006/math">
+                      <m:sSub>
+                        <m:sSubPr>
+                          <m:ctrlPr>
+                            <a:rPr lang="en-US" i="1" dirty="0" smtClean="0">
+                              <a:latin typeface="Cambria Math"/>
+                            </a:rPr>
+                          </m:ctrlPr>
+                        </m:sSubPr>
+                        <m:e>
+                          <m:r>
+                            <a:rPr lang="en-US" b="0" i="1" dirty="0" smtClean="0">
+                              <a:latin typeface="Cambria Math"/>
+                            </a:rPr>
+                            <m:t>𝐶</m:t>
+                          </m:r>
+                        </m:e>
+                        <m:sub>
+                          <m:r>
+                            <a:rPr lang="en-US" b="0" i="1" dirty="0" smtClean="0">
+                              <a:latin typeface="Cambria Math"/>
+                            </a:rPr>
+                            <m:t>4</m:t>
+                          </m:r>
+                        </m:sub>
+                      </m:sSub>
+                    </m:oMath>
+                  </m:oMathPara>
+                </a14:m>
+                <a:endParaRPr lang="en-US" dirty="0"/>
+              </a:p>
+            </p:txBody>
+          </p:sp>
+        </mc:Choice>
+        <mc:Fallback>
+          <p:sp>
+            <p:nvSpPr>
+              <p:cNvPr id="17" name="Rectangle 16"/>
+              <p:cNvSpPr>
+                <a:spLocks noRot="1" noChangeAspect="1" noMove="1" noResize="1" noEditPoints="1" noAdjustHandles="1" noChangeArrowheads="1" noChangeShapeType="1" noTextEdit="1"/>
+              </p:cNvSpPr>
+              <p:nvPr/>
+            </p:nvSpPr>
+            <p:spPr>
+              <a:xfrm>
+                <a:off x="3048000" y="2286000"/>
+                <a:ext cx="685800" cy="457200"/>
+              </a:xfrm>
+              <a:prstGeom prst="rect">
+                <a:avLst/>
+              </a:prstGeom>
+              <a:blipFill rotWithShape="1">
+                <a:blip r:embed="rId12"/>
+                <a:stretch>
+                  <a:fillRect/>
+                </a:stretch>
+              </a:blipFill>
+            </p:spPr>
+            <p:txBody>
+              <a:bodyPr/>
+              <a:lstStyle/>
+              <a:p>
+                <a:r>
+                  <a:rPr lang="en-US">
+                    <a:noFill/>
+                  </a:rPr>
+                  <a:t> </a:t>
+                </a:r>
+              </a:p>
+            </p:txBody>
+          </p:sp>
+        </mc:Fallback>
+      </mc:AlternateContent>
+      <mc:AlternateContent xmlns:mc="http://schemas.openxmlformats.org/markup-compatibility/2006">
+        <mc:Choice xmlns:a14="http://schemas.microsoft.com/office/drawing/2010/main" Requires="a14">
+          <p:sp>
+            <p:nvSpPr>
+              <p:cNvPr id="18" name="Rectangle 17"/>
+              <p:cNvSpPr/>
+              <p:nvPr/>
+            </p:nvSpPr>
+            <p:spPr>
+              <a:xfrm>
+                <a:off x="3733800" y="2286000"/>
+                <a:ext cx="685800" cy="457200"/>
+              </a:xfrm>
+              <a:prstGeom prst="rect">
+                <a:avLst/>
+              </a:prstGeom>
+            </p:spPr>
+            <p:style>
+              <a:lnRef idx="2">
+                <a:schemeClr val="accent1">
+                  <a:shade val="50000"/>
+                </a:schemeClr>
+              </a:lnRef>
+              <a:fillRef idx="1">
+                <a:schemeClr val="accent1"/>
+              </a:fillRef>
+              <a:effectRef idx="0">
+                <a:schemeClr val="accent1"/>
+              </a:effectRef>
+              <a:fontRef idx="minor">
+                <a:schemeClr val="lt1"/>
+              </a:fontRef>
+            </p:style>
+            <p:txBody>
+              <a:bodyPr rtlCol="0" anchor="ctr"/>
+              <a:lstStyle/>
+              <a:p>
+                <a:pPr algn="ctr"/>
+                <a14:m>
+                  <m:oMathPara xmlns:m="http://schemas.openxmlformats.org/officeDocument/2006/math">
+                    <m:oMathParaPr>
+                      <m:jc m:val="centerGroup"/>
+                    </m:oMathParaPr>
+                    <m:oMath xmlns:m="http://schemas.openxmlformats.org/officeDocument/2006/math">
+                      <m:sSub>
+                        <m:sSubPr>
+                          <m:ctrlPr>
+                            <a:rPr lang="en-US" i="1" dirty="0" smtClean="0">
+                              <a:latin typeface="Cambria Math"/>
+                            </a:rPr>
+                          </m:ctrlPr>
+                        </m:sSubPr>
+                        <m:e>
+                          <m:r>
+                            <a:rPr lang="en-US" b="0" i="1" dirty="0" smtClean="0">
+                              <a:latin typeface="Cambria Math"/>
+                            </a:rPr>
+                            <m:t>𝐶</m:t>
+                          </m:r>
+                        </m:e>
+                        <m:sub>
+                          <m:r>
+                            <a:rPr lang="en-US" b="0" i="1" dirty="0" smtClean="0">
+                              <a:latin typeface="Cambria Math"/>
+                            </a:rPr>
+                            <m:t>5</m:t>
+                          </m:r>
+                        </m:sub>
+                      </m:sSub>
+                    </m:oMath>
+                  </m:oMathPara>
+                </a14:m>
+                <a:endParaRPr lang="en-US" dirty="0"/>
+              </a:p>
+            </p:txBody>
+          </p:sp>
+        </mc:Choice>
+        <mc:Fallback>
+          <p:sp>
+            <p:nvSpPr>
+              <p:cNvPr id="18" name="Rectangle 17"/>
+              <p:cNvSpPr>
+                <a:spLocks noRot="1" noChangeAspect="1" noMove="1" noResize="1" noEditPoints="1" noAdjustHandles="1" noChangeArrowheads="1" noChangeShapeType="1" noTextEdit="1"/>
+              </p:cNvSpPr>
+              <p:nvPr/>
+            </p:nvSpPr>
+            <p:spPr>
+              <a:xfrm>
+                <a:off x="3733800" y="2286000"/>
+                <a:ext cx="685800" cy="457200"/>
+              </a:xfrm>
+              <a:prstGeom prst="rect">
+                <a:avLst/>
+              </a:prstGeom>
+              <a:blipFill rotWithShape="1">
+                <a:blip r:embed="rId13"/>
+                <a:stretch>
+                  <a:fillRect/>
+                </a:stretch>
+              </a:blipFill>
+            </p:spPr>
+            <p:txBody>
+              <a:bodyPr/>
+              <a:lstStyle/>
+              <a:p>
+                <a:r>
+                  <a:rPr lang="en-US">
+                    <a:noFill/>
+                  </a:rPr>
+                  <a:t> </a:t>
+                </a:r>
+              </a:p>
+            </p:txBody>
+          </p:sp>
+        </mc:Fallback>
+      </mc:AlternateContent>
+      <mc:AlternateContent xmlns:mc="http://schemas.openxmlformats.org/markup-compatibility/2006">
+        <mc:Choice xmlns:a14="http://schemas.microsoft.com/office/drawing/2010/main" Requires="a14">
+          <p:sp>
+            <p:nvSpPr>
+              <p:cNvPr id="19" name="Rectangle 18"/>
+              <p:cNvSpPr/>
+              <p:nvPr/>
+            </p:nvSpPr>
+            <p:spPr>
+              <a:xfrm>
+                <a:off x="4419600" y="2286000"/>
+                <a:ext cx="685800" cy="457200"/>
+              </a:xfrm>
+              <a:prstGeom prst="rect">
+                <a:avLst/>
+              </a:prstGeom>
+            </p:spPr>
+            <p:style>
+              <a:lnRef idx="2">
+                <a:schemeClr val="accent1">
+                  <a:shade val="50000"/>
+                </a:schemeClr>
+              </a:lnRef>
+              <a:fillRef idx="1">
+                <a:schemeClr val="accent1"/>
+              </a:fillRef>
+              <a:effectRef idx="0">
+                <a:schemeClr val="accent1"/>
+              </a:effectRef>
+              <a:fontRef idx="minor">
+                <a:schemeClr val="lt1"/>
+              </a:fontRef>
+            </p:style>
+            <p:txBody>
+              <a:bodyPr rtlCol="0" anchor="ctr"/>
+              <a:lstStyle/>
+              <a:p>
+                <a:pPr algn="ctr"/>
+                <a14:m>
+                  <m:oMathPara xmlns:m="http://schemas.openxmlformats.org/officeDocument/2006/math">
+                    <m:oMathParaPr>
+                      <m:jc m:val="centerGroup"/>
+                    </m:oMathParaPr>
+                    <m:oMath xmlns:m="http://schemas.openxmlformats.org/officeDocument/2006/math">
+                      <m:r>
+                        <a:rPr lang="en-US" i="1" dirty="0" smtClean="0">
+                          <a:latin typeface="Cambria Math"/>
+                        </a:rPr>
+                        <m:t>…</m:t>
+                      </m:r>
+                    </m:oMath>
+                  </m:oMathPara>
+                </a14:m>
+                <a:endParaRPr lang="en-US" dirty="0"/>
+              </a:p>
+            </p:txBody>
+          </p:sp>
+        </mc:Choice>
+        <mc:Fallback>
+          <p:sp>
+            <p:nvSpPr>
+              <p:cNvPr id="19" name="Rectangle 18"/>
+              <p:cNvSpPr>
+                <a:spLocks noRot="1" noChangeAspect="1" noMove="1" noResize="1" noEditPoints="1" noAdjustHandles="1" noChangeArrowheads="1" noChangeShapeType="1" noTextEdit="1"/>
+              </p:cNvSpPr>
+              <p:nvPr/>
+            </p:nvSpPr>
+            <p:spPr>
+              <a:xfrm>
+                <a:off x="4419600" y="2286000"/>
+                <a:ext cx="685800" cy="457200"/>
+              </a:xfrm>
+              <a:prstGeom prst="rect">
+                <a:avLst/>
+              </a:prstGeom>
+              <a:blipFill rotWithShape="1">
+                <a:blip r:embed="rId7"/>
+                <a:stretch>
+                  <a:fillRect/>
+                </a:stretch>
+              </a:blipFill>
+            </p:spPr>
+            <p:txBody>
+              <a:bodyPr/>
+              <a:lstStyle/>
+              <a:p>
+                <a:r>
+                  <a:rPr lang="en-US">
+                    <a:noFill/>
+                  </a:rPr>
+                  <a:t> </a:t>
+                </a:r>
+              </a:p>
+            </p:txBody>
+          </p:sp>
+        </mc:Fallback>
+      </mc:AlternateContent>
+      <p:sp>
+        <p:nvSpPr>
+          <p:cNvPr id="21" name="TextBox 20"/>
+          <p:cNvSpPr txBox="1"/>
+          <p:nvPr/>
+        </p:nvSpPr>
+        <p:spPr>
+          <a:xfrm>
+            <a:off x="6705600" y="2286000"/>
+            <a:ext cx="2128353" cy="646331"/>
+          </a:xfrm>
+          <a:prstGeom prst="rect">
+            <a:avLst/>
+          </a:prstGeom>
+          <a:noFill/>
+        </p:spPr>
+        <p:txBody>
+          <a:bodyPr wrap="square" rtlCol="0">
+            <a:spAutoFit/>
+          </a:bodyPr>
+          <a:lstStyle/>
+          <a:p>
+            <a:r>
+              <a:rPr lang="en-US" dirty="0" smtClean="0"/>
+              <a:t>CDC Regions + CDC State Data</a:t>
+            </a:r>
+            <a:endParaRPr lang="en-US" dirty="0"/>
+          </a:p>
+        </p:txBody>
+      </p:sp>
+      <mc:AlternateContent xmlns:mc="http://schemas.openxmlformats.org/markup-compatibility/2006">
+        <mc:Choice xmlns:a14="http://schemas.microsoft.com/office/drawing/2010/main" Requires="a14">
+          <p:sp>
+            <p:nvSpPr>
+              <p:cNvPr id="22" name="Rectangle 21"/>
+              <p:cNvSpPr/>
+              <p:nvPr/>
+            </p:nvSpPr>
+            <p:spPr>
+              <a:xfrm>
+                <a:off x="5105400" y="3657600"/>
+                <a:ext cx="685800" cy="457200"/>
+              </a:xfrm>
+              <a:prstGeom prst="rect">
+                <a:avLst/>
+              </a:prstGeom>
+            </p:spPr>
+            <p:style>
+              <a:lnRef idx="2">
+                <a:schemeClr val="accent1">
+                  <a:shade val="50000"/>
+                </a:schemeClr>
+              </a:lnRef>
+              <a:fillRef idx="1">
+                <a:schemeClr val="accent1"/>
+              </a:fillRef>
+              <a:effectRef idx="0">
+                <a:schemeClr val="accent1"/>
+              </a:effectRef>
+              <a:fontRef idx="minor">
+                <a:schemeClr val="lt1"/>
+              </a:fontRef>
+            </p:style>
+            <p:txBody>
+              <a:bodyPr rtlCol="0" anchor="ctr"/>
+              <a:lstStyle/>
+              <a:p>
+                <a:pPr algn="ctr"/>
+                <a14:m>
+                  <m:oMathPara xmlns:m="http://schemas.openxmlformats.org/officeDocument/2006/math">
+                    <m:oMathParaPr>
+                      <m:jc m:val="centerGroup"/>
+                    </m:oMathParaPr>
+                    <m:oMath xmlns:m="http://schemas.openxmlformats.org/officeDocument/2006/math">
+                      <m:sSub>
+                        <m:sSubPr>
+                          <m:ctrlPr>
+                            <a:rPr lang="en-US" i="1" dirty="0" smtClean="0">
+                              <a:latin typeface="Cambria Math"/>
+                            </a:rPr>
+                          </m:ctrlPr>
+                        </m:sSubPr>
+                        <m:e>
+                          <m:r>
+                            <a:rPr lang="en-US" b="0" i="1" dirty="0" smtClean="0">
+                              <a:latin typeface="Cambria Math"/>
+                            </a:rPr>
+                            <m:t>𝑍</m:t>
+                          </m:r>
+                        </m:e>
+                        <m:sub>
+                          <m:r>
+                            <a:rPr lang="en-US" b="0" i="1" dirty="0" smtClean="0">
+                              <a:latin typeface="Cambria Math"/>
+                            </a:rPr>
+                            <m:t>52</m:t>
+                          </m:r>
+                        </m:sub>
+                      </m:sSub>
+                    </m:oMath>
+                  </m:oMathPara>
+                </a14:m>
+                <a:endParaRPr lang="en-US" dirty="0"/>
+              </a:p>
+            </p:txBody>
+          </p:sp>
+        </mc:Choice>
+        <mc:Fallback>
+          <p:sp>
+            <p:nvSpPr>
+              <p:cNvPr id="22" name="Rectangle 21"/>
+              <p:cNvSpPr>
+                <a:spLocks noRot="1" noChangeAspect="1" noMove="1" noResize="1" noEditPoints="1" noAdjustHandles="1" noChangeArrowheads="1" noChangeShapeType="1" noTextEdit="1"/>
+              </p:cNvSpPr>
+              <p:nvPr/>
+            </p:nvSpPr>
+            <p:spPr>
+              <a:xfrm>
+                <a:off x="5105400" y="3657600"/>
+                <a:ext cx="685800" cy="457200"/>
+              </a:xfrm>
+              <a:prstGeom prst="rect">
+                <a:avLst/>
+              </a:prstGeom>
+              <a:blipFill rotWithShape="1">
+                <a:blip r:embed="rId14"/>
+                <a:stretch>
+                  <a:fillRect/>
+                </a:stretch>
+              </a:blipFill>
+            </p:spPr>
+            <p:txBody>
+              <a:bodyPr/>
+              <a:lstStyle/>
+              <a:p>
+                <a:r>
+                  <a:rPr lang="en-US">
+                    <a:noFill/>
+                  </a:rPr>
+                  <a:t> </a:t>
+                </a:r>
+              </a:p>
+            </p:txBody>
+          </p:sp>
+        </mc:Fallback>
+      </mc:AlternateContent>
+      <p:sp>
+        <p:nvSpPr>
+          <p:cNvPr id="23" name="TextBox 22"/>
+          <p:cNvSpPr txBox="1"/>
+          <p:nvPr/>
+        </p:nvSpPr>
+        <p:spPr>
+          <a:xfrm>
+            <a:off x="6781800" y="3669268"/>
+            <a:ext cx="1926489" cy="369332"/>
+          </a:xfrm>
+          <a:prstGeom prst="rect">
+            <a:avLst/>
+          </a:prstGeom>
+          <a:noFill/>
+        </p:spPr>
+        <p:txBody>
+          <a:bodyPr wrap="none" rtlCol="0">
+            <a:spAutoFit/>
+          </a:bodyPr>
+          <a:lstStyle/>
+          <a:p>
+            <a:r>
+              <a:rPr lang="en-US" dirty="0" smtClean="0"/>
+              <a:t>Prediction Regions</a:t>
+            </a:r>
+            <a:endParaRPr lang="en-US" dirty="0"/>
+          </a:p>
+        </p:txBody>
+      </p:sp>
+      <p:sp>
+        <p:nvSpPr>
+          <p:cNvPr id="24" name="Rectangle 23"/>
+          <p:cNvSpPr/>
+          <p:nvPr/>
+        </p:nvSpPr>
+        <p:spPr>
+          <a:xfrm>
+            <a:off x="838200" y="1371600"/>
+            <a:ext cx="5257800" cy="1676400"/>
+          </a:xfrm>
+          <a:prstGeom prst="rect">
+            <a:avLst/>
+          </a:prstGeom>
+          <a:noFill/>
+        </p:spPr>
+        <p:style>
+          <a:lnRef idx="2">
+            <a:schemeClr val="accent1">
+              <a:shade val="50000"/>
+            </a:schemeClr>
+          </a:lnRef>
+          <a:fillRef idx="1">
+            <a:schemeClr val="accent1"/>
+          </a:fillRef>
+          <a:effectRef idx="0">
+            <a:schemeClr val="accent1"/>
+          </a:effectRef>
+          <a:fontRef idx="minor">
+            <a:schemeClr val="lt1"/>
+          </a:fontRef>
+        </p:style>
+        <p:txBody>
+          <a:bodyPr rtlCol="0" anchor="ctr"/>
+          <a:lstStyle/>
+          <a:p>
+            <a:pPr algn="ctr"/>
+            <a:endParaRPr lang="en-US"/>
+          </a:p>
+        </p:txBody>
+      </p:sp>
+      <mc:AlternateContent xmlns:mc="http://schemas.openxmlformats.org/markup-compatibility/2006">
+        <mc:Choice xmlns:a14="http://schemas.microsoft.com/office/drawing/2010/main" Requires="a14">
+          <p:sp>
+            <p:nvSpPr>
+              <p:cNvPr id="25" name="Rectangle 24"/>
+              <p:cNvSpPr/>
+              <p:nvPr/>
+            </p:nvSpPr>
+            <p:spPr>
+              <a:xfrm>
+                <a:off x="5105400" y="2286000"/>
+                <a:ext cx="685800" cy="457200"/>
+              </a:xfrm>
+              <a:prstGeom prst="rect">
+                <a:avLst/>
+              </a:prstGeom>
+            </p:spPr>
+            <p:style>
+              <a:lnRef idx="2">
+                <a:schemeClr val="accent1">
+                  <a:shade val="50000"/>
+                </a:schemeClr>
+              </a:lnRef>
+              <a:fillRef idx="1">
+                <a:schemeClr val="accent1"/>
+              </a:fillRef>
+              <a:effectRef idx="0">
+                <a:schemeClr val="accent1"/>
+              </a:effectRef>
+              <a:fontRef idx="minor">
+                <a:schemeClr val="lt1"/>
+              </a:fontRef>
+            </p:style>
+            <p:txBody>
+              <a:bodyPr rtlCol="0" anchor="ctr"/>
+              <a:lstStyle/>
+              <a:p>
+                <a:pPr algn="ctr"/>
+                <a14:m>
+                  <m:oMathPara xmlns:m="http://schemas.openxmlformats.org/officeDocument/2006/math">
+                    <m:oMathParaPr>
+                      <m:jc m:val="centerGroup"/>
+                    </m:oMathParaPr>
+                    <m:oMath xmlns:m="http://schemas.openxmlformats.org/officeDocument/2006/math">
+                      <m:sSub>
+                        <m:sSubPr>
+                          <m:ctrlPr>
+                            <a:rPr lang="en-US" i="1" dirty="0" smtClean="0">
+                              <a:latin typeface="Cambria Math"/>
+                            </a:rPr>
+                          </m:ctrlPr>
+                        </m:sSubPr>
+                        <m:e>
+                          <m:r>
+                            <a:rPr lang="en-US" b="0" i="1" dirty="0" smtClean="0">
+                              <a:latin typeface="Cambria Math"/>
+                            </a:rPr>
+                            <m:t>𝐶</m:t>
+                          </m:r>
+                        </m:e>
+                        <m:sub>
+                          <m:r>
+                            <a:rPr lang="en-US" b="0" i="1" dirty="0" smtClean="0">
+                              <a:latin typeface="Cambria Math"/>
+                            </a:rPr>
+                            <m:t>52</m:t>
+                          </m:r>
+                        </m:sub>
+                      </m:sSub>
+                    </m:oMath>
+                  </m:oMathPara>
+                </a14:m>
+                <a:endParaRPr lang="en-US" dirty="0"/>
+              </a:p>
+            </p:txBody>
+          </p:sp>
+        </mc:Choice>
+        <mc:Fallback>
+          <p:sp>
+            <p:nvSpPr>
+              <p:cNvPr id="25" name="Rectangle 24"/>
+              <p:cNvSpPr>
+                <a:spLocks noRot="1" noChangeAspect="1" noMove="1" noResize="1" noEditPoints="1" noAdjustHandles="1" noChangeArrowheads="1" noChangeShapeType="1" noTextEdit="1"/>
+              </p:cNvSpPr>
+              <p:nvPr/>
+            </p:nvSpPr>
+            <p:spPr>
+              <a:xfrm>
+                <a:off x="5105400" y="2286000"/>
+                <a:ext cx="685800" cy="457200"/>
+              </a:xfrm>
+              <a:prstGeom prst="rect">
+                <a:avLst/>
+              </a:prstGeom>
+              <a:blipFill rotWithShape="1">
+                <a:blip r:embed="rId15"/>
+                <a:stretch>
+                  <a:fillRect/>
+                </a:stretch>
+              </a:blipFill>
+            </p:spPr>
+            <p:txBody>
+              <a:bodyPr/>
+              <a:lstStyle/>
+              <a:p>
+                <a:r>
+                  <a:rPr lang="en-US">
+                    <a:noFill/>
+                  </a:rPr>
+                  <a:t> </a:t>
+                </a:r>
+              </a:p>
+            </p:txBody>
+          </p:sp>
+        </mc:Fallback>
+      </mc:AlternateContent>
+      <mc:AlternateContent xmlns:mc="http://schemas.openxmlformats.org/markup-compatibility/2006">
+        <mc:Choice xmlns:a14="http://schemas.microsoft.com/office/drawing/2010/main" Requires="a14">
+          <p:sp>
+            <p:nvSpPr>
+              <p:cNvPr id="27" name="Rectangle 26"/>
+              <p:cNvSpPr/>
+              <p:nvPr/>
+            </p:nvSpPr>
+            <p:spPr>
+              <a:xfrm>
+                <a:off x="990600" y="3657600"/>
+                <a:ext cx="685800" cy="457200"/>
+              </a:xfrm>
+              <a:prstGeom prst="rect">
+                <a:avLst/>
+              </a:prstGeom>
+            </p:spPr>
+            <p:style>
+              <a:lnRef idx="2">
+                <a:schemeClr val="accent1">
+                  <a:shade val="50000"/>
+                </a:schemeClr>
+              </a:lnRef>
+              <a:fillRef idx="1">
+                <a:schemeClr val="accent1"/>
+              </a:fillRef>
+              <a:effectRef idx="0">
+                <a:schemeClr val="accent1"/>
+              </a:effectRef>
+              <a:fontRef idx="minor">
+                <a:schemeClr val="lt1"/>
+              </a:fontRef>
+            </p:style>
+            <p:txBody>
+              <a:bodyPr rtlCol="0" anchor="ctr"/>
+              <a:lstStyle/>
+              <a:p>
+                <a:pPr algn="ctr"/>
+                <a14:m>
+                  <m:oMathPara xmlns:m="http://schemas.openxmlformats.org/officeDocument/2006/math">
+                    <m:oMathParaPr>
+                      <m:jc m:val="centerGroup"/>
+                    </m:oMathParaPr>
+                    <m:oMath xmlns:m="http://schemas.openxmlformats.org/officeDocument/2006/math">
+                      <m:sSub>
+                        <m:sSubPr>
+                          <m:ctrlPr>
+                            <a:rPr lang="en-US" b="0" i="1" dirty="0" smtClean="0">
+                              <a:latin typeface="Cambria Math"/>
+                            </a:rPr>
+                          </m:ctrlPr>
+                        </m:sSubPr>
+                        <m:e>
+                          <m:r>
+                            <a:rPr lang="en-US" b="0" i="1" dirty="0" smtClean="0">
+                              <a:latin typeface="Cambria Math"/>
+                            </a:rPr>
+                            <m:t>𝑍</m:t>
+                          </m:r>
+                        </m:e>
+                        <m:sub>
+                          <m:r>
+                            <a:rPr lang="en-US" b="0" i="1" dirty="0" smtClean="0">
+                              <a:latin typeface="Cambria Math"/>
+                            </a:rPr>
+                            <m:t>1</m:t>
+                          </m:r>
+                        </m:sub>
+                      </m:sSub>
+                    </m:oMath>
+                  </m:oMathPara>
+                </a14:m>
+                <a:endParaRPr lang="en-US" dirty="0"/>
+              </a:p>
+            </p:txBody>
+          </p:sp>
+        </mc:Choice>
+        <mc:Fallback>
+          <p:sp>
+            <p:nvSpPr>
+              <p:cNvPr id="27" name="Rectangle 26"/>
+              <p:cNvSpPr>
+                <a:spLocks noRot="1" noChangeAspect="1" noMove="1" noResize="1" noEditPoints="1" noAdjustHandles="1" noChangeArrowheads="1" noChangeShapeType="1" noTextEdit="1"/>
+              </p:cNvSpPr>
+              <p:nvPr/>
+            </p:nvSpPr>
+            <p:spPr>
+              <a:xfrm>
+                <a:off x="990600" y="3657600"/>
+                <a:ext cx="685800" cy="457200"/>
+              </a:xfrm>
+              <a:prstGeom prst="rect">
+                <a:avLst/>
+              </a:prstGeom>
+              <a:blipFill rotWithShape="1">
+                <a:blip r:embed="rId16"/>
+                <a:stretch>
+                  <a:fillRect/>
+                </a:stretch>
+              </a:blipFill>
+            </p:spPr>
+            <p:txBody>
+              <a:bodyPr/>
+              <a:lstStyle/>
+              <a:p>
+                <a:r>
+                  <a:rPr lang="en-US">
+                    <a:noFill/>
+                  </a:rPr>
+                  <a:t> </a:t>
+                </a:r>
+              </a:p>
+            </p:txBody>
+          </p:sp>
+        </mc:Fallback>
+      </mc:AlternateContent>
+      <mc:AlternateContent xmlns:mc="http://schemas.openxmlformats.org/markup-compatibility/2006">
+        <mc:Choice xmlns:a14="http://schemas.microsoft.com/office/drawing/2010/main" Requires="a14">
+          <p:sp>
+            <p:nvSpPr>
+              <p:cNvPr id="28" name="Rectangle 27"/>
+              <p:cNvSpPr/>
+              <p:nvPr/>
+            </p:nvSpPr>
+            <p:spPr>
+              <a:xfrm>
+                <a:off x="1676400" y="3657600"/>
+                <a:ext cx="685800" cy="457200"/>
+              </a:xfrm>
+              <a:prstGeom prst="rect">
+                <a:avLst/>
+              </a:prstGeom>
+            </p:spPr>
+            <p:style>
+              <a:lnRef idx="2">
+                <a:schemeClr val="accent1">
+                  <a:shade val="50000"/>
+                </a:schemeClr>
+              </a:lnRef>
+              <a:fillRef idx="1">
+                <a:schemeClr val="accent1"/>
+              </a:fillRef>
+              <a:effectRef idx="0">
+                <a:schemeClr val="accent1"/>
+              </a:effectRef>
+              <a:fontRef idx="minor">
+                <a:schemeClr val="lt1"/>
+              </a:fontRef>
+            </p:style>
+            <p:txBody>
+              <a:bodyPr rtlCol="0" anchor="ctr"/>
+              <a:lstStyle/>
+              <a:p>
+                <a:pPr algn="ctr"/>
+                <a14:m>
+                  <m:oMathPara xmlns:m="http://schemas.openxmlformats.org/officeDocument/2006/math">
+                    <m:oMathParaPr>
+                      <m:jc m:val="centerGroup"/>
+                    </m:oMathParaPr>
+                    <m:oMath xmlns:m="http://schemas.openxmlformats.org/officeDocument/2006/math">
+                      <m:sSub>
+                        <m:sSubPr>
+                          <m:ctrlPr>
+                            <a:rPr lang="en-US" i="1" dirty="0" smtClean="0">
+                              <a:latin typeface="Cambria Math"/>
+                            </a:rPr>
+                          </m:ctrlPr>
+                        </m:sSubPr>
+                        <m:e>
+                          <m:r>
+                            <a:rPr lang="en-US" b="0" i="1" dirty="0" smtClean="0">
+                              <a:latin typeface="Cambria Math"/>
+                            </a:rPr>
+                            <m:t>𝑍</m:t>
+                          </m:r>
+                        </m:e>
+                        <m:sub>
+                          <m:r>
+                            <a:rPr lang="en-US" b="0" i="1" dirty="0" smtClean="0">
+                              <a:latin typeface="Cambria Math"/>
+                            </a:rPr>
+                            <m:t>2</m:t>
+                          </m:r>
+                        </m:sub>
+                      </m:sSub>
+                    </m:oMath>
+                  </m:oMathPara>
+                </a14:m>
+                <a:endParaRPr lang="en-US" dirty="0"/>
+              </a:p>
+            </p:txBody>
+          </p:sp>
+        </mc:Choice>
+        <mc:Fallback>
+          <p:sp>
+            <p:nvSpPr>
+              <p:cNvPr id="28" name="Rectangle 27"/>
+              <p:cNvSpPr>
+                <a:spLocks noRot="1" noChangeAspect="1" noMove="1" noResize="1" noEditPoints="1" noAdjustHandles="1" noChangeArrowheads="1" noChangeShapeType="1" noTextEdit="1"/>
+              </p:cNvSpPr>
+              <p:nvPr/>
+            </p:nvSpPr>
+            <p:spPr>
+              <a:xfrm>
+                <a:off x="1676400" y="3657600"/>
+                <a:ext cx="685800" cy="457200"/>
+              </a:xfrm>
+              <a:prstGeom prst="rect">
+                <a:avLst/>
+              </a:prstGeom>
+              <a:blipFill rotWithShape="1">
+                <a:blip r:embed="rId17"/>
+                <a:stretch>
+                  <a:fillRect/>
+                </a:stretch>
+              </a:blipFill>
+            </p:spPr>
+            <p:txBody>
+              <a:bodyPr/>
+              <a:lstStyle/>
+              <a:p>
+                <a:r>
+                  <a:rPr lang="en-US">
+                    <a:noFill/>
+                  </a:rPr>
+                  <a:t> </a:t>
+                </a:r>
+              </a:p>
+            </p:txBody>
+          </p:sp>
+        </mc:Fallback>
+      </mc:AlternateContent>
+      <mc:AlternateContent xmlns:mc="http://schemas.openxmlformats.org/markup-compatibility/2006">
+        <mc:Choice xmlns:a14="http://schemas.microsoft.com/office/drawing/2010/main" Requires="a14">
+          <p:sp>
+            <p:nvSpPr>
+              <p:cNvPr id="29" name="Rectangle 28"/>
+              <p:cNvSpPr/>
+              <p:nvPr/>
+            </p:nvSpPr>
+            <p:spPr>
+              <a:xfrm>
+                <a:off x="2362200" y="3657600"/>
+                <a:ext cx="685800" cy="457200"/>
+              </a:xfrm>
+              <a:prstGeom prst="rect">
+                <a:avLst/>
+              </a:prstGeom>
+            </p:spPr>
+            <p:style>
+              <a:lnRef idx="2">
+                <a:schemeClr val="accent1">
+                  <a:shade val="50000"/>
+                </a:schemeClr>
+              </a:lnRef>
+              <a:fillRef idx="1">
+                <a:schemeClr val="accent1"/>
+              </a:fillRef>
+              <a:effectRef idx="0">
+                <a:schemeClr val="accent1"/>
+              </a:effectRef>
+              <a:fontRef idx="minor">
+                <a:schemeClr val="lt1"/>
+              </a:fontRef>
+            </p:style>
+            <p:txBody>
+              <a:bodyPr rtlCol="0" anchor="ctr"/>
+              <a:lstStyle/>
+              <a:p>
+                <a:pPr algn="ctr"/>
+                <a14:m>
+                  <m:oMathPara xmlns:m="http://schemas.openxmlformats.org/officeDocument/2006/math">
+                    <m:oMathParaPr>
+                      <m:jc m:val="centerGroup"/>
+                    </m:oMathParaPr>
+                    <m:oMath xmlns:m="http://schemas.openxmlformats.org/officeDocument/2006/math">
+                      <m:sSub>
+                        <m:sSubPr>
+                          <m:ctrlPr>
+                            <a:rPr lang="en-US" i="1" dirty="0" smtClean="0">
+                              <a:latin typeface="Cambria Math"/>
+                            </a:rPr>
+                          </m:ctrlPr>
+                        </m:sSubPr>
+                        <m:e>
+                          <m:r>
+                            <a:rPr lang="en-US" b="0" i="1" dirty="0" smtClean="0">
+                              <a:latin typeface="Cambria Math"/>
+                            </a:rPr>
+                            <m:t>𝑍</m:t>
+                          </m:r>
+                        </m:e>
+                        <m:sub>
+                          <m:r>
+                            <a:rPr lang="en-US" b="0" i="1" dirty="0" smtClean="0">
+                              <a:latin typeface="Cambria Math"/>
+                            </a:rPr>
+                            <m:t>3</m:t>
+                          </m:r>
+                        </m:sub>
+                      </m:sSub>
+                    </m:oMath>
+                  </m:oMathPara>
+                </a14:m>
+                <a:endParaRPr lang="en-US" dirty="0"/>
+              </a:p>
+            </p:txBody>
+          </p:sp>
+        </mc:Choice>
+        <mc:Fallback>
+          <p:sp>
+            <p:nvSpPr>
+              <p:cNvPr id="29" name="Rectangle 28"/>
+              <p:cNvSpPr>
+                <a:spLocks noRot="1" noChangeAspect="1" noMove="1" noResize="1" noEditPoints="1" noAdjustHandles="1" noChangeArrowheads="1" noChangeShapeType="1" noTextEdit="1"/>
+              </p:cNvSpPr>
+              <p:nvPr/>
+            </p:nvSpPr>
+            <p:spPr>
+              <a:xfrm>
+                <a:off x="2362200" y="3657600"/>
+                <a:ext cx="685800" cy="457200"/>
+              </a:xfrm>
+              <a:prstGeom prst="rect">
+                <a:avLst/>
+              </a:prstGeom>
+              <a:blipFill rotWithShape="1">
+                <a:blip r:embed="rId18"/>
+                <a:stretch>
+                  <a:fillRect/>
+                </a:stretch>
+              </a:blipFill>
+            </p:spPr>
+            <p:txBody>
+              <a:bodyPr/>
+              <a:lstStyle/>
+              <a:p>
+                <a:r>
+                  <a:rPr lang="en-US">
+                    <a:noFill/>
+                  </a:rPr>
+                  <a:t> </a:t>
+                </a:r>
+              </a:p>
+            </p:txBody>
+          </p:sp>
+        </mc:Fallback>
+      </mc:AlternateContent>
+      <mc:AlternateContent xmlns:mc="http://schemas.openxmlformats.org/markup-compatibility/2006">
+        <mc:Choice xmlns:a14="http://schemas.microsoft.com/office/drawing/2010/main" Requires="a14">
+          <p:sp>
+            <p:nvSpPr>
+              <p:cNvPr id="30" name="Rectangle 29"/>
+              <p:cNvSpPr/>
+              <p:nvPr/>
+            </p:nvSpPr>
+            <p:spPr>
+              <a:xfrm>
+                <a:off x="3048000" y="3657600"/>
+                <a:ext cx="685800" cy="457200"/>
+              </a:xfrm>
+              <a:prstGeom prst="rect">
+                <a:avLst/>
+              </a:prstGeom>
+            </p:spPr>
+            <p:style>
+              <a:lnRef idx="2">
+                <a:schemeClr val="accent1">
+                  <a:shade val="50000"/>
+                </a:schemeClr>
+              </a:lnRef>
+              <a:fillRef idx="1">
+                <a:schemeClr val="accent1"/>
+              </a:fillRef>
+              <a:effectRef idx="0">
+                <a:schemeClr val="accent1"/>
+              </a:effectRef>
+              <a:fontRef idx="minor">
+                <a:schemeClr val="lt1"/>
+              </a:fontRef>
+            </p:style>
+            <p:txBody>
+              <a:bodyPr rtlCol="0" anchor="ctr"/>
+              <a:lstStyle/>
+              <a:p>
+                <a:pPr algn="ctr"/>
+                <a14:m>
+                  <m:oMathPara xmlns:m="http://schemas.openxmlformats.org/officeDocument/2006/math">
+                    <m:oMathParaPr>
+                      <m:jc m:val="centerGroup"/>
+                    </m:oMathParaPr>
+                    <m:oMath xmlns:m="http://schemas.openxmlformats.org/officeDocument/2006/math">
+                      <m:sSub>
+                        <m:sSubPr>
+                          <m:ctrlPr>
+                            <a:rPr lang="en-US" b="0" i="1" dirty="0" smtClean="0">
+                              <a:latin typeface="Cambria Math"/>
+                            </a:rPr>
+                          </m:ctrlPr>
+                        </m:sSubPr>
+                        <m:e>
+                          <m:r>
+                            <a:rPr lang="en-US" i="1" dirty="0" smtClean="0">
+                              <a:latin typeface="Cambria Math"/>
+                            </a:rPr>
+                            <m:t>𝑍</m:t>
+                          </m:r>
+                        </m:e>
+                        <m:sub>
+                          <m:r>
+                            <a:rPr lang="en-US" b="0" i="1" dirty="0" smtClean="0">
+                              <a:latin typeface="Cambria Math"/>
+                            </a:rPr>
+                            <m:t>4</m:t>
+                          </m:r>
+                        </m:sub>
+                      </m:sSub>
+                    </m:oMath>
+                  </m:oMathPara>
+                </a14:m>
+                <a:endParaRPr lang="en-US" dirty="0"/>
+              </a:p>
+            </p:txBody>
+          </p:sp>
+        </mc:Choice>
+        <mc:Fallback>
+          <p:sp>
+            <p:nvSpPr>
+              <p:cNvPr id="30" name="Rectangle 29"/>
+              <p:cNvSpPr>
+                <a:spLocks noRot="1" noChangeAspect="1" noMove="1" noResize="1" noEditPoints="1" noAdjustHandles="1" noChangeArrowheads="1" noChangeShapeType="1" noTextEdit="1"/>
+              </p:cNvSpPr>
+              <p:nvPr/>
+            </p:nvSpPr>
+            <p:spPr>
+              <a:xfrm>
+                <a:off x="3048000" y="3657600"/>
+                <a:ext cx="685800" cy="457200"/>
+              </a:xfrm>
+              <a:prstGeom prst="rect">
+                <a:avLst/>
+              </a:prstGeom>
+              <a:blipFill rotWithShape="1">
+                <a:blip r:embed="rId19"/>
+                <a:stretch>
+                  <a:fillRect/>
+                </a:stretch>
+              </a:blipFill>
+            </p:spPr>
+            <p:txBody>
+              <a:bodyPr/>
+              <a:lstStyle/>
+              <a:p>
+                <a:r>
+                  <a:rPr lang="en-US">
+                    <a:noFill/>
+                  </a:rPr>
+                  <a:t> </a:t>
+                </a:r>
+              </a:p>
+            </p:txBody>
+          </p:sp>
+        </mc:Fallback>
+      </mc:AlternateContent>
+      <mc:AlternateContent xmlns:mc="http://schemas.openxmlformats.org/markup-compatibility/2006">
+        <mc:Choice xmlns:a14="http://schemas.microsoft.com/office/drawing/2010/main" Requires="a14">
+          <p:sp>
+            <p:nvSpPr>
+              <p:cNvPr id="31" name="Rectangle 30"/>
+              <p:cNvSpPr/>
+              <p:nvPr/>
+            </p:nvSpPr>
+            <p:spPr>
+              <a:xfrm>
+                <a:off x="3733800" y="3657600"/>
+                <a:ext cx="685800" cy="457200"/>
+              </a:xfrm>
+              <a:prstGeom prst="rect">
+                <a:avLst/>
+              </a:prstGeom>
+            </p:spPr>
+            <p:style>
+              <a:lnRef idx="2">
+                <a:schemeClr val="accent1">
+                  <a:shade val="50000"/>
+                </a:schemeClr>
+              </a:lnRef>
+              <a:fillRef idx="1">
+                <a:schemeClr val="accent1"/>
+              </a:fillRef>
+              <a:effectRef idx="0">
+                <a:schemeClr val="accent1"/>
+              </a:effectRef>
+              <a:fontRef idx="minor">
+                <a:schemeClr val="lt1"/>
+              </a:fontRef>
+            </p:style>
+            <p:txBody>
+              <a:bodyPr rtlCol="0" anchor="ctr"/>
+              <a:lstStyle/>
+              <a:p>
+                <a:pPr algn="ctr"/>
+                <a14:m>
+                  <m:oMathPara xmlns:m="http://schemas.openxmlformats.org/officeDocument/2006/math">
+                    <m:oMathParaPr>
+                      <m:jc m:val="centerGroup"/>
+                    </m:oMathParaPr>
+                    <m:oMath xmlns:m="http://schemas.openxmlformats.org/officeDocument/2006/math">
+                      <m:sSub>
+                        <m:sSubPr>
+                          <m:ctrlPr>
+                            <a:rPr lang="en-US" i="1" dirty="0" smtClean="0">
+                              <a:latin typeface="Cambria Math"/>
+                            </a:rPr>
+                          </m:ctrlPr>
+                        </m:sSubPr>
+                        <m:e>
+                          <m:r>
+                            <a:rPr lang="en-US" b="0" i="1" dirty="0" smtClean="0">
+                              <a:latin typeface="Cambria Math"/>
+                            </a:rPr>
+                            <m:t>𝑍</m:t>
+                          </m:r>
+                        </m:e>
+                        <m:sub>
+                          <m:r>
+                            <a:rPr lang="en-US" b="0" i="1" dirty="0" smtClean="0">
+                              <a:latin typeface="Cambria Math"/>
+                            </a:rPr>
+                            <m:t>5</m:t>
+                          </m:r>
+                        </m:sub>
+                      </m:sSub>
+                    </m:oMath>
+                  </m:oMathPara>
+                </a14:m>
+                <a:endParaRPr lang="en-US" dirty="0"/>
+              </a:p>
+            </p:txBody>
+          </p:sp>
+        </mc:Choice>
+        <mc:Fallback>
+          <p:sp>
+            <p:nvSpPr>
+              <p:cNvPr id="31" name="Rectangle 30"/>
+              <p:cNvSpPr>
+                <a:spLocks noRot="1" noChangeAspect="1" noMove="1" noResize="1" noEditPoints="1" noAdjustHandles="1" noChangeArrowheads="1" noChangeShapeType="1" noTextEdit="1"/>
+              </p:cNvSpPr>
+              <p:nvPr/>
+            </p:nvSpPr>
+            <p:spPr>
+              <a:xfrm>
+                <a:off x="3733800" y="3657600"/>
+                <a:ext cx="685800" cy="457200"/>
+              </a:xfrm>
+              <a:prstGeom prst="rect">
+                <a:avLst/>
+              </a:prstGeom>
+              <a:blipFill rotWithShape="1">
+                <a:blip r:embed="rId20"/>
+                <a:stretch>
+                  <a:fillRect/>
+                </a:stretch>
+              </a:blipFill>
+            </p:spPr>
+            <p:txBody>
+              <a:bodyPr/>
+              <a:lstStyle/>
+              <a:p>
+                <a:r>
+                  <a:rPr lang="en-US">
+                    <a:noFill/>
+                  </a:rPr>
+                  <a:t> </a:t>
+                </a:r>
+              </a:p>
+            </p:txBody>
+          </p:sp>
+        </mc:Fallback>
+      </mc:AlternateContent>
+      <mc:AlternateContent xmlns:mc="http://schemas.openxmlformats.org/markup-compatibility/2006">
+        <mc:Choice xmlns:a14="http://schemas.microsoft.com/office/drawing/2010/main" Requires="a14">
+          <p:sp>
+            <p:nvSpPr>
+              <p:cNvPr id="32" name="Rectangle 31"/>
+              <p:cNvSpPr/>
+              <p:nvPr/>
+            </p:nvSpPr>
+            <p:spPr>
+              <a:xfrm>
+                <a:off x="4419600" y="3657600"/>
+                <a:ext cx="685800" cy="457200"/>
+              </a:xfrm>
+              <a:prstGeom prst="rect">
+                <a:avLst/>
+              </a:prstGeom>
+            </p:spPr>
+            <p:style>
+              <a:lnRef idx="2">
+                <a:schemeClr val="accent1">
+                  <a:shade val="50000"/>
+                </a:schemeClr>
+              </a:lnRef>
+              <a:fillRef idx="1">
+                <a:schemeClr val="accent1"/>
+              </a:fillRef>
+              <a:effectRef idx="0">
+                <a:schemeClr val="accent1"/>
+              </a:effectRef>
+              <a:fontRef idx="minor">
+                <a:schemeClr val="lt1"/>
+              </a:fontRef>
+            </p:style>
+            <p:txBody>
+              <a:bodyPr rtlCol="0" anchor="ctr"/>
+              <a:lstStyle/>
+              <a:p>
+                <a:pPr algn="ctr"/>
+                <a14:m>
+                  <m:oMathPara xmlns:m="http://schemas.openxmlformats.org/officeDocument/2006/math">
+                    <m:oMathParaPr>
+                      <m:jc m:val="centerGroup"/>
+                    </m:oMathParaPr>
+                    <m:oMath xmlns:m="http://schemas.openxmlformats.org/officeDocument/2006/math">
+                      <m:r>
+                        <a:rPr lang="en-US" i="1" dirty="0" smtClean="0">
+                          <a:latin typeface="Cambria Math"/>
+                        </a:rPr>
+                        <m:t>…</m:t>
+                      </m:r>
+                    </m:oMath>
+                  </m:oMathPara>
+                </a14:m>
+                <a:endParaRPr lang="en-US" dirty="0"/>
+              </a:p>
+            </p:txBody>
+          </p:sp>
+        </mc:Choice>
+        <mc:Fallback>
+          <p:sp>
+            <p:nvSpPr>
+              <p:cNvPr id="32" name="Rectangle 31"/>
+              <p:cNvSpPr>
+                <a:spLocks noRot="1" noChangeAspect="1" noMove="1" noResize="1" noEditPoints="1" noAdjustHandles="1" noChangeArrowheads="1" noChangeShapeType="1" noTextEdit="1"/>
+              </p:cNvSpPr>
+              <p:nvPr/>
+            </p:nvSpPr>
+            <p:spPr>
+              <a:xfrm>
+                <a:off x="4419600" y="3657600"/>
+                <a:ext cx="685800" cy="457200"/>
+              </a:xfrm>
+              <a:prstGeom prst="rect">
+                <a:avLst/>
+              </a:prstGeom>
+              <a:blipFill rotWithShape="1">
+                <a:blip r:embed="rId7"/>
+                <a:stretch>
+                  <a:fillRect/>
+                </a:stretch>
+              </a:blipFill>
+            </p:spPr>
+            <p:txBody>
+              <a:bodyPr/>
+              <a:lstStyle/>
+              <a:p>
+                <a:r>
+                  <a:rPr lang="en-US">
+                    <a:noFill/>
+                  </a:rPr>
+                  <a:t> </a:t>
+                </a:r>
+              </a:p>
+            </p:txBody>
+          </p:sp>
+        </mc:Fallback>
+      </mc:AlternateContent>
+      <p:sp>
+        <p:nvSpPr>
+          <p:cNvPr id="34" name="Rectangle 33"/>
+          <p:cNvSpPr/>
+          <p:nvPr/>
+        </p:nvSpPr>
+        <p:spPr>
+          <a:xfrm>
+            <a:off x="838200" y="3429000"/>
+            <a:ext cx="5257800" cy="914400"/>
+          </a:xfrm>
+          <a:prstGeom prst="rect">
+            <a:avLst/>
+          </a:prstGeom>
+          <a:noFill/>
+        </p:spPr>
+        <p:style>
+          <a:lnRef idx="2">
+            <a:schemeClr val="accent1">
+              <a:shade val="50000"/>
+            </a:schemeClr>
+          </a:lnRef>
+          <a:fillRef idx="1">
+            <a:schemeClr val="accent1"/>
+          </a:fillRef>
+          <a:effectRef idx="0">
+            <a:schemeClr val="accent1"/>
+          </a:effectRef>
+          <a:fontRef idx="minor">
+            <a:schemeClr val="lt1"/>
+          </a:fontRef>
+        </p:style>
+        <p:txBody>
+          <a:bodyPr rtlCol="0" anchor="ctr"/>
+          <a:lstStyle/>
+          <a:p>
+            <a:pPr algn="ctr"/>
+            <a:endParaRPr lang="en-US"/>
+          </a:p>
+        </p:txBody>
+      </p:sp>
+      <p:cxnSp>
+        <p:nvCxnSpPr>
+          <p:cNvPr id="20" name="Straight Arrow Connector 19"/>
+          <p:cNvCxnSpPr>
+            <a:stCxn id="24" idx="2"/>
+            <a:endCxn id="34" idx="0"/>
+          </p:cNvCxnSpPr>
+          <p:nvPr/>
+        </p:nvCxnSpPr>
+        <p:spPr>
+          <a:xfrm>
+            <a:off x="3467100" y="3048000"/>
+            <a:ext cx="0" cy="381000"/>
+          </a:xfrm>
+          <a:prstGeom prst="straightConnector1">
+            <a:avLst/>
+          </a:prstGeom>
+          <a:ln w="28575">
+            <a:tailEnd type="arrow"/>
+          </a:ln>
+        </p:spPr>
+        <p:style>
+          <a:lnRef idx="1">
+            <a:schemeClr val="accent1"/>
+          </a:lnRef>
+          <a:fillRef idx="0">
+            <a:schemeClr val="accent1"/>
+          </a:fillRef>
+          <a:effectRef idx="0">
+            <a:schemeClr val="accent1"/>
+          </a:effectRef>
+          <a:fontRef idx="minor">
+            <a:schemeClr val="tx1"/>
+          </a:fontRef>
+        </p:style>
+      </p:cxnSp>
+    </p:spTree>
+    <p:extLst>
+      <p:ext uri="{BB962C8B-B14F-4D97-AF65-F5344CB8AC3E}">
+        <p14:creationId xmlns:p14="http://schemas.microsoft.com/office/powerpoint/2010/main" val="293098949"/>
+      </p:ext>
+    </p:extLst>
+  </p:cSld>
+  <p:clrMapOvr>
+    <a:masterClrMapping/>
+  </p:clrMapOvr>
+</p:sld>
+</file>
+
+<file path=ppt/slides/slide14.xml><?xml version="1.0" encoding="utf-8"?>
+<p:sld xmlns:a="http://schemas.openxmlformats.org/drawingml/2006/main" xmlns:r="http://schemas.openxmlformats.org/officeDocument/2006/relationships" xmlns:p="http://schemas.openxmlformats.org/presentationml/2006/main">
+  <p:cSld>
+    <p:spTree>
+      <p:nvGrpSpPr>
+        <p:cNvPr id="1" name=""/>
+        <p:cNvGrpSpPr/>
+        <p:nvPr/>
+      </p:nvGrpSpPr>
+      <p:grpSpPr>
+        <a:xfrm>
+          <a:off x="0" y="0"/>
+          <a:ext cx="0" cy="0"/>
+          <a:chOff x="0" y="0"/>
+          <a:chExt cx="0" cy="0"/>
+        </a:xfrm>
+      </p:grpSpPr>
+      <p:sp>
+        <p:nvSpPr>
+          <p:cNvPr id="2" name="Title 1"/>
+          <p:cNvSpPr>
+            <a:spLocks noGrp="1"/>
+          </p:cNvSpPr>
+          <p:nvPr>
+            <p:ph type="title"/>
+          </p:nvPr>
+        </p:nvSpPr>
         <p:spPr>
           <a:xfrm>
             <a:off x="685800" y="76200"/>
@@ -7988,7 +10677,7 @@
             <a:fld id="{B7AE4108-064F-4050-AAE5-C40EA46DD43F}" type="slidenum">
               <a:rPr lang="en-US" smtClean="0"/>
               <a:pPr/>
-              <a:t>13</a:t>
+              <a:t>14</a:t>
             </a:fld>
             <a:endParaRPr lang="en-US"/>
           </a:p>
@@ -8007,7 +10696,1872 @@
 </p:sld>
 </file>
 
-<file path=ppt/slides/slide14.xml><?xml version="1.0" encoding="utf-8"?>
+<file path=ppt/slides/slide15.xml><?xml version="1.0" encoding="utf-8"?>
+<p:sld xmlns:a="http://schemas.openxmlformats.org/drawingml/2006/main" xmlns:r="http://schemas.openxmlformats.org/officeDocument/2006/relationships" xmlns:p="http://schemas.openxmlformats.org/presentationml/2006/main">
+  <p:cSld>
+    <p:spTree>
+      <p:nvGrpSpPr>
+        <p:cNvPr id="1" name=""/>
+        <p:cNvGrpSpPr/>
+        <p:nvPr/>
+      </p:nvGrpSpPr>
+      <p:grpSpPr>
+        <a:xfrm>
+          <a:off x="0" y="0"/>
+          <a:ext cx="0" cy="0"/>
+          <a:chOff x="0" y="0"/>
+          <a:chExt cx="0" cy="0"/>
+        </a:xfrm>
+      </p:grpSpPr>
+      <p:sp>
+        <p:nvSpPr>
+          <p:cNvPr id="2" name="Title 1"/>
+          <p:cNvSpPr>
+            <a:spLocks noGrp="1"/>
+          </p:cNvSpPr>
+          <p:nvPr>
+            <p:ph type="title"/>
+          </p:nvPr>
+        </p:nvSpPr>
+        <p:spPr/>
+        <p:txBody>
+          <a:bodyPr/>
+          <a:lstStyle/>
+          <a:p>
+            <a:r>
+              <a:rPr lang="en-US" dirty="0" smtClean="0"/>
+              <a:t>Phase 2</a:t>
+            </a:r>
+            <a:endParaRPr lang="en-US" dirty="0"/>
+          </a:p>
+        </p:txBody>
+      </p:sp>
+      <p:sp>
+        <p:nvSpPr>
+          <p:cNvPr id="4" name="Footer Placeholder 3"/>
+          <p:cNvSpPr>
+            <a:spLocks noGrp="1"/>
+          </p:cNvSpPr>
+          <p:nvPr>
+            <p:ph type="ftr" sz="quarter" idx="11"/>
+          </p:nvPr>
+        </p:nvSpPr>
+        <p:spPr/>
+        <p:txBody>
+          <a:bodyPr/>
+          <a:lstStyle/>
+          <a:p>
+            <a:r>
+              <a:rPr lang="en-US" smtClean="0"/>
+              <a:t>Distribution Unlimited</a:t>
+            </a:r>
+            <a:endParaRPr lang="en-US"/>
+          </a:p>
+        </p:txBody>
+      </p:sp>
+      <p:sp>
+        <p:nvSpPr>
+          <p:cNvPr id="5" name="Slide Number Placeholder 4"/>
+          <p:cNvSpPr>
+            <a:spLocks noGrp="1"/>
+          </p:cNvSpPr>
+          <p:nvPr>
+            <p:ph type="sldNum" sz="quarter" idx="12"/>
+          </p:nvPr>
+        </p:nvSpPr>
+        <p:spPr/>
+        <p:txBody>
+          <a:bodyPr/>
+          <a:lstStyle/>
+          <a:p>
+            <a:fld id="{B7AE4108-064F-4050-AAE5-C40EA46DD43F}" type="slidenum">
+              <a:rPr lang="en-US" smtClean="0"/>
+              <a:pPr/>
+              <a:t>15</a:t>
+            </a:fld>
+            <a:endParaRPr lang="en-US"/>
+          </a:p>
+        </p:txBody>
+      </p:sp>
+      <mc:AlternateContent xmlns:mc="http://schemas.openxmlformats.org/markup-compatibility/2006">
+        <mc:Choice xmlns:a14="http://schemas.microsoft.com/office/drawing/2010/main" Requires="a14">
+          <p:sp>
+            <p:nvSpPr>
+              <p:cNvPr id="6" name="Rectangle 5"/>
+              <p:cNvSpPr/>
+              <p:nvPr/>
+            </p:nvSpPr>
+            <p:spPr>
+              <a:xfrm>
+                <a:off x="990600" y="1524000"/>
+                <a:ext cx="685800" cy="457200"/>
+              </a:xfrm>
+              <a:prstGeom prst="rect">
+                <a:avLst/>
+              </a:prstGeom>
+            </p:spPr>
+            <p:style>
+              <a:lnRef idx="2">
+                <a:schemeClr val="accent1">
+                  <a:shade val="50000"/>
+                </a:schemeClr>
+              </a:lnRef>
+              <a:fillRef idx="1">
+                <a:schemeClr val="accent1"/>
+              </a:fillRef>
+              <a:effectRef idx="0">
+                <a:schemeClr val="accent1"/>
+              </a:effectRef>
+              <a:fontRef idx="minor">
+                <a:schemeClr val="lt1"/>
+              </a:fontRef>
+            </p:style>
+            <p:txBody>
+              <a:bodyPr rtlCol="0" anchor="ctr"/>
+              <a:lstStyle/>
+              <a:p>
+                <a:pPr algn="ctr"/>
+                <a14:m>
+                  <m:oMathPara xmlns:m="http://schemas.openxmlformats.org/officeDocument/2006/math">
+                    <m:oMathParaPr>
+                      <m:jc m:val="centerGroup"/>
+                    </m:oMathParaPr>
+                    <m:oMath xmlns:m="http://schemas.openxmlformats.org/officeDocument/2006/math">
+                      <m:sSub>
+                        <m:sSubPr>
+                          <m:ctrlPr>
+                            <a:rPr lang="en-US" b="0" i="1" dirty="0" smtClean="0">
+                              <a:latin typeface="Cambria Math"/>
+                            </a:rPr>
+                          </m:ctrlPr>
+                        </m:sSubPr>
+                        <m:e>
+                          <m:r>
+                            <a:rPr lang="en-US" i="1" dirty="0" smtClean="0">
+                              <a:latin typeface="Cambria Math"/>
+                            </a:rPr>
+                            <m:t>𝑋</m:t>
+                          </m:r>
+                        </m:e>
+                        <m:sub>
+                          <m:r>
+                            <a:rPr lang="en-US" b="0" i="1" dirty="0" smtClean="0">
+                              <a:latin typeface="Cambria Math"/>
+                            </a:rPr>
+                            <m:t>1</m:t>
+                          </m:r>
+                        </m:sub>
+                      </m:sSub>
+                    </m:oMath>
+                  </m:oMathPara>
+                </a14:m>
+                <a:endParaRPr lang="en-US" dirty="0"/>
+              </a:p>
+            </p:txBody>
+          </p:sp>
+        </mc:Choice>
+        <mc:Fallback>
+          <p:sp>
+            <p:nvSpPr>
+              <p:cNvPr id="6" name="Rectangle 5"/>
+              <p:cNvSpPr>
+                <a:spLocks noRot="1" noChangeAspect="1" noMove="1" noResize="1" noEditPoints="1" noAdjustHandles="1" noChangeArrowheads="1" noChangeShapeType="1" noTextEdit="1"/>
+              </p:cNvSpPr>
+              <p:nvPr/>
+            </p:nvSpPr>
+            <p:spPr>
+              <a:xfrm>
+                <a:off x="990600" y="1524000"/>
+                <a:ext cx="685800" cy="457200"/>
+              </a:xfrm>
+              <a:prstGeom prst="rect">
+                <a:avLst/>
+              </a:prstGeom>
+              <a:blipFill rotWithShape="1">
+                <a:blip r:embed="rId2"/>
+                <a:stretch>
+                  <a:fillRect/>
+                </a:stretch>
+              </a:blipFill>
+            </p:spPr>
+            <p:txBody>
+              <a:bodyPr/>
+              <a:lstStyle/>
+              <a:p>
+                <a:r>
+                  <a:rPr lang="en-US">
+                    <a:noFill/>
+                  </a:rPr>
+                  <a:t> </a:t>
+                </a:r>
+              </a:p>
+            </p:txBody>
+          </p:sp>
+        </mc:Fallback>
+      </mc:AlternateContent>
+      <mc:AlternateContent xmlns:mc="http://schemas.openxmlformats.org/markup-compatibility/2006">
+        <mc:Choice xmlns:a14="http://schemas.microsoft.com/office/drawing/2010/main" Requires="a14">
+          <p:sp>
+            <p:nvSpPr>
+              <p:cNvPr id="7" name="Rectangle 6"/>
+              <p:cNvSpPr/>
+              <p:nvPr/>
+            </p:nvSpPr>
+            <p:spPr>
+              <a:xfrm>
+                <a:off x="1676400" y="1524000"/>
+                <a:ext cx="685800" cy="457200"/>
+              </a:xfrm>
+              <a:prstGeom prst="rect">
+                <a:avLst/>
+              </a:prstGeom>
+            </p:spPr>
+            <p:style>
+              <a:lnRef idx="2">
+                <a:schemeClr val="accent1">
+                  <a:shade val="50000"/>
+                </a:schemeClr>
+              </a:lnRef>
+              <a:fillRef idx="1">
+                <a:schemeClr val="accent1"/>
+              </a:fillRef>
+              <a:effectRef idx="0">
+                <a:schemeClr val="accent1"/>
+              </a:effectRef>
+              <a:fontRef idx="minor">
+                <a:schemeClr val="lt1"/>
+              </a:fontRef>
+            </p:style>
+            <p:txBody>
+              <a:bodyPr rtlCol="0" anchor="ctr"/>
+              <a:lstStyle/>
+              <a:p>
+                <a:pPr algn="ctr"/>
+                <a14:m>
+                  <m:oMathPara xmlns:m="http://schemas.openxmlformats.org/officeDocument/2006/math">
+                    <m:oMathParaPr>
+                      <m:jc m:val="centerGroup"/>
+                    </m:oMathParaPr>
+                    <m:oMath xmlns:m="http://schemas.openxmlformats.org/officeDocument/2006/math">
+                      <m:sSub>
+                        <m:sSubPr>
+                          <m:ctrlPr>
+                            <a:rPr lang="en-US" i="1" dirty="0" smtClean="0">
+                              <a:latin typeface="Cambria Math"/>
+                            </a:rPr>
+                          </m:ctrlPr>
+                        </m:sSubPr>
+                        <m:e>
+                          <m:r>
+                            <a:rPr lang="en-US" i="1" dirty="0">
+                              <a:latin typeface="Cambria Math"/>
+                            </a:rPr>
+                            <m:t>𝑋</m:t>
+                          </m:r>
+                        </m:e>
+                        <m:sub>
+                          <m:r>
+                            <a:rPr lang="en-US" b="0" i="1" dirty="0" smtClean="0">
+                              <a:latin typeface="Cambria Math"/>
+                            </a:rPr>
+                            <m:t>2</m:t>
+                          </m:r>
+                        </m:sub>
+                      </m:sSub>
+                    </m:oMath>
+                  </m:oMathPara>
+                </a14:m>
+                <a:endParaRPr lang="en-US" dirty="0"/>
+              </a:p>
+            </p:txBody>
+          </p:sp>
+        </mc:Choice>
+        <mc:Fallback>
+          <p:sp>
+            <p:nvSpPr>
+              <p:cNvPr id="7" name="Rectangle 6"/>
+              <p:cNvSpPr>
+                <a:spLocks noRot="1" noChangeAspect="1" noMove="1" noResize="1" noEditPoints="1" noAdjustHandles="1" noChangeArrowheads="1" noChangeShapeType="1" noTextEdit="1"/>
+              </p:cNvSpPr>
+              <p:nvPr/>
+            </p:nvSpPr>
+            <p:spPr>
+              <a:xfrm>
+                <a:off x="1676400" y="1524000"/>
+                <a:ext cx="685800" cy="457200"/>
+              </a:xfrm>
+              <a:prstGeom prst="rect">
+                <a:avLst/>
+              </a:prstGeom>
+              <a:blipFill rotWithShape="1">
+                <a:blip r:embed="rId3"/>
+                <a:stretch>
+                  <a:fillRect/>
+                </a:stretch>
+              </a:blipFill>
+            </p:spPr>
+            <p:txBody>
+              <a:bodyPr/>
+              <a:lstStyle/>
+              <a:p>
+                <a:r>
+                  <a:rPr lang="en-US">
+                    <a:noFill/>
+                  </a:rPr>
+                  <a:t> </a:t>
+                </a:r>
+              </a:p>
+            </p:txBody>
+          </p:sp>
+        </mc:Fallback>
+      </mc:AlternateContent>
+      <mc:AlternateContent xmlns:mc="http://schemas.openxmlformats.org/markup-compatibility/2006">
+        <mc:Choice xmlns:a14="http://schemas.microsoft.com/office/drawing/2010/main" Requires="a14">
+          <p:sp>
+            <p:nvSpPr>
+              <p:cNvPr id="8" name="Rectangle 7"/>
+              <p:cNvSpPr/>
+              <p:nvPr/>
+            </p:nvSpPr>
+            <p:spPr>
+              <a:xfrm>
+                <a:off x="2362200" y="1524000"/>
+                <a:ext cx="685800" cy="457200"/>
+              </a:xfrm>
+              <a:prstGeom prst="rect">
+                <a:avLst/>
+              </a:prstGeom>
+            </p:spPr>
+            <p:style>
+              <a:lnRef idx="2">
+                <a:schemeClr val="accent1">
+                  <a:shade val="50000"/>
+                </a:schemeClr>
+              </a:lnRef>
+              <a:fillRef idx="1">
+                <a:schemeClr val="accent1"/>
+              </a:fillRef>
+              <a:effectRef idx="0">
+                <a:schemeClr val="accent1"/>
+              </a:effectRef>
+              <a:fontRef idx="minor">
+                <a:schemeClr val="lt1"/>
+              </a:fontRef>
+            </p:style>
+            <p:txBody>
+              <a:bodyPr rtlCol="0" anchor="ctr"/>
+              <a:lstStyle/>
+              <a:p>
+                <a:pPr algn="ctr"/>
+                <a14:m>
+                  <m:oMathPara xmlns:m="http://schemas.openxmlformats.org/officeDocument/2006/math">
+                    <m:oMathParaPr>
+                      <m:jc m:val="centerGroup"/>
+                    </m:oMathParaPr>
+                    <m:oMath xmlns:m="http://schemas.openxmlformats.org/officeDocument/2006/math">
+                      <m:sSub>
+                        <m:sSubPr>
+                          <m:ctrlPr>
+                            <a:rPr lang="en-US" i="1" dirty="0" smtClean="0">
+                              <a:latin typeface="Cambria Math"/>
+                            </a:rPr>
+                          </m:ctrlPr>
+                        </m:sSubPr>
+                        <m:e>
+                          <m:r>
+                            <a:rPr lang="en-US" i="1" dirty="0">
+                              <a:latin typeface="Cambria Math"/>
+                            </a:rPr>
+                            <m:t>𝑋</m:t>
+                          </m:r>
+                        </m:e>
+                        <m:sub>
+                          <m:r>
+                            <a:rPr lang="en-US" b="0" i="1" dirty="0" smtClean="0">
+                              <a:latin typeface="Cambria Math"/>
+                            </a:rPr>
+                            <m:t>3</m:t>
+                          </m:r>
+                        </m:sub>
+                      </m:sSub>
+                    </m:oMath>
+                  </m:oMathPara>
+                </a14:m>
+                <a:endParaRPr lang="en-US" dirty="0"/>
+              </a:p>
+            </p:txBody>
+          </p:sp>
+        </mc:Choice>
+        <mc:Fallback>
+          <p:sp>
+            <p:nvSpPr>
+              <p:cNvPr id="8" name="Rectangle 7"/>
+              <p:cNvSpPr>
+                <a:spLocks noRot="1" noChangeAspect="1" noMove="1" noResize="1" noEditPoints="1" noAdjustHandles="1" noChangeArrowheads="1" noChangeShapeType="1" noTextEdit="1"/>
+              </p:cNvSpPr>
+              <p:nvPr/>
+            </p:nvSpPr>
+            <p:spPr>
+              <a:xfrm>
+                <a:off x="2362200" y="1524000"/>
+                <a:ext cx="685800" cy="457200"/>
+              </a:xfrm>
+              <a:prstGeom prst="rect">
+                <a:avLst/>
+              </a:prstGeom>
+              <a:blipFill rotWithShape="1">
+                <a:blip r:embed="rId4"/>
+                <a:stretch>
+                  <a:fillRect/>
+                </a:stretch>
+              </a:blipFill>
+            </p:spPr>
+            <p:txBody>
+              <a:bodyPr/>
+              <a:lstStyle/>
+              <a:p>
+                <a:r>
+                  <a:rPr lang="en-US">
+                    <a:noFill/>
+                  </a:rPr>
+                  <a:t> </a:t>
+                </a:r>
+              </a:p>
+            </p:txBody>
+          </p:sp>
+        </mc:Fallback>
+      </mc:AlternateContent>
+      <mc:AlternateContent xmlns:mc="http://schemas.openxmlformats.org/markup-compatibility/2006">
+        <mc:Choice xmlns:a14="http://schemas.microsoft.com/office/drawing/2010/main" Requires="a14">
+          <p:sp>
+            <p:nvSpPr>
+              <p:cNvPr id="9" name="Rectangle 8"/>
+              <p:cNvSpPr/>
+              <p:nvPr/>
+            </p:nvSpPr>
+            <p:spPr>
+              <a:xfrm>
+                <a:off x="3048000" y="1524000"/>
+                <a:ext cx="685800" cy="457200"/>
+              </a:xfrm>
+              <a:prstGeom prst="rect">
+                <a:avLst/>
+              </a:prstGeom>
+            </p:spPr>
+            <p:style>
+              <a:lnRef idx="2">
+                <a:schemeClr val="accent1">
+                  <a:shade val="50000"/>
+                </a:schemeClr>
+              </a:lnRef>
+              <a:fillRef idx="1">
+                <a:schemeClr val="accent1"/>
+              </a:fillRef>
+              <a:effectRef idx="0">
+                <a:schemeClr val="accent1"/>
+              </a:effectRef>
+              <a:fontRef idx="minor">
+                <a:schemeClr val="lt1"/>
+              </a:fontRef>
+            </p:style>
+            <p:txBody>
+              <a:bodyPr rtlCol="0" anchor="ctr"/>
+              <a:lstStyle/>
+              <a:p>
+                <a:pPr algn="ctr"/>
+                <a14:m>
+                  <m:oMathPara xmlns:m="http://schemas.openxmlformats.org/officeDocument/2006/math">
+                    <m:oMathParaPr>
+                      <m:jc m:val="centerGroup"/>
+                    </m:oMathParaPr>
+                    <m:oMath xmlns:m="http://schemas.openxmlformats.org/officeDocument/2006/math">
+                      <m:sSub>
+                        <m:sSubPr>
+                          <m:ctrlPr>
+                            <a:rPr lang="en-US" i="1" dirty="0" smtClean="0">
+                              <a:latin typeface="Cambria Math"/>
+                            </a:rPr>
+                          </m:ctrlPr>
+                        </m:sSubPr>
+                        <m:e>
+                          <m:r>
+                            <a:rPr lang="en-US" i="1" dirty="0">
+                              <a:latin typeface="Cambria Math"/>
+                            </a:rPr>
+                            <m:t>𝑋</m:t>
+                          </m:r>
+                        </m:e>
+                        <m:sub>
+                          <m:r>
+                            <a:rPr lang="en-US" b="0" i="1" dirty="0" smtClean="0">
+                              <a:latin typeface="Cambria Math"/>
+                            </a:rPr>
+                            <m:t>4</m:t>
+                          </m:r>
+                        </m:sub>
+                      </m:sSub>
+                    </m:oMath>
+                  </m:oMathPara>
+                </a14:m>
+                <a:endParaRPr lang="en-US" dirty="0"/>
+              </a:p>
+            </p:txBody>
+          </p:sp>
+        </mc:Choice>
+        <mc:Fallback>
+          <p:sp>
+            <p:nvSpPr>
+              <p:cNvPr id="9" name="Rectangle 8"/>
+              <p:cNvSpPr>
+                <a:spLocks noRot="1" noChangeAspect="1" noMove="1" noResize="1" noEditPoints="1" noAdjustHandles="1" noChangeArrowheads="1" noChangeShapeType="1" noTextEdit="1"/>
+              </p:cNvSpPr>
+              <p:nvPr/>
+            </p:nvSpPr>
+            <p:spPr>
+              <a:xfrm>
+                <a:off x="3048000" y="1524000"/>
+                <a:ext cx="685800" cy="457200"/>
+              </a:xfrm>
+              <a:prstGeom prst="rect">
+                <a:avLst/>
+              </a:prstGeom>
+              <a:blipFill rotWithShape="1">
+                <a:blip r:embed="rId5"/>
+                <a:stretch>
+                  <a:fillRect/>
+                </a:stretch>
+              </a:blipFill>
+            </p:spPr>
+            <p:txBody>
+              <a:bodyPr/>
+              <a:lstStyle/>
+              <a:p>
+                <a:r>
+                  <a:rPr lang="en-US">
+                    <a:noFill/>
+                  </a:rPr>
+                  <a:t> </a:t>
+                </a:r>
+              </a:p>
+            </p:txBody>
+          </p:sp>
+        </mc:Fallback>
+      </mc:AlternateContent>
+      <mc:AlternateContent xmlns:mc="http://schemas.openxmlformats.org/markup-compatibility/2006">
+        <mc:Choice xmlns:a14="http://schemas.microsoft.com/office/drawing/2010/main" Requires="a14">
+          <p:sp>
+            <p:nvSpPr>
+              <p:cNvPr id="10" name="Rectangle 9"/>
+              <p:cNvSpPr/>
+              <p:nvPr/>
+            </p:nvSpPr>
+            <p:spPr>
+              <a:xfrm>
+                <a:off x="3733800" y="1524000"/>
+                <a:ext cx="685800" cy="457200"/>
+              </a:xfrm>
+              <a:prstGeom prst="rect">
+                <a:avLst/>
+              </a:prstGeom>
+            </p:spPr>
+            <p:style>
+              <a:lnRef idx="2">
+                <a:schemeClr val="accent1">
+                  <a:shade val="50000"/>
+                </a:schemeClr>
+              </a:lnRef>
+              <a:fillRef idx="1">
+                <a:schemeClr val="accent1"/>
+              </a:fillRef>
+              <a:effectRef idx="0">
+                <a:schemeClr val="accent1"/>
+              </a:effectRef>
+              <a:fontRef idx="minor">
+                <a:schemeClr val="lt1"/>
+              </a:fontRef>
+            </p:style>
+            <p:txBody>
+              <a:bodyPr rtlCol="0" anchor="ctr"/>
+              <a:lstStyle/>
+              <a:p>
+                <a:pPr algn="ctr"/>
+                <a14:m>
+                  <m:oMathPara xmlns:m="http://schemas.openxmlformats.org/officeDocument/2006/math">
+                    <m:oMathParaPr>
+                      <m:jc m:val="centerGroup"/>
+                    </m:oMathParaPr>
+                    <m:oMath xmlns:m="http://schemas.openxmlformats.org/officeDocument/2006/math">
+                      <m:r>
+                        <a:rPr lang="en-US" i="1" dirty="0" smtClean="0">
+                          <a:latin typeface="Cambria Math"/>
+                        </a:rPr>
+                        <m:t>…</m:t>
+                      </m:r>
+                    </m:oMath>
+                  </m:oMathPara>
+                </a14:m>
+                <a:endParaRPr lang="en-US" dirty="0"/>
+              </a:p>
+            </p:txBody>
+          </p:sp>
+        </mc:Choice>
+        <mc:Fallback>
+          <p:sp>
+            <p:nvSpPr>
+              <p:cNvPr id="10" name="Rectangle 9"/>
+              <p:cNvSpPr>
+                <a:spLocks noRot="1" noChangeAspect="1" noMove="1" noResize="1" noEditPoints="1" noAdjustHandles="1" noChangeArrowheads="1" noChangeShapeType="1" noTextEdit="1"/>
+              </p:cNvSpPr>
+              <p:nvPr/>
+            </p:nvSpPr>
+            <p:spPr>
+              <a:xfrm>
+                <a:off x="3733800" y="1524000"/>
+                <a:ext cx="685800" cy="457200"/>
+              </a:xfrm>
+              <a:prstGeom prst="rect">
+                <a:avLst/>
+              </a:prstGeom>
+              <a:blipFill rotWithShape="1">
+                <a:blip r:embed="rId6"/>
+                <a:stretch>
+                  <a:fillRect/>
+                </a:stretch>
+              </a:blipFill>
+            </p:spPr>
+            <p:txBody>
+              <a:bodyPr/>
+              <a:lstStyle/>
+              <a:p>
+                <a:r>
+                  <a:rPr lang="en-US">
+                    <a:noFill/>
+                  </a:rPr>
+                  <a:t> </a:t>
+                </a:r>
+              </a:p>
+            </p:txBody>
+          </p:sp>
+        </mc:Fallback>
+      </mc:AlternateContent>
+      <mc:AlternateContent xmlns:mc="http://schemas.openxmlformats.org/markup-compatibility/2006">
+        <mc:Choice xmlns:a14="http://schemas.microsoft.com/office/drawing/2010/main" Requires="a14">
+          <p:sp>
+            <p:nvSpPr>
+              <p:cNvPr id="11" name="Rectangle 10"/>
+              <p:cNvSpPr/>
+              <p:nvPr/>
+            </p:nvSpPr>
+            <p:spPr>
+              <a:xfrm>
+                <a:off x="4419600" y="1524000"/>
+                <a:ext cx="685800" cy="457200"/>
+              </a:xfrm>
+              <a:prstGeom prst="rect">
+                <a:avLst/>
+              </a:prstGeom>
+            </p:spPr>
+            <p:style>
+              <a:lnRef idx="2">
+                <a:schemeClr val="accent1">
+                  <a:shade val="50000"/>
+                </a:schemeClr>
+              </a:lnRef>
+              <a:fillRef idx="1">
+                <a:schemeClr val="accent1"/>
+              </a:fillRef>
+              <a:effectRef idx="0">
+                <a:schemeClr val="accent1"/>
+              </a:effectRef>
+              <a:fontRef idx="minor">
+                <a:schemeClr val="lt1"/>
+              </a:fontRef>
+            </p:style>
+            <p:txBody>
+              <a:bodyPr rtlCol="0" anchor="ctr"/>
+              <a:lstStyle/>
+              <a:p>
+                <a:pPr algn="ctr"/>
+                <a14:m>
+                  <m:oMathPara xmlns:m="http://schemas.openxmlformats.org/officeDocument/2006/math">
+                    <m:oMathParaPr>
+                      <m:jc m:val="centerGroup"/>
+                    </m:oMathParaPr>
+                    <m:oMath xmlns:m="http://schemas.openxmlformats.org/officeDocument/2006/math">
+                      <m:sSub>
+                        <m:sSubPr>
+                          <m:ctrlPr>
+                            <a:rPr lang="en-US" i="1" dirty="0" smtClean="0">
+                              <a:latin typeface="Cambria Math"/>
+                            </a:rPr>
+                          </m:ctrlPr>
+                        </m:sSubPr>
+                        <m:e>
+                          <m:r>
+                            <a:rPr lang="en-US" i="1" dirty="0">
+                              <a:latin typeface="Cambria Math"/>
+                            </a:rPr>
+                            <m:t>𝑋</m:t>
+                          </m:r>
+                        </m:e>
+                        <m:sub>
+                          <m:r>
+                            <a:rPr lang="en-US" b="0" i="1" dirty="0" smtClean="0">
+                              <a:latin typeface="Cambria Math"/>
+                            </a:rPr>
+                            <m:t>𝑡</m:t>
+                          </m:r>
+                          <m:r>
+                            <a:rPr lang="en-US" b="0" i="1" dirty="0" smtClean="0">
+                              <a:latin typeface="Cambria Math"/>
+                            </a:rPr>
+                            <m:t>−1</m:t>
+                          </m:r>
+                        </m:sub>
+                      </m:sSub>
+                    </m:oMath>
+                  </m:oMathPara>
+                </a14:m>
+                <a:endParaRPr lang="en-US" dirty="0"/>
+              </a:p>
+            </p:txBody>
+          </p:sp>
+        </mc:Choice>
+        <mc:Fallback>
+          <p:sp>
+            <p:nvSpPr>
+              <p:cNvPr id="11" name="Rectangle 10"/>
+              <p:cNvSpPr>
+                <a:spLocks noRot="1" noChangeAspect="1" noMove="1" noResize="1" noEditPoints="1" noAdjustHandles="1" noChangeArrowheads="1" noChangeShapeType="1" noTextEdit="1"/>
+              </p:cNvSpPr>
+              <p:nvPr/>
+            </p:nvSpPr>
+            <p:spPr>
+              <a:xfrm>
+                <a:off x="4419600" y="1524000"/>
+                <a:ext cx="685800" cy="457200"/>
+              </a:xfrm>
+              <a:prstGeom prst="rect">
+                <a:avLst/>
+              </a:prstGeom>
+              <a:blipFill rotWithShape="1">
+                <a:blip r:embed="rId7"/>
+                <a:stretch>
+                  <a:fillRect/>
+                </a:stretch>
+              </a:blipFill>
+            </p:spPr>
+            <p:txBody>
+              <a:bodyPr/>
+              <a:lstStyle/>
+              <a:p>
+                <a:r>
+                  <a:rPr lang="en-US">
+                    <a:noFill/>
+                  </a:rPr>
+                  <a:t> </a:t>
+                </a:r>
+              </a:p>
+            </p:txBody>
+          </p:sp>
+        </mc:Fallback>
+      </mc:AlternateContent>
+      <mc:AlternateContent xmlns:mc="http://schemas.openxmlformats.org/markup-compatibility/2006">
+        <mc:Choice xmlns:a14="http://schemas.microsoft.com/office/drawing/2010/main" Requires="a14">
+          <p:sp>
+            <p:nvSpPr>
+              <p:cNvPr id="12" name="Rectangle 11"/>
+              <p:cNvSpPr/>
+              <p:nvPr/>
+            </p:nvSpPr>
+            <p:spPr>
+              <a:xfrm>
+                <a:off x="5105400" y="1524000"/>
+                <a:ext cx="685800" cy="457200"/>
+              </a:xfrm>
+              <a:prstGeom prst="rect">
+                <a:avLst/>
+              </a:prstGeom>
+            </p:spPr>
+            <p:style>
+              <a:lnRef idx="2">
+                <a:schemeClr val="accent1">
+                  <a:shade val="50000"/>
+                </a:schemeClr>
+              </a:lnRef>
+              <a:fillRef idx="1">
+                <a:schemeClr val="accent1"/>
+              </a:fillRef>
+              <a:effectRef idx="0">
+                <a:schemeClr val="accent1"/>
+              </a:effectRef>
+              <a:fontRef idx="minor">
+                <a:schemeClr val="lt1"/>
+              </a:fontRef>
+            </p:style>
+            <p:txBody>
+              <a:bodyPr rtlCol="0" anchor="ctr"/>
+              <a:lstStyle/>
+              <a:p>
+                <a:pPr algn="ctr"/>
+                <a14:m>
+                  <m:oMathPara xmlns:m="http://schemas.openxmlformats.org/officeDocument/2006/math">
+                    <m:oMathParaPr>
+                      <m:jc m:val="centerGroup"/>
+                    </m:oMathParaPr>
+                    <m:oMath xmlns:m="http://schemas.openxmlformats.org/officeDocument/2006/math">
+                      <m:sSub>
+                        <m:sSubPr>
+                          <m:ctrlPr>
+                            <a:rPr lang="en-US" i="1" dirty="0" smtClean="0">
+                              <a:latin typeface="Cambria Math"/>
+                            </a:rPr>
+                          </m:ctrlPr>
+                        </m:sSubPr>
+                        <m:e>
+                          <m:r>
+                            <a:rPr lang="en-US" i="1" dirty="0">
+                              <a:latin typeface="Cambria Math"/>
+                            </a:rPr>
+                            <m:t>𝑋</m:t>
+                          </m:r>
+                        </m:e>
+                        <m:sub>
+                          <m:r>
+                            <a:rPr lang="en-US" b="0" i="1" dirty="0" smtClean="0">
+                              <a:latin typeface="Cambria Math"/>
+                            </a:rPr>
+                            <m:t>𝑡</m:t>
+                          </m:r>
+                        </m:sub>
+                      </m:sSub>
+                    </m:oMath>
+                  </m:oMathPara>
+                </a14:m>
+                <a:endParaRPr lang="en-US" dirty="0"/>
+              </a:p>
+            </p:txBody>
+          </p:sp>
+        </mc:Choice>
+        <mc:Fallback>
+          <p:sp>
+            <p:nvSpPr>
+              <p:cNvPr id="12" name="Rectangle 11"/>
+              <p:cNvSpPr>
+                <a:spLocks noRot="1" noChangeAspect="1" noMove="1" noResize="1" noEditPoints="1" noAdjustHandles="1" noChangeArrowheads="1" noChangeShapeType="1" noTextEdit="1"/>
+              </p:cNvSpPr>
+              <p:nvPr/>
+            </p:nvSpPr>
+            <p:spPr>
+              <a:xfrm>
+                <a:off x="5105400" y="1524000"/>
+                <a:ext cx="685800" cy="457200"/>
+              </a:xfrm>
+              <a:prstGeom prst="rect">
+                <a:avLst/>
+              </a:prstGeom>
+              <a:blipFill rotWithShape="1">
+                <a:blip r:embed="rId8"/>
+                <a:stretch>
+                  <a:fillRect/>
+                </a:stretch>
+              </a:blipFill>
+            </p:spPr>
+            <p:txBody>
+              <a:bodyPr/>
+              <a:lstStyle/>
+              <a:p>
+                <a:r>
+                  <a:rPr lang="en-US">
+                    <a:noFill/>
+                  </a:rPr>
+                  <a:t> </a:t>
+                </a:r>
+              </a:p>
+            </p:txBody>
+          </p:sp>
+        </mc:Fallback>
+      </mc:AlternateContent>
+      <p:sp>
+        <p:nvSpPr>
+          <p:cNvPr id="13" name="TextBox 12"/>
+          <p:cNvSpPr txBox="1"/>
+          <p:nvPr/>
+        </p:nvSpPr>
+        <p:spPr>
+          <a:xfrm>
+            <a:off x="6705600" y="1558290"/>
+            <a:ext cx="2280753" cy="369332"/>
+          </a:xfrm>
+          <a:prstGeom prst="rect">
+            <a:avLst/>
+          </a:prstGeom>
+          <a:noFill/>
+        </p:spPr>
+        <p:txBody>
+          <a:bodyPr wrap="none" rtlCol="0">
+            <a:spAutoFit/>
+          </a:bodyPr>
+          <a:lstStyle/>
+          <a:p>
+            <a:r>
+              <a:rPr lang="en-US" dirty="0" smtClean="0"/>
+              <a:t>Tweets &amp; Vaccinations</a:t>
+            </a:r>
+            <a:endParaRPr lang="en-US" dirty="0"/>
+          </a:p>
+        </p:txBody>
+      </p:sp>
+      <mc:AlternateContent xmlns:mc="http://schemas.openxmlformats.org/markup-compatibility/2006">
+        <mc:Choice xmlns:a14="http://schemas.microsoft.com/office/drawing/2010/main" Requires="a14">
+          <p:sp>
+            <p:nvSpPr>
+              <p:cNvPr id="14" name="Rectangle 13"/>
+              <p:cNvSpPr/>
+              <p:nvPr/>
+            </p:nvSpPr>
+            <p:spPr>
+              <a:xfrm>
+                <a:off x="990600" y="2286000"/>
+                <a:ext cx="685800" cy="457200"/>
+              </a:xfrm>
+              <a:prstGeom prst="rect">
+                <a:avLst/>
+              </a:prstGeom>
+            </p:spPr>
+            <p:style>
+              <a:lnRef idx="2">
+                <a:schemeClr val="accent1">
+                  <a:shade val="50000"/>
+                </a:schemeClr>
+              </a:lnRef>
+              <a:fillRef idx="1">
+                <a:schemeClr val="accent1"/>
+              </a:fillRef>
+              <a:effectRef idx="0">
+                <a:schemeClr val="accent1"/>
+              </a:effectRef>
+              <a:fontRef idx="minor">
+                <a:schemeClr val="lt1"/>
+              </a:fontRef>
+            </p:style>
+            <p:txBody>
+              <a:bodyPr rtlCol="0" anchor="ctr"/>
+              <a:lstStyle/>
+              <a:p>
+                <a:pPr algn="ctr"/>
+                <a14:m>
+                  <m:oMathPara xmlns:m="http://schemas.openxmlformats.org/officeDocument/2006/math">
+                    <m:oMathParaPr>
+                      <m:jc m:val="centerGroup"/>
+                    </m:oMathParaPr>
+                    <m:oMath xmlns:m="http://schemas.openxmlformats.org/officeDocument/2006/math">
+                      <m:sSub>
+                        <m:sSubPr>
+                          <m:ctrlPr>
+                            <a:rPr lang="en-US" b="0" i="1" dirty="0" smtClean="0">
+                              <a:latin typeface="Cambria Math"/>
+                            </a:rPr>
+                          </m:ctrlPr>
+                        </m:sSubPr>
+                        <m:e>
+                          <m:r>
+                            <a:rPr lang="en-US" b="0" i="1" dirty="0" smtClean="0">
+                              <a:latin typeface="Cambria Math"/>
+                            </a:rPr>
+                            <m:t>𝐶</m:t>
+                          </m:r>
+                        </m:e>
+                        <m:sub>
+                          <m:r>
+                            <a:rPr lang="en-US" b="0" i="1" dirty="0" smtClean="0">
+                              <a:latin typeface="Cambria Math"/>
+                            </a:rPr>
+                            <m:t>1</m:t>
+                          </m:r>
+                        </m:sub>
+                      </m:sSub>
+                    </m:oMath>
+                  </m:oMathPara>
+                </a14:m>
+                <a:endParaRPr lang="en-US" dirty="0"/>
+              </a:p>
+            </p:txBody>
+          </p:sp>
+        </mc:Choice>
+        <mc:Fallback>
+          <p:sp>
+            <p:nvSpPr>
+              <p:cNvPr id="14" name="Rectangle 13"/>
+              <p:cNvSpPr>
+                <a:spLocks noRot="1" noChangeAspect="1" noMove="1" noResize="1" noEditPoints="1" noAdjustHandles="1" noChangeArrowheads="1" noChangeShapeType="1" noTextEdit="1"/>
+              </p:cNvSpPr>
+              <p:nvPr/>
+            </p:nvSpPr>
+            <p:spPr>
+              <a:xfrm>
+                <a:off x="990600" y="2286000"/>
+                <a:ext cx="685800" cy="457200"/>
+              </a:xfrm>
+              <a:prstGeom prst="rect">
+                <a:avLst/>
+              </a:prstGeom>
+              <a:blipFill rotWithShape="1">
+                <a:blip r:embed="rId9"/>
+                <a:stretch>
+                  <a:fillRect/>
+                </a:stretch>
+              </a:blipFill>
+            </p:spPr>
+            <p:txBody>
+              <a:bodyPr/>
+              <a:lstStyle/>
+              <a:p>
+                <a:r>
+                  <a:rPr lang="en-US">
+                    <a:noFill/>
+                  </a:rPr>
+                  <a:t> </a:t>
+                </a:r>
+              </a:p>
+            </p:txBody>
+          </p:sp>
+        </mc:Fallback>
+      </mc:AlternateContent>
+      <mc:AlternateContent xmlns:mc="http://schemas.openxmlformats.org/markup-compatibility/2006">
+        <mc:Choice xmlns:a14="http://schemas.microsoft.com/office/drawing/2010/main" Requires="a14">
+          <p:sp>
+            <p:nvSpPr>
+              <p:cNvPr id="15" name="Rectangle 14"/>
+              <p:cNvSpPr/>
+              <p:nvPr/>
+            </p:nvSpPr>
+            <p:spPr>
+              <a:xfrm>
+                <a:off x="1676400" y="2286000"/>
+                <a:ext cx="685800" cy="457200"/>
+              </a:xfrm>
+              <a:prstGeom prst="rect">
+                <a:avLst/>
+              </a:prstGeom>
+            </p:spPr>
+            <p:style>
+              <a:lnRef idx="2">
+                <a:schemeClr val="accent1">
+                  <a:shade val="50000"/>
+                </a:schemeClr>
+              </a:lnRef>
+              <a:fillRef idx="1">
+                <a:schemeClr val="accent1"/>
+              </a:fillRef>
+              <a:effectRef idx="0">
+                <a:schemeClr val="accent1"/>
+              </a:effectRef>
+              <a:fontRef idx="minor">
+                <a:schemeClr val="lt1"/>
+              </a:fontRef>
+            </p:style>
+            <p:txBody>
+              <a:bodyPr rtlCol="0" anchor="ctr"/>
+              <a:lstStyle/>
+              <a:p>
+                <a:pPr algn="ctr"/>
+                <a14:m>
+                  <m:oMathPara xmlns:m="http://schemas.openxmlformats.org/officeDocument/2006/math">
+                    <m:oMathParaPr>
+                      <m:jc m:val="centerGroup"/>
+                    </m:oMathParaPr>
+                    <m:oMath xmlns:m="http://schemas.openxmlformats.org/officeDocument/2006/math">
+                      <m:sSub>
+                        <m:sSubPr>
+                          <m:ctrlPr>
+                            <a:rPr lang="en-US" i="1" dirty="0" smtClean="0">
+                              <a:latin typeface="Cambria Math"/>
+                            </a:rPr>
+                          </m:ctrlPr>
+                        </m:sSubPr>
+                        <m:e>
+                          <m:r>
+                            <a:rPr lang="en-US" b="0" i="1" dirty="0" smtClean="0">
+                              <a:latin typeface="Cambria Math"/>
+                            </a:rPr>
+                            <m:t>𝐶</m:t>
+                          </m:r>
+                        </m:e>
+                        <m:sub>
+                          <m:r>
+                            <a:rPr lang="en-US" b="0" i="1" dirty="0" smtClean="0">
+                              <a:latin typeface="Cambria Math"/>
+                            </a:rPr>
+                            <m:t>2</m:t>
+                          </m:r>
+                        </m:sub>
+                      </m:sSub>
+                    </m:oMath>
+                  </m:oMathPara>
+                </a14:m>
+                <a:endParaRPr lang="en-US" dirty="0"/>
+              </a:p>
+            </p:txBody>
+          </p:sp>
+        </mc:Choice>
+        <mc:Fallback>
+          <p:sp>
+            <p:nvSpPr>
+              <p:cNvPr id="15" name="Rectangle 14"/>
+              <p:cNvSpPr>
+                <a:spLocks noRot="1" noChangeAspect="1" noMove="1" noResize="1" noEditPoints="1" noAdjustHandles="1" noChangeArrowheads="1" noChangeShapeType="1" noTextEdit="1"/>
+              </p:cNvSpPr>
+              <p:nvPr/>
+            </p:nvSpPr>
+            <p:spPr>
+              <a:xfrm>
+                <a:off x="1676400" y="2286000"/>
+                <a:ext cx="685800" cy="457200"/>
+              </a:xfrm>
+              <a:prstGeom prst="rect">
+                <a:avLst/>
+              </a:prstGeom>
+              <a:blipFill rotWithShape="1">
+                <a:blip r:embed="rId10"/>
+                <a:stretch>
+                  <a:fillRect/>
+                </a:stretch>
+              </a:blipFill>
+            </p:spPr>
+            <p:txBody>
+              <a:bodyPr/>
+              <a:lstStyle/>
+              <a:p>
+                <a:r>
+                  <a:rPr lang="en-US">
+                    <a:noFill/>
+                  </a:rPr>
+                  <a:t> </a:t>
+                </a:r>
+              </a:p>
+            </p:txBody>
+          </p:sp>
+        </mc:Fallback>
+      </mc:AlternateContent>
+      <mc:AlternateContent xmlns:mc="http://schemas.openxmlformats.org/markup-compatibility/2006">
+        <mc:Choice xmlns:a14="http://schemas.microsoft.com/office/drawing/2010/main" Requires="a14">
+          <p:sp>
+            <p:nvSpPr>
+              <p:cNvPr id="16" name="Rectangle 15"/>
+              <p:cNvSpPr/>
+              <p:nvPr/>
+            </p:nvSpPr>
+            <p:spPr>
+              <a:xfrm>
+                <a:off x="2362200" y="2286000"/>
+                <a:ext cx="685800" cy="457200"/>
+              </a:xfrm>
+              <a:prstGeom prst="rect">
+                <a:avLst/>
+              </a:prstGeom>
+            </p:spPr>
+            <p:style>
+              <a:lnRef idx="2">
+                <a:schemeClr val="accent1">
+                  <a:shade val="50000"/>
+                </a:schemeClr>
+              </a:lnRef>
+              <a:fillRef idx="1">
+                <a:schemeClr val="accent1"/>
+              </a:fillRef>
+              <a:effectRef idx="0">
+                <a:schemeClr val="accent1"/>
+              </a:effectRef>
+              <a:fontRef idx="minor">
+                <a:schemeClr val="lt1"/>
+              </a:fontRef>
+            </p:style>
+            <p:txBody>
+              <a:bodyPr rtlCol="0" anchor="ctr"/>
+              <a:lstStyle/>
+              <a:p>
+                <a:pPr algn="ctr"/>
+                <a14:m>
+                  <m:oMathPara xmlns:m="http://schemas.openxmlformats.org/officeDocument/2006/math">
+                    <m:oMathParaPr>
+                      <m:jc m:val="centerGroup"/>
+                    </m:oMathParaPr>
+                    <m:oMath xmlns:m="http://schemas.openxmlformats.org/officeDocument/2006/math">
+                      <m:sSub>
+                        <m:sSubPr>
+                          <m:ctrlPr>
+                            <a:rPr lang="en-US" i="1" dirty="0" smtClean="0">
+                              <a:latin typeface="Cambria Math"/>
+                            </a:rPr>
+                          </m:ctrlPr>
+                        </m:sSubPr>
+                        <m:e>
+                          <m:r>
+                            <a:rPr lang="en-US" b="0" i="1" dirty="0" smtClean="0">
+                              <a:latin typeface="Cambria Math"/>
+                            </a:rPr>
+                            <m:t>𝐶</m:t>
+                          </m:r>
+                        </m:e>
+                        <m:sub>
+                          <m:r>
+                            <a:rPr lang="en-US" b="0" i="1" dirty="0" smtClean="0">
+                              <a:latin typeface="Cambria Math"/>
+                            </a:rPr>
+                            <m:t>3</m:t>
+                          </m:r>
+                        </m:sub>
+                      </m:sSub>
+                    </m:oMath>
+                  </m:oMathPara>
+                </a14:m>
+                <a:endParaRPr lang="en-US" dirty="0"/>
+              </a:p>
+            </p:txBody>
+          </p:sp>
+        </mc:Choice>
+        <mc:Fallback>
+          <p:sp>
+            <p:nvSpPr>
+              <p:cNvPr id="16" name="Rectangle 15"/>
+              <p:cNvSpPr>
+                <a:spLocks noRot="1" noChangeAspect="1" noMove="1" noResize="1" noEditPoints="1" noAdjustHandles="1" noChangeArrowheads="1" noChangeShapeType="1" noTextEdit="1"/>
+              </p:cNvSpPr>
+              <p:nvPr/>
+            </p:nvSpPr>
+            <p:spPr>
+              <a:xfrm>
+                <a:off x="2362200" y="2286000"/>
+                <a:ext cx="685800" cy="457200"/>
+              </a:xfrm>
+              <a:prstGeom prst="rect">
+                <a:avLst/>
+              </a:prstGeom>
+              <a:blipFill rotWithShape="1">
+                <a:blip r:embed="rId11"/>
+                <a:stretch>
+                  <a:fillRect/>
+                </a:stretch>
+              </a:blipFill>
+            </p:spPr>
+            <p:txBody>
+              <a:bodyPr/>
+              <a:lstStyle/>
+              <a:p>
+                <a:r>
+                  <a:rPr lang="en-US">
+                    <a:noFill/>
+                  </a:rPr>
+                  <a:t> </a:t>
+                </a:r>
+              </a:p>
+            </p:txBody>
+          </p:sp>
+        </mc:Fallback>
+      </mc:AlternateContent>
+      <mc:AlternateContent xmlns:mc="http://schemas.openxmlformats.org/markup-compatibility/2006">
+        <mc:Choice xmlns:a14="http://schemas.microsoft.com/office/drawing/2010/main" Requires="a14">
+          <p:sp>
+            <p:nvSpPr>
+              <p:cNvPr id="17" name="Rectangle 16"/>
+              <p:cNvSpPr/>
+              <p:nvPr/>
+            </p:nvSpPr>
+            <p:spPr>
+              <a:xfrm>
+                <a:off x="3048000" y="2286000"/>
+                <a:ext cx="685800" cy="457200"/>
+              </a:xfrm>
+              <a:prstGeom prst="rect">
+                <a:avLst/>
+              </a:prstGeom>
+            </p:spPr>
+            <p:style>
+              <a:lnRef idx="2">
+                <a:schemeClr val="accent1">
+                  <a:shade val="50000"/>
+                </a:schemeClr>
+              </a:lnRef>
+              <a:fillRef idx="1">
+                <a:schemeClr val="accent1"/>
+              </a:fillRef>
+              <a:effectRef idx="0">
+                <a:schemeClr val="accent1"/>
+              </a:effectRef>
+              <a:fontRef idx="minor">
+                <a:schemeClr val="lt1"/>
+              </a:fontRef>
+            </p:style>
+            <p:txBody>
+              <a:bodyPr rtlCol="0" anchor="ctr"/>
+              <a:lstStyle/>
+              <a:p>
+                <a:pPr algn="ctr"/>
+                <a14:m>
+                  <m:oMathPara xmlns:m="http://schemas.openxmlformats.org/officeDocument/2006/math">
+                    <m:oMathParaPr>
+                      <m:jc m:val="centerGroup"/>
+                    </m:oMathParaPr>
+                    <m:oMath xmlns:m="http://schemas.openxmlformats.org/officeDocument/2006/math">
+                      <m:sSub>
+                        <m:sSubPr>
+                          <m:ctrlPr>
+                            <a:rPr lang="en-US" i="1" dirty="0" smtClean="0">
+                              <a:latin typeface="Cambria Math"/>
+                            </a:rPr>
+                          </m:ctrlPr>
+                        </m:sSubPr>
+                        <m:e>
+                          <m:r>
+                            <a:rPr lang="en-US" b="0" i="1" dirty="0" smtClean="0">
+                              <a:latin typeface="Cambria Math"/>
+                            </a:rPr>
+                            <m:t>𝐶</m:t>
+                          </m:r>
+                        </m:e>
+                        <m:sub>
+                          <m:r>
+                            <a:rPr lang="en-US" b="0" i="1" dirty="0" smtClean="0">
+                              <a:latin typeface="Cambria Math"/>
+                            </a:rPr>
+                            <m:t>4</m:t>
+                          </m:r>
+                        </m:sub>
+                      </m:sSub>
+                    </m:oMath>
+                  </m:oMathPara>
+                </a14:m>
+                <a:endParaRPr lang="en-US" dirty="0"/>
+              </a:p>
+            </p:txBody>
+          </p:sp>
+        </mc:Choice>
+        <mc:Fallback>
+          <p:sp>
+            <p:nvSpPr>
+              <p:cNvPr id="17" name="Rectangle 16"/>
+              <p:cNvSpPr>
+                <a:spLocks noRot="1" noChangeAspect="1" noMove="1" noResize="1" noEditPoints="1" noAdjustHandles="1" noChangeArrowheads="1" noChangeShapeType="1" noTextEdit="1"/>
+              </p:cNvSpPr>
+              <p:nvPr/>
+            </p:nvSpPr>
+            <p:spPr>
+              <a:xfrm>
+                <a:off x="3048000" y="2286000"/>
+                <a:ext cx="685800" cy="457200"/>
+              </a:xfrm>
+              <a:prstGeom prst="rect">
+                <a:avLst/>
+              </a:prstGeom>
+              <a:blipFill rotWithShape="1">
+                <a:blip r:embed="rId12"/>
+                <a:stretch>
+                  <a:fillRect/>
+                </a:stretch>
+              </a:blipFill>
+            </p:spPr>
+            <p:txBody>
+              <a:bodyPr/>
+              <a:lstStyle/>
+              <a:p>
+                <a:r>
+                  <a:rPr lang="en-US">
+                    <a:noFill/>
+                  </a:rPr>
+                  <a:t> </a:t>
+                </a:r>
+              </a:p>
+            </p:txBody>
+          </p:sp>
+        </mc:Fallback>
+      </mc:AlternateContent>
+      <mc:AlternateContent xmlns:mc="http://schemas.openxmlformats.org/markup-compatibility/2006">
+        <mc:Choice xmlns:a14="http://schemas.microsoft.com/office/drawing/2010/main" Requires="a14">
+          <p:sp>
+            <p:nvSpPr>
+              <p:cNvPr id="18" name="Rectangle 17"/>
+              <p:cNvSpPr/>
+              <p:nvPr/>
+            </p:nvSpPr>
+            <p:spPr>
+              <a:xfrm>
+                <a:off x="3733800" y="2286000"/>
+                <a:ext cx="685800" cy="457200"/>
+              </a:xfrm>
+              <a:prstGeom prst="rect">
+                <a:avLst/>
+              </a:prstGeom>
+            </p:spPr>
+            <p:style>
+              <a:lnRef idx="2">
+                <a:schemeClr val="accent1">
+                  <a:shade val="50000"/>
+                </a:schemeClr>
+              </a:lnRef>
+              <a:fillRef idx="1">
+                <a:schemeClr val="accent1"/>
+              </a:fillRef>
+              <a:effectRef idx="0">
+                <a:schemeClr val="accent1"/>
+              </a:effectRef>
+              <a:fontRef idx="minor">
+                <a:schemeClr val="lt1"/>
+              </a:fontRef>
+            </p:style>
+            <p:txBody>
+              <a:bodyPr rtlCol="0" anchor="ctr"/>
+              <a:lstStyle/>
+              <a:p>
+                <a:pPr algn="ctr"/>
+                <a14:m>
+                  <m:oMathPara xmlns:m="http://schemas.openxmlformats.org/officeDocument/2006/math">
+                    <m:oMathParaPr>
+                      <m:jc m:val="centerGroup"/>
+                    </m:oMathParaPr>
+                    <m:oMath xmlns:m="http://schemas.openxmlformats.org/officeDocument/2006/math">
+                      <m:r>
+                        <a:rPr lang="en-US" i="1" dirty="0" smtClean="0">
+                          <a:latin typeface="Cambria Math"/>
+                        </a:rPr>
+                        <m:t>…</m:t>
+                      </m:r>
+                    </m:oMath>
+                  </m:oMathPara>
+                </a14:m>
+                <a:endParaRPr lang="en-US" dirty="0"/>
+              </a:p>
+            </p:txBody>
+          </p:sp>
+        </mc:Choice>
+        <mc:Fallback>
+          <p:sp>
+            <p:nvSpPr>
+              <p:cNvPr id="18" name="Rectangle 17"/>
+              <p:cNvSpPr>
+                <a:spLocks noRot="1" noChangeAspect="1" noMove="1" noResize="1" noEditPoints="1" noAdjustHandles="1" noChangeArrowheads="1" noChangeShapeType="1" noTextEdit="1"/>
+              </p:cNvSpPr>
+              <p:nvPr/>
+            </p:nvSpPr>
+            <p:spPr>
+              <a:xfrm>
+                <a:off x="3733800" y="2286000"/>
+                <a:ext cx="685800" cy="457200"/>
+              </a:xfrm>
+              <a:prstGeom prst="rect">
+                <a:avLst/>
+              </a:prstGeom>
+              <a:blipFill rotWithShape="1">
+                <a:blip r:embed="rId6"/>
+                <a:stretch>
+                  <a:fillRect/>
+                </a:stretch>
+              </a:blipFill>
+            </p:spPr>
+            <p:txBody>
+              <a:bodyPr/>
+              <a:lstStyle/>
+              <a:p>
+                <a:r>
+                  <a:rPr lang="en-US">
+                    <a:noFill/>
+                  </a:rPr>
+                  <a:t> </a:t>
+                </a:r>
+              </a:p>
+            </p:txBody>
+          </p:sp>
+        </mc:Fallback>
+      </mc:AlternateContent>
+      <mc:AlternateContent xmlns:mc="http://schemas.openxmlformats.org/markup-compatibility/2006">
+        <mc:Choice xmlns:a14="http://schemas.microsoft.com/office/drawing/2010/main" Requires="a14">
+          <p:sp>
+            <p:nvSpPr>
+              <p:cNvPr id="19" name="Rectangle 18"/>
+              <p:cNvSpPr/>
+              <p:nvPr/>
+            </p:nvSpPr>
+            <p:spPr>
+              <a:xfrm>
+                <a:off x="4419600" y="2286000"/>
+                <a:ext cx="685800" cy="457200"/>
+              </a:xfrm>
+              <a:prstGeom prst="rect">
+                <a:avLst/>
+              </a:prstGeom>
+            </p:spPr>
+            <p:style>
+              <a:lnRef idx="2">
+                <a:schemeClr val="accent1">
+                  <a:shade val="50000"/>
+                </a:schemeClr>
+              </a:lnRef>
+              <a:fillRef idx="1">
+                <a:schemeClr val="accent1"/>
+              </a:fillRef>
+              <a:effectRef idx="0">
+                <a:schemeClr val="accent1"/>
+              </a:effectRef>
+              <a:fontRef idx="minor">
+                <a:schemeClr val="lt1"/>
+              </a:fontRef>
+            </p:style>
+            <p:txBody>
+              <a:bodyPr rtlCol="0" anchor="ctr"/>
+              <a:lstStyle/>
+              <a:p>
+                <a:pPr algn="ctr"/>
+                <a14:m>
+                  <m:oMathPara xmlns:m="http://schemas.openxmlformats.org/officeDocument/2006/math">
+                    <m:oMathParaPr>
+                      <m:jc m:val="centerGroup"/>
+                    </m:oMathParaPr>
+                    <m:oMath xmlns:m="http://schemas.openxmlformats.org/officeDocument/2006/math">
+                      <m:sSub>
+                        <m:sSubPr>
+                          <m:ctrlPr>
+                            <a:rPr lang="en-US" i="1" dirty="0" smtClean="0">
+                              <a:latin typeface="Cambria Math"/>
+                            </a:rPr>
+                          </m:ctrlPr>
+                        </m:sSubPr>
+                        <m:e>
+                          <m:r>
+                            <a:rPr lang="en-US" b="0" i="1" dirty="0" smtClean="0">
+                              <a:latin typeface="Cambria Math"/>
+                            </a:rPr>
+                            <m:t>𝐶</m:t>
+                          </m:r>
+                        </m:e>
+                        <m:sub>
+                          <m:r>
+                            <a:rPr lang="en-US" b="0" i="1" dirty="0" smtClean="0">
+                              <a:latin typeface="Cambria Math"/>
+                            </a:rPr>
+                            <m:t>𝑡</m:t>
+                          </m:r>
+                          <m:r>
+                            <a:rPr lang="en-US" b="0" i="1" dirty="0" smtClean="0">
+                              <a:latin typeface="Cambria Math"/>
+                            </a:rPr>
+                            <m:t>−1</m:t>
+                          </m:r>
+                        </m:sub>
+                      </m:sSub>
+                    </m:oMath>
+                  </m:oMathPara>
+                </a14:m>
+                <a:endParaRPr lang="en-US" dirty="0"/>
+              </a:p>
+            </p:txBody>
+          </p:sp>
+        </mc:Choice>
+        <mc:Fallback>
+          <p:sp>
+            <p:nvSpPr>
+              <p:cNvPr id="19" name="Rectangle 18"/>
+              <p:cNvSpPr>
+                <a:spLocks noRot="1" noChangeAspect="1" noMove="1" noResize="1" noEditPoints="1" noAdjustHandles="1" noChangeArrowheads="1" noChangeShapeType="1" noTextEdit="1"/>
+              </p:cNvSpPr>
+              <p:nvPr/>
+            </p:nvSpPr>
+            <p:spPr>
+              <a:xfrm>
+                <a:off x="4419600" y="2286000"/>
+                <a:ext cx="685800" cy="457200"/>
+              </a:xfrm>
+              <a:prstGeom prst="rect">
+                <a:avLst/>
+              </a:prstGeom>
+              <a:blipFill rotWithShape="1">
+                <a:blip r:embed="rId13"/>
+                <a:stretch>
+                  <a:fillRect/>
+                </a:stretch>
+              </a:blipFill>
+            </p:spPr>
+            <p:txBody>
+              <a:bodyPr/>
+              <a:lstStyle/>
+              <a:p>
+                <a:r>
+                  <a:rPr lang="en-US">
+                    <a:noFill/>
+                  </a:rPr>
+                  <a:t> </a:t>
+                </a:r>
+              </a:p>
+            </p:txBody>
+          </p:sp>
+        </mc:Fallback>
+      </mc:AlternateContent>
+      <p:sp>
+        <p:nvSpPr>
+          <p:cNvPr id="21" name="TextBox 20"/>
+          <p:cNvSpPr txBox="1"/>
+          <p:nvPr/>
+        </p:nvSpPr>
+        <p:spPr>
+          <a:xfrm>
+            <a:off x="6705600" y="2286000"/>
+            <a:ext cx="2128353" cy="646331"/>
+          </a:xfrm>
+          <a:prstGeom prst="rect">
+            <a:avLst/>
+          </a:prstGeom>
+          <a:noFill/>
+        </p:spPr>
+        <p:txBody>
+          <a:bodyPr wrap="square" rtlCol="0">
+            <a:spAutoFit/>
+          </a:bodyPr>
+          <a:lstStyle/>
+          <a:p>
+            <a:r>
+              <a:rPr lang="en-US" dirty="0" smtClean="0"/>
+              <a:t>CDC Regions + CDC State Data</a:t>
+            </a:r>
+            <a:endParaRPr lang="en-US" dirty="0"/>
+          </a:p>
+        </p:txBody>
+      </p:sp>
+      <mc:AlternateContent xmlns:mc="http://schemas.openxmlformats.org/markup-compatibility/2006">
+        <mc:Choice xmlns:a14="http://schemas.microsoft.com/office/drawing/2010/main" Requires="a14">
+          <p:sp>
+            <p:nvSpPr>
+              <p:cNvPr id="22" name="Rectangle 21"/>
+              <p:cNvSpPr/>
+              <p:nvPr/>
+            </p:nvSpPr>
+            <p:spPr>
+              <a:xfrm>
+                <a:off x="5105400" y="3657600"/>
+                <a:ext cx="685800" cy="457200"/>
+              </a:xfrm>
+              <a:prstGeom prst="rect">
+                <a:avLst/>
+              </a:prstGeom>
+            </p:spPr>
+            <p:style>
+              <a:lnRef idx="2">
+                <a:schemeClr val="accent1">
+                  <a:shade val="50000"/>
+                </a:schemeClr>
+              </a:lnRef>
+              <a:fillRef idx="1">
+                <a:schemeClr val="accent1"/>
+              </a:fillRef>
+              <a:effectRef idx="0">
+                <a:schemeClr val="accent1"/>
+              </a:effectRef>
+              <a:fontRef idx="minor">
+                <a:schemeClr val="lt1"/>
+              </a:fontRef>
+            </p:style>
+            <p:txBody>
+              <a:bodyPr rtlCol="0" anchor="ctr"/>
+              <a:lstStyle/>
+              <a:p>
+                <a:pPr algn="ctr"/>
+                <a14:m>
+                  <m:oMathPara xmlns:m="http://schemas.openxmlformats.org/officeDocument/2006/math">
+                    <m:oMathParaPr>
+                      <m:jc m:val="centerGroup"/>
+                    </m:oMathParaPr>
+                    <m:oMath xmlns:m="http://schemas.openxmlformats.org/officeDocument/2006/math">
+                      <m:sSub>
+                        <m:sSubPr>
+                          <m:ctrlPr>
+                            <a:rPr lang="en-US" i="1" dirty="0" smtClean="0">
+                              <a:latin typeface="Cambria Math"/>
+                            </a:rPr>
+                          </m:ctrlPr>
+                        </m:sSubPr>
+                        <m:e>
+                          <m:r>
+                            <a:rPr lang="en-US" b="0" i="1" dirty="0" smtClean="0">
+                              <a:latin typeface="Cambria Math"/>
+                            </a:rPr>
+                            <m:t>𝑍</m:t>
+                          </m:r>
+                        </m:e>
+                        <m:sub>
+                          <m:r>
+                            <a:rPr lang="en-US" b="0" i="1" dirty="0" smtClean="0">
+                              <a:latin typeface="Cambria Math"/>
+                            </a:rPr>
+                            <m:t>𝑡</m:t>
+                          </m:r>
+                        </m:sub>
+                      </m:sSub>
+                    </m:oMath>
+                  </m:oMathPara>
+                </a14:m>
+                <a:endParaRPr lang="en-US" dirty="0"/>
+              </a:p>
+            </p:txBody>
+          </p:sp>
+        </mc:Choice>
+        <mc:Fallback>
+          <p:sp>
+            <p:nvSpPr>
+              <p:cNvPr id="22" name="Rectangle 21"/>
+              <p:cNvSpPr>
+                <a:spLocks noRot="1" noChangeAspect="1" noMove="1" noResize="1" noEditPoints="1" noAdjustHandles="1" noChangeArrowheads="1" noChangeShapeType="1" noTextEdit="1"/>
+              </p:cNvSpPr>
+              <p:nvPr/>
+            </p:nvSpPr>
+            <p:spPr>
+              <a:xfrm>
+                <a:off x="5105400" y="3657600"/>
+                <a:ext cx="685800" cy="457200"/>
+              </a:xfrm>
+              <a:prstGeom prst="rect">
+                <a:avLst/>
+              </a:prstGeom>
+              <a:blipFill rotWithShape="1">
+                <a:blip r:embed="rId14"/>
+                <a:stretch>
+                  <a:fillRect/>
+                </a:stretch>
+              </a:blipFill>
+            </p:spPr>
+            <p:txBody>
+              <a:bodyPr/>
+              <a:lstStyle/>
+              <a:p>
+                <a:r>
+                  <a:rPr lang="en-US">
+                    <a:noFill/>
+                  </a:rPr>
+                  <a:t> </a:t>
+                </a:r>
+              </a:p>
+            </p:txBody>
+          </p:sp>
+        </mc:Fallback>
+      </mc:AlternateContent>
+      <p:sp>
+        <p:nvSpPr>
+          <p:cNvPr id="23" name="TextBox 22"/>
+          <p:cNvSpPr txBox="1"/>
+          <p:nvPr/>
+        </p:nvSpPr>
+        <p:spPr>
+          <a:xfrm>
+            <a:off x="6781800" y="3669268"/>
+            <a:ext cx="1926489" cy="369332"/>
+          </a:xfrm>
+          <a:prstGeom prst="rect">
+            <a:avLst/>
+          </a:prstGeom>
+          <a:noFill/>
+        </p:spPr>
+        <p:txBody>
+          <a:bodyPr wrap="none" rtlCol="0">
+            <a:spAutoFit/>
+          </a:bodyPr>
+          <a:lstStyle/>
+          <a:p>
+            <a:r>
+              <a:rPr lang="en-US" dirty="0" smtClean="0"/>
+              <a:t>Prediction Regions</a:t>
+            </a:r>
+            <a:endParaRPr lang="en-US" dirty="0"/>
+          </a:p>
+        </p:txBody>
+      </p:sp>
+      <p:sp>
+        <p:nvSpPr>
+          <p:cNvPr id="24" name="Rectangle 23"/>
+          <p:cNvSpPr/>
+          <p:nvPr/>
+        </p:nvSpPr>
+        <p:spPr>
+          <a:xfrm>
+            <a:off x="838200" y="1371600"/>
+            <a:ext cx="5257800" cy="1676400"/>
+          </a:xfrm>
+          <a:prstGeom prst="rect">
+            <a:avLst/>
+          </a:prstGeom>
+          <a:noFill/>
+        </p:spPr>
+        <p:style>
+          <a:lnRef idx="2">
+            <a:schemeClr val="accent1">
+              <a:shade val="50000"/>
+            </a:schemeClr>
+          </a:lnRef>
+          <a:fillRef idx="1">
+            <a:schemeClr val="accent1"/>
+          </a:fillRef>
+          <a:effectRef idx="0">
+            <a:schemeClr val="accent1"/>
+          </a:effectRef>
+          <a:fontRef idx="minor">
+            <a:schemeClr val="lt1"/>
+          </a:fontRef>
+        </p:style>
+        <p:txBody>
+          <a:bodyPr rtlCol="0" anchor="ctr"/>
+          <a:lstStyle/>
+          <a:p>
+            <a:pPr algn="ctr"/>
+            <a:endParaRPr lang="en-US"/>
+          </a:p>
+        </p:txBody>
+      </p:sp>
+      <p:cxnSp>
+        <p:nvCxnSpPr>
+          <p:cNvPr id="26" name="Straight Arrow Connector 25"/>
+          <p:cNvCxnSpPr>
+            <a:stCxn id="24" idx="2"/>
+            <a:endCxn id="22" idx="1"/>
+          </p:cNvCxnSpPr>
+          <p:nvPr/>
+        </p:nvCxnSpPr>
+        <p:spPr>
+          <a:xfrm rot="16200000" flipH="1">
+            <a:off x="3867150" y="2647950"/>
+            <a:ext cx="838200" cy="1638300"/>
+          </a:xfrm>
+          <a:prstGeom prst="curvedConnector2">
+            <a:avLst/>
+          </a:prstGeom>
+          <a:ln w="28575">
+            <a:tailEnd type="arrow"/>
+          </a:ln>
+        </p:spPr>
+        <p:style>
+          <a:lnRef idx="1">
+            <a:schemeClr val="accent1"/>
+          </a:lnRef>
+          <a:fillRef idx="0">
+            <a:schemeClr val="accent1"/>
+          </a:fillRef>
+          <a:effectRef idx="0">
+            <a:schemeClr val="accent1"/>
+          </a:effectRef>
+          <a:fontRef idx="minor">
+            <a:schemeClr val="tx1"/>
+          </a:fontRef>
+        </p:style>
+      </p:cxnSp>
+    </p:spTree>
+    <p:extLst>
+      <p:ext uri="{BB962C8B-B14F-4D97-AF65-F5344CB8AC3E}">
+        <p14:creationId xmlns:p14="http://schemas.microsoft.com/office/powerpoint/2010/main" val="3279347202"/>
+      </p:ext>
+    </p:extLst>
+  </p:cSld>
+  <p:clrMapOvr>
+    <a:masterClrMapping/>
+  </p:clrMapOvr>
+</p:sld>
+</file>
+
+<file path=ppt/slides/slide16.xml><?xml version="1.0" encoding="utf-8"?>
 <p:sld xmlns:a="http://schemas.openxmlformats.org/drawingml/2006/main" xmlns:r="http://schemas.openxmlformats.org/officeDocument/2006/relationships" xmlns:p="http://schemas.openxmlformats.org/presentationml/2006/main">
   <p:cSld>
     <p:spTree>
@@ -8073,7 +12627,7 @@
               <a:pPr>
                 <a:defRPr/>
               </a:pPr>
-              <a:t>14</a:t>
+              <a:t>16</a:t>
             </a:fld>
             <a:endParaRPr lang="en-US"/>
           </a:p>
@@ -9920,7 +14474,7 @@
 </p:sld>
 </file>
 
-<file path=ppt/slides/slide15.xml><?xml version="1.0" encoding="utf-8"?>
+<file path=ppt/slides/slide17.xml><?xml version="1.0" encoding="utf-8"?>
 <p:sld xmlns:a="http://schemas.openxmlformats.org/drawingml/2006/main" xmlns:r="http://schemas.openxmlformats.org/officeDocument/2006/relationships" xmlns:p="http://schemas.openxmlformats.org/presentationml/2006/main">
   <p:cSld>
     <p:spTree>
@@ -10053,7 +14607,7 @@
               <a:pPr>
                 <a:defRPr/>
               </a:pPr>
-              <a:t>15</a:t>
+              <a:t>17</a:t>
             </a:fld>
             <a:endParaRPr lang="en-US"/>
           </a:p>
@@ -10075,392 +14629,6 @@
     </mc:Choice>
     <mc:Fallback xmlns="">
       <p:transition spd="slow" advTm="39338"/>
-    </mc:Fallback>
-  </mc:AlternateContent>
-  <p:timing>
-    <p:tnLst>
-      <p:par>
-        <p:cTn id="1" dur="indefinite" restart="never" nodeType="tmRoot"/>
-      </p:par>
-    </p:tnLst>
-  </p:timing>
-</p:sld>
-</file>
-
-<file path=ppt/slides/slide16.xml><?xml version="1.0" encoding="utf-8"?>
-<p:sld xmlns:a="http://schemas.openxmlformats.org/drawingml/2006/main" xmlns:r="http://schemas.openxmlformats.org/officeDocument/2006/relationships" xmlns:p="http://schemas.openxmlformats.org/presentationml/2006/main">
-  <p:cSld>
-    <p:spTree>
-      <p:nvGrpSpPr>
-        <p:cNvPr id="1" name=""/>
-        <p:cNvGrpSpPr/>
-        <p:nvPr/>
-      </p:nvGrpSpPr>
-      <p:grpSpPr>
-        <a:xfrm>
-          <a:off x="0" y="0"/>
-          <a:ext cx="0" cy="0"/>
-          <a:chOff x="0" y="0"/>
-          <a:chExt cx="0" cy="0"/>
-        </a:xfrm>
-      </p:grpSpPr>
-      <p:sp>
-        <p:nvSpPr>
-          <p:cNvPr id="5" name="Title 4"/>
-          <p:cNvSpPr>
-            <a:spLocks noGrp="1"/>
-          </p:cNvSpPr>
-          <p:nvPr>
-            <p:ph type="title"/>
-          </p:nvPr>
-        </p:nvSpPr>
-        <p:spPr/>
-        <p:txBody>
-          <a:bodyPr/>
-          <a:lstStyle/>
-          <a:p>
-            <a:r>
-              <a:rPr lang="en-US" dirty="0" smtClean="0"/>
-              <a:t>CP#7 Materials Available Now</a:t>
-            </a:r>
-            <a:endParaRPr lang="en-US" dirty="0"/>
-          </a:p>
-        </p:txBody>
-      </p:sp>
-      <p:sp>
-        <p:nvSpPr>
-          <p:cNvPr id="4" name="Content Placeholder 3"/>
-          <p:cNvSpPr>
-            <a:spLocks noGrp="1"/>
-          </p:cNvSpPr>
-          <p:nvPr>
-            <p:ph idx="1"/>
-          </p:nvPr>
-        </p:nvSpPr>
-        <p:spPr/>
-        <p:txBody>
-          <a:bodyPr/>
-          <a:lstStyle/>
-          <a:p>
-            <a:r>
-              <a:rPr lang="en-US" sz="2400" u="sng" dirty="0">
-                <a:hlinkClick r:id="rId2"/>
-              </a:rPr>
-              <a:t>http://</a:t>
-            </a:r>
-            <a:r>
-              <a:rPr lang="en-US" sz="2400" u="sng" dirty="0" smtClean="0">
-                <a:hlinkClick r:id="rId2"/>
-              </a:rPr>
-              <a:t>ppaml.galois.com/wiki/wiki/CP7FluSpread</a:t>
-            </a:r>
-            <a:endParaRPr lang="en-US" sz="2400" u="sng" dirty="0" smtClean="0"/>
-          </a:p>
-          <a:p>
-            <a:r>
-              <a:rPr lang="en-US" sz="2400" dirty="0" smtClean="0">
-                <a:hlinkClick r:id="rId3"/>
-              </a:rPr>
-              <a:t>http</a:t>
-            </a:r>
-            <a:r>
-              <a:rPr lang="en-US" sz="2400" dirty="0">
-                <a:hlinkClick r:id="rId3"/>
-              </a:rPr>
-              <a:t>://ppaml.kitware.com/midas</a:t>
-            </a:r>
-            <a:r>
-              <a:rPr lang="en-US" sz="2400" dirty="0" smtClean="0">
-                <a:hlinkClick r:id="rId3"/>
-              </a:rPr>
-              <a:t>/</a:t>
-            </a:r>
-            <a:r>
-              <a:rPr lang="en-US" sz="2400" dirty="0" smtClean="0"/>
-              <a:t> </a:t>
-            </a:r>
-          </a:p>
-          <a:p>
-            <a:endParaRPr lang="en-US" sz="2400" dirty="0"/>
-          </a:p>
-          <a:p>
-            <a:pPr marL="0" indent="0">
-              <a:buNone/>
-            </a:pPr>
-            <a:r>
-              <a:rPr lang="en-US" sz="2400" dirty="0" smtClean="0"/>
-              <a:t>Email address for questions, issues, etc.:</a:t>
-            </a:r>
-          </a:p>
-          <a:p>
-            <a:pPr marL="0" indent="0">
-              <a:buNone/>
-            </a:pPr>
-            <a:r>
-              <a:rPr lang="en-US" sz="2400" dirty="0"/>
-              <a:t>	</a:t>
-            </a:r>
-            <a:r>
-              <a:rPr lang="en-US" sz="2400" u="sng" dirty="0" smtClean="0">
-                <a:hlinkClick r:id="rId4"/>
-              </a:rPr>
-              <a:t>ppaml-support@community.galois.com</a:t>
-            </a:r>
-            <a:endParaRPr lang="en-US" sz="2400" u="sng" dirty="0" smtClean="0"/>
-          </a:p>
-          <a:p>
-            <a:pPr marL="0" indent="0">
-              <a:buNone/>
-            </a:pPr>
-            <a:endParaRPr lang="en-US" sz="2400" u="sng" dirty="0"/>
-          </a:p>
-          <a:p>
-            <a:pPr marL="0" indent="0">
-              <a:buNone/>
-            </a:pPr>
-            <a:r>
-              <a:rPr lang="en-US" sz="2400" u="sng" dirty="0" smtClean="0"/>
-              <a:t>Micro-breakout today at 1:30pm</a:t>
-            </a:r>
-            <a:endParaRPr lang="en-US" sz="2400" dirty="0"/>
-          </a:p>
-        </p:txBody>
-      </p:sp>
-      <p:sp>
-        <p:nvSpPr>
-          <p:cNvPr id="2" name="Footer Placeholder 1"/>
-          <p:cNvSpPr>
-            <a:spLocks noGrp="1"/>
-          </p:cNvSpPr>
-          <p:nvPr>
-            <p:ph type="ftr" sz="quarter" idx="11"/>
-          </p:nvPr>
-        </p:nvSpPr>
-        <p:spPr/>
-        <p:txBody>
-          <a:bodyPr/>
-          <a:lstStyle/>
-          <a:p>
-            <a:pPr>
-              <a:defRPr/>
-            </a:pPr>
-            <a:r>
-              <a:rPr lang="en-US" smtClean="0"/>
-              <a:t>Distribution Unlimited</a:t>
-            </a:r>
-            <a:endParaRPr lang="en-US" dirty="0"/>
-          </a:p>
-        </p:txBody>
-      </p:sp>
-      <p:sp>
-        <p:nvSpPr>
-          <p:cNvPr id="3" name="Slide Number Placeholder 2"/>
-          <p:cNvSpPr>
-            <a:spLocks noGrp="1"/>
-          </p:cNvSpPr>
-          <p:nvPr>
-            <p:ph type="sldNum" sz="quarter" idx="12"/>
-          </p:nvPr>
-        </p:nvSpPr>
-        <p:spPr/>
-        <p:txBody>
-          <a:bodyPr/>
-          <a:lstStyle/>
-          <a:p>
-            <a:pPr>
-              <a:defRPr/>
-            </a:pPr>
-            <a:fld id="{231CC523-8BC6-4921-807A-66BD262F34AB}" type="slidenum">
-              <a:rPr lang="en-US" smtClean="0"/>
-              <a:pPr>
-                <a:defRPr/>
-              </a:pPr>
-              <a:t>16</a:t>
-            </a:fld>
-            <a:endParaRPr lang="en-US"/>
-          </a:p>
-        </p:txBody>
-      </p:sp>
-    </p:spTree>
-    <p:extLst>
-      <p:ext uri="{BB962C8B-B14F-4D97-AF65-F5344CB8AC3E}">
-        <p14:creationId xmlns:p14="http://schemas.microsoft.com/office/powerpoint/2010/main" val="1633301739"/>
-      </p:ext>
-    </p:extLst>
-  </p:cSld>
-  <p:clrMapOvr>
-    <a:masterClrMapping/>
-  </p:clrMapOvr>
-  <mc:AlternateContent xmlns:mc="http://schemas.openxmlformats.org/markup-compatibility/2006" xmlns:p14="http://schemas.microsoft.com/office/powerpoint/2010/main">
-    <mc:Choice Requires="p14">
-      <p:transition spd="slow" p14:dur="2000" advTm="14439"/>
-    </mc:Choice>
-    <mc:Fallback xmlns="">
-      <p:transition spd="slow" advTm="14439"/>
-    </mc:Fallback>
-  </mc:AlternateContent>
-  <p:timing>
-    <p:tnLst>
-      <p:par>
-        <p:cTn id="1" dur="indefinite" restart="never" nodeType="tmRoot"/>
-      </p:par>
-    </p:tnLst>
-  </p:timing>
-</p:sld>
-</file>
-
-<file path=ppt/slides/slide17.xml><?xml version="1.0" encoding="utf-8"?>
-<p:sld xmlns:a="http://schemas.openxmlformats.org/drawingml/2006/main" xmlns:r="http://schemas.openxmlformats.org/officeDocument/2006/relationships" xmlns:p="http://schemas.openxmlformats.org/presentationml/2006/main">
-  <p:cSld>
-    <p:spTree>
-      <p:nvGrpSpPr>
-        <p:cNvPr id="1" name=""/>
-        <p:cNvGrpSpPr/>
-        <p:nvPr/>
-      </p:nvGrpSpPr>
-      <p:grpSpPr>
-        <a:xfrm>
-          <a:off x="0" y="0"/>
-          <a:ext cx="0" cy="0"/>
-          <a:chOff x="0" y="0"/>
-          <a:chExt cx="0" cy="0"/>
-        </a:xfrm>
-      </p:grpSpPr>
-      <p:sp>
-        <p:nvSpPr>
-          <p:cNvPr id="2" name="Title 1"/>
-          <p:cNvSpPr>
-            <a:spLocks noGrp="1"/>
-          </p:cNvSpPr>
-          <p:nvPr>
-            <p:ph type="title"/>
-          </p:nvPr>
-        </p:nvSpPr>
-        <p:spPr/>
-        <p:txBody>
-          <a:bodyPr/>
-          <a:lstStyle/>
-          <a:p>
-            <a:r>
-              <a:rPr lang="en-US" dirty="0" smtClean="0"/>
-              <a:t>Future Challenge Problems</a:t>
-            </a:r>
-            <a:endParaRPr lang="en-US" dirty="0"/>
-          </a:p>
-        </p:txBody>
-      </p:sp>
-      <p:sp>
-        <p:nvSpPr>
-          <p:cNvPr id="3" name="Content Placeholder 2"/>
-          <p:cNvSpPr>
-            <a:spLocks noGrp="1"/>
-          </p:cNvSpPr>
-          <p:nvPr>
-            <p:ph idx="1"/>
-          </p:nvPr>
-        </p:nvSpPr>
-        <p:spPr/>
-        <p:txBody>
-          <a:bodyPr>
-            <a:normAutofit/>
-          </a:bodyPr>
-          <a:lstStyle/>
-          <a:p>
-            <a:r>
-              <a:rPr lang="en-US" dirty="0" smtClean="0"/>
-              <a:t>CP8: Recognition of Interleaved Desktop Activities</a:t>
-            </a:r>
-          </a:p>
-          <a:p>
-            <a:r>
-              <a:rPr lang="en-US" dirty="0" smtClean="0"/>
-              <a:t>CP9: Anomaly Detection??</a:t>
-            </a:r>
-          </a:p>
-          <a:p>
-            <a:r>
-              <a:rPr lang="en-US" dirty="0" smtClean="0"/>
-              <a:t>CP10: Exploratory Data Analysis Hackathon??</a:t>
-            </a:r>
-          </a:p>
-          <a:p>
-            <a:endParaRPr lang="en-US" dirty="0"/>
-          </a:p>
-          <a:p>
-            <a:pPr marL="0" indent="0">
-              <a:buNone/>
-            </a:pPr>
-            <a:r>
-              <a:rPr lang="en-US" smtClean="0"/>
-              <a:t>Micro-Breakout Monday at 1:30pm</a:t>
-            </a:r>
-            <a:endParaRPr lang="en-US" dirty="0"/>
-          </a:p>
-        </p:txBody>
-      </p:sp>
-      <p:sp>
-        <p:nvSpPr>
-          <p:cNvPr id="4" name="Footer Placeholder 3"/>
-          <p:cNvSpPr>
-            <a:spLocks noGrp="1"/>
-          </p:cNvSpPr>
-          <p:nvPr>
-            <p:ph type="ftr" sz="quarter" idx="11"/>
-          </p:nvPr>
-        </p:nvSpPr>
-        <p:spPr/>
-        <p:txBody>
-          <a:bodyPr/>
-          <a:lstStyle/>
-          <a:p>
-            <a:r>
-              <a:rPr lang="en-US" smtClean="0"/>
-              <a:t>Distribution Unlimited</a:t>
-            </a:r>
-            <a:endParaRPr lang="en-US"/>
-          </a:p>
-        </p:txBody>
-      </p:sp>
-      <p:sp>
-        <p:nvSpPr>
-          <p:cNvPr id="5" name="Slide Number Placeholder 4"/>
-          <p:cNvSpPr>
-            <a:spLocks noGrp="1"/>
-          </p:cNvSpPr>
-          <p:nvPr>
-            <p:ph type="sldNum" sz="quarter" idx="12"/>
-          </p:nvPr>
-        </p:nvSpPr>
-        <p:spPr/>
-        <p:txBody>
-          <a:bodyPr/>
-          <a:lstStyle/>
-          <a:p>
-            <a:fld id="{B7AE4108-064F-4050-AAE5-C40EA46DD43F}" type="slidenum">
-              <a:rPr lang="en-US" smtClean="0"/>
-              <a:pPr/>
-              <a:t>17</a:t>
-            </a:fld>
-            <a:endParaRPr lang="en-US"/>
-          </a:p>
-        </p:txBody>
-      </p:sp>
-    </p:spTree>
-    <p:extLst>
-      <p:ext uri="{BB962C8B-B14F-4D97-AF65-F5344CB8AC3E}">
-        <p14:creationId xmlns:p14="http://schemas.microsoft.com/office/powerpoint/2010/main" val="668578897"/>
-      </p:ext>
-    </p:extLst>
-  </p:cSld>
-  <p:clrMapOvr>
-    <a:masterClrMapping/>
-  </p:clrMapOvr>
-  <mc:AlternateContent xmlns:mc="http://schemas.openxmlformats.org/markup-compatibility/2006" xmlns:p14="http://schemas.microsoft.com/office/powerpoint/2010/main">
-    <mc:Choice Requires="p14">
-      <p:transition spd="slow" p14:dur="2000" advTm="61355"/>
-    </mc:Choice>
-    <mc:Fallback xmlns="">
-      <p:transition spd="slow" advTm="61355"/>
     </mc:Fallback>
   </mc:AlternateContent>
   <p:timing>
@@ -10492,12 +14660,134 @@
       </p:grpSpPr>
       <p:sp>
         <p:nvSpPr>
+          <p:cNvPr id="5" name="Title 4"/>
+          <p:cNvSpPr>
+            <a:spLocks noGrp="1"/>
+          </p:cNvSpPr>
+          <p:nvPr>
+            <p:ph type="title"/>
+          </p:nvPr>
+        </p:nvSpPr>
+        <p:spPr/>
+        <p:txBody>
+          <a:bodyPr/>
+          <a:lstStyle/>
+          <a:p>
+            <a:r>
+              <a:rPr lang="en-US" dirty="0" smtClean="0"/>
+              <a:t>CP#7 Materials Available Now</a:t>
+            </a:r>
+            <a:endParaRPr lang="en-US" dirty="0"/>
+          </a:p>
+        </p:txBody>
+      </p:sp>
+      <p:sp>
+        <p:nvSpPr>
+          <p:cNvPr id="4" name="Content Placeholder 3"/>
+          <p:cNvSpPr>
+            <a:spLocks noGrp="1"/>
+          </p:cNvSpPr>
+          <p:nvPr>
+            <p:ph idx="1"/>
+          </p:nvPr>
+        </p:nvSpPr>
+        <p:spPr/>
+        <p:txBody>
+          <a:bodyPr/>
+          <a:lstStyle/>
+          <a:p>
+            <a:r>
+              <a:rPr lang="en-US" sz="2400" u="sng" dirty="0">
+                <a:hlinkClick r:id="rId2"/>
+              </a:rPr>
+              <a:t>http://</a:t>
+            </a:r>
+            <a:r>
+              <a:rPr lang="en-US" sz="2400" u="sng" dirty="0" smtClean="0">
+                <a:hlinkClick r:id="rId2"/>
+              </a:rPr>
+              <a:t>ppaml.galois.com/wiki/wiki/CP7FluSpread</a:t>
+            </a:r>
+            <a:endParaRPr lang="en-US" sz="2400" u="sng" dirty="0" smtClean="0"/>
+          </a:p>
+          <a:p>
+            <a:r>
+              <a:rPr lang="en-US" sz="2400" dirty="0" smtClean="0">
+                <a:hlinkClick r:id="rId3"/>
+              </a:rPr>
+              <a:t>http</a:t>
+            </a:r>
+            <a:r>
+              <a:rPr lang="en-US" sz="2400" dirty="0">
+                <a:hlinkClick r:id="rId3"/>
+              </a:rPr>
+              <a:t>://ppaml.kitware.com/midas</a:t>
+            </a:r>
+            <a:r>
+              <a:rPr lang="en-US" sz="2400" dirty="0" smtClean="0">
+                <a:hlinkClick r:id="rId3"/>
+              </a:rPr>
+              <a:t>/</a:t>
+            </a:r>
+            <a:r>
+              <a:rPr lang="en-US" sz="2400" dirty="0" smtClean="0"/>
+              <a:t> </a:t>
+            </a:r>
+          </a:p>
+          <a:p>
+            <a:endParaRPr lang="en-US" sz="2400" dirty="0"/>
+          </a:p>
+          <a:p>
+            <a:pPr marL="0" indent="0">
+              <a:buNone/>
+            </a:pPr>
+            <a:r>
+              <a:rPr lang="en-US" sz="2400" dirty="0" smtClean="0"/>
+              <a:t>Email address for questions, issues, etc.:</a:t>
+            </a:r>
+          </a:p>
+          <a:p>
+            <a:pPr marL="0" indent="0">
+              <a:buNone/>
+            </a:pPr>
+            <a:r>
+              <a:rPr lang="en-US" sz="2400" dirty="0"/>
+              <a:t>	</a:t>
+            </a:r>
+            <a:r>
+              <a:rPr lang="en-US" sz="2400" u="sng" dirty="0" smtClean="0">
+                <a:hlinkClick r:id="rId4"/>
+              </a:rPr>
+              <a:t>ppaml-support@community.galois.com</a:t>
+            </a:r>
+            <a:endParaRPr lang="en-US" sz="2400" u="sng" dirty="0" smtClean="0"/>
+          </a:p>
+          <a:p>
+            <a:pPr marL="0" indent="0">
+              <a:buNone/>
+            </a:pPr>
+            <a:endParaRPr lang="en-US" sz="2400" u="sng" dirty="0"/>
+          </a:p>
+          <a:p>
+            <a:pPr marL="0" indent="0">
+              <a:buNone/>
+            </a:pPr>
+            <a:r>
+              <a:rPr lang="en-US" sz="2400" u="sng" dirty="0" smtClean="0"/>
+              <a:t>Micro-breakout today at 1:30pm</a:t>
+            </a:r>
+            <a:endParaRPr lang="en-US" sz="2400" dirty="0"/>
+          </a:p>
+        </p:txBody>
+      </p:sp>
+      <p:sp>
+        <p:nvSpPr>
           <p:cNvPr id="2" name="Footer Placeholder 1"/>
           <p:cNvSpPr>
             <a:spLocks noGrp="1"/>
           </p:cNvSpPr>
           <p:nvPr>
-            <p:ph type="ftr" sz="quarter" idx="10"/>
+            <p:ph type="ftr" sz="quarter" idx="11"/>
           </p:nvPr>
         </p:nvSpPr>
         <p:spPr/>
@@ -10523,7 +14813,7 @@
             <a:spLocks noGrp="1"/>
           </p:cNvSpPr>
           <p:nvPr>
-            <p:ph type="sldNum" sz="quarter" idx="11"/>
+            <p:ph type="sldNum" sz="quarter" idx="12"/>
           </p:nvPr>
         </p:nvSpPr>
         <p:spPr/>
@@ -10545,190 +14835,10 @@
           </a:p>
         </p:txBody>
       </p:sp>
-      <p:sp>
-        <p:nvSpPr>
-          <p:cNvPr id="5" name="Title 4"/>
-          <p:cNvSpPr>
-            <a:spLocks noGrp="1"/>
-          </p:cNvSpPr>
-          <p:nvPr>
-            <p:ph type="ctrTitle"/>
-          </p:nvPr>
-        </p:nvSpPr>
-        <p:spPr>
-          <a:xfrm>
-            <a:off x="1752601" y="151418"/>
-            <a:ext cx="6172200" cy="612648"/>
-          </a:xfrm>
-        </p:spPr>
-        <p:txBody>
-          <a:bodyPr/>
-          <a:lstStyle/>
-          <a:p>
-            <a:pPr algn="ctr"/>
-            <a:r>
-              <a:rPr lang="en-US" b="1" dirty="0" smtClean="0"/>
-              <a:t>PPAML Summer School 2016</a:t>
-            </a:r>
-            <a:endParaRPr lang="en-US" b="1" dirty="0"/>
-          </a:p>
-        </p:txBody>
-      </p:sp>
-      <p:sp>
-        <p:nvSpPr>
-          <p:cNvPr id="6" name="Content Placeholder 5"/>
-          <p:cNvSpPr>
-            <a:spLocks noGrp="1"/>
-          </p:cNvSpPr>
-          <p:nvPr>
-            <p:ph sz="quarter" idx="13"/>
-          </p:nvPr>
-        </p:nvSpPr>
-        <p:spPr>
-          <a:xfrm>
-            <a:off x="304800" y="1143000"/>
-            <a:ext cx="8534400" cy="4953000"/>
-          </a:xfrm>
-        </p:spPr>
-        <p:txBody>
-          <a:bodyPr>
-            <a:normAutofit fontScale="92500" lnSpcReduction="10000"/>
-          </a:bodyPr>
-          <a:lstStyle/>
-          <a:p>
-            <a:pPr marL="0" indent="0">
-              <a:buNone/>
-            </a:pPr>
-            <a:r>
-              <a:rPr lang="en-US" b="1" dirty="0" smtClean="0"/>
-              <a:t>Where:</a:t>
-            </a:r>
-          </a:p>
-          <a:p>
-            <a:pPr lvl="1"/>
-            <a:r>
-              <a:rPr lang="en-US" sz="2400" dirty="0" smtClean="0"/>
-              <a:t>Portland, Oregon</a:t>
-            </a:r>
-          </a:p>
-          <a:p>
-            <a:pPr marL="0" indent="0">
-              <a:buNone/>
-            </a:pPr>
-            <a:endParaRPr lang="en-US" b="1" dirty="0" smtClean="0"/>
-          </a:p>
-          <a:p>
-            <a:pPr marL="0" indent="0">
-              <a:buNone/>
-            </a:pPr>
-            <a:r>
-              <a:rPr lang="en-US" b="1" dirty="0" smtClean="0"/>
-              <a:t>When:</a:t>
-            </a:r>
-          </a:p>
-          <a:p>
-            <a:pPr lvl="1"/>
-            <a:r>
-              <a:rPr lang="en-US" sz="2600" dirty="0"/>
-              <a:t>July 25th to August 5th, 2016</a:t>
-            </a:r>
-          </a:p>
-          <a:p>
-            <a:pPr marL="0" indent="0">
-              <a:buNone/>
-            </a:pPr>
-            <a:endParaRPr lang="en-US" b="1" dirty="0" smtClean="0"/>
-          </a:p>
-          <a:p>
-            <a:pPr marL="0" indent="0">
-              <a:buNone/>
-            </a:pPr>
-            <a:r>
-              <a:rPr lang="en-US" b="1" dirty="0" smtClean="0"/>
-              <a:t>How:</a:t>
-            </a:r>
-          </a:p>
-          <a:p>
-            <a:pPr lvl="1"/>
-            <a:r>
-              <a:rPr lang="en-US" sz="2400" dirty="0"/>
-              <a:t>Online </a:t>
-            </a:r>
-            <a:r>
-              <a:rPr lang="en-US" sz="2400" dirty="0" smtClean="0"/>
-              <a:t>Announcement</a:t>
-            </a:r>
-          </a:p>
-          <a:p>
-            <a:pPr lvl="2"/>
-            <a:r>
-              <a:rPr lang="en-US" sz="2000" dirty="0">
-                <a:hlinkClick r:id="rId2"/>
-              </a:rPr>
-              <a:t>http://ppaml.galois.com/wiki/wiki/SummerSchools/2016/Announcement</a:t>
-            </a:r>
-            <a:endParaRPr lang="en-US" sz="2000" dirty="0"/>
-          </a:p>
-          <a:p>
-            <a:pPr lvl="3"/>
-            <a:endParaRPr lang="en-US" sz="2100" dirty="0"/>
-          </a:p>
-          <a:p>
-            <a:pPr lvl="1"/>
-            <a:r>
-              <a:rPr lang="en-US" sz="2400" dirty="0" smtClean="0"/>
-              <a:t>Application </a:t>
-            </a:r>
-            <a:r>
-              <a:rPr lang="en-US" sz="2400" dirty="0"/>
-              <a:t>Form</a:t>
-            </a:r>
-            <a:endParaRPr lang="en-US" sz="2400" dirty="0">
-              <a:hlinkClick r:id="rId3"/>
-            </a:endParaRPr>
-          </a:p>
-          <a:p>
-            <a:pPr lvl="2"/>
-            <a:r>
-              <a:rPr lang="en-US" sz="2000" dirty="0" smtClean="0">
-                <a:hlinkClick r:id="rId4"/>
-              </a:rPr>
-              <a:t>https://www.tfaforms.com/406358</a:t>
-            </a:r>
-            <a:endParaRPr lang="en-US" sz="2000" dirty="0"/>
-          </a:p>
-          <a:p>
-            <a:pPr lvl="4"/>
-            <a:endParaRPr lang="en-US" sz="1900" dirty="0" smtClean="0"/>
-          </a:p>
-          <a:p>
-            <a:pPr lvl="1"/>
-            <a:r>
-              <a:rPr lang="en-US" sz="2400" dirty="0"/>
-              <a:t>Email </a:t>
-            </a:r>
-            <a:r>
-              <a:rPr lang="en-US" sz="2400" dirty="0" smtClean="0"/>
-              <a:t>and forum announcements forthcoming</a:t>
-            </a:r>
-            <a:endParaRPr lang="en-US" sz="2400" dirty="0"/>
-          </a:p>
-          <a:p>
-            <a:pPr lvl="1"/>
-            <a:endParaRPr lang="en-US" dirty="0"/>
-          </a:p>
-          <a:p>
-            <a:endParaRPr lang="en-US" dirty="0" smtClean="0"/>
-          </a:p>
-          <a:p>
-            <a:endParaRPr lang="en-US" dirty="0"/>
-          </a:p>
-        </p:txBody>
-      </p:sp>
     </p:spTree>
     <p:extLst>
       <p:ext uri="{BB962C8B-B14F-4D97-AF65-F5344CB8AC3E}">
-        <p14:creationId xmlns:p14="http://schemas.microsoft.com/office/powerpoint/2010/main" val="362877624"/>
+        <p14:creationId xmlns:p14="http://schemas.microsoft.com/office/powerpoint/2010/main" val="1633301739"/>
       </p:ext>
     </p:extLst>
   </p:cSld>
@@ -10737,10 +14847,174 @@
   </p:clrMapOvr>
   <mc:AlternateContent xmlns:mc="http://schemas.openxmlformats.org/markup-compatibility/2006" xmlns:p14="http://schemas.microsoft.com/office/powerpoint/2010/main">
     <mc:Choice Requires="p14">
-      <p:transition spd="slow" p14:dur="2000" advTm="63123"/>
+      <p:transition spd="slow" p14:dur="2000" advTm="14439"/>
     </mc:Choice>
     <mc:Fallback xmlns="">
-      <p:transition spd="slow" advTm="63123"/>
+      <p:transition spd="slow" advTm="14439"/>
+    </mc:Fallback>
+  </mc:AlternateContent>
+  <p:timing>
+    <p:tnLst>
+      <p:par>
+        <p:cTn id="1" dur="indefinite" restart="never" nodeType="tmRoot"/>
+      </p:par>
+    </p:tnLst>
+  </p:timing>
+</p:sld>
+</file>
+
+<file path=ppt/slides/slide19.xml><?xml version="1.0" encoding="utf-8"?>
+<p:sld xmlns:a="http://schemas.openxmlformats.org/drawingml/2006/main" xmlns:r="http://schemas.openxmlformats.org/officeDocument/2006/relationships" xmlns:p="http://schemas.openxmlformats.org/presentationml/2006/main">
+  <p:cSld>
+    <p:spTree>
+      <p:nvGrpSpPr>
+        <p:cNvPr id="1" name=""/>
+        <p:cNvGrpSpPr/>
+        <p:nvPr/>
+      </p:nvGrpSpPr>
+      <p:grpSpPr>
+        <a:xfrm>
+          <a:off x="0" y="0"/>
+          <a:ext cx="0" cy="0"/>
+          <a:chOff x="0" y="0"/>
+          <a:chExt cx="0" cy="0"/>
+        </a:xfrm>
+      </p:grpSpPr>
+      <p:sp>
+        <p:nvSpPr>
+          <p:cNvPr id="2" name="Title 1"/>
+          <p:cNvSpPr>
+            <a:spLocks noGrp="1"/>
+          </p:cNvSpPr>
+          <p:nvPr>
+            <p:ph type="title"/>
+          </p:nvPr>
+        </p:nvSpPr>
+        <p:spPr/>
+        <p:txBody>
+          <a:bodyPr/>
+          <a:lstStyle/>
+          <a:p>
+            <a:r>
+              <a:rPr lang="en-US" dirty="0" smtClean="0"/>
+              <a:t>Future Challenge Problems</a:t>
+            </a:r>
+            <a:endParaRPr lang="en-US" dirty="0"/>
+          </a:p>
+        </p:txBody>
+      </p:sp>
+      <p:sp>
+        <p:nvSpPr>
+          <p:cNvPr id="3" name="Content Placeholder 2"/>
+          <p:cNvSpPr>
+            <a:spLocks noGrp="1"/>
+          </p:cNvSpPr>
+          <p:nvPr>
+            <p:ph idx="1"/>
+          </p:nvPr>
+        </p:nvSpPr>
+        <p:spPr/>
+        <p:txBody>
+          <a:bodyPr>
+            <a:normAutofit/>
+          </a:bodyPr>
+          <a:lstStyle/>
+          <a:p>
+            <a:r>
+              <a:rPr lang="en-US" dirty="0" smtClean="0"/>
+              <a:t>CP8: Recognition of Interleaved Desktop Activities</a:t>
+            </a:r>
+          </a:p>
+          <a:p>
+            <a:r>
+              <a:rPr lang="en-US" dirty="0" smtClean="0"/>
+              <a:t>CP9: Anomaly Detection??</a:t>
+            </a:r>
+          </a:p>
+          <a:p>
+            <a:r>
+              <a:rPr lang="en-US" dirty="0" smtClean="0"/>
+              <a:t>CP10: Exploratory Data Analysis Hackathon??</a:t>
+            </a:r>
+          </a:p>
+          <a:p>
+            <a:endParaRPr lang="en-US" dirty="0"/>
+          </a:p>
+          <a:p>
+            <a:pPr marL="0" indent="0">
+              <a:buNone/>
+            </a:pPr>
+            <a:r>
+              <a:rPr lang="en-US" smtClean="0"/>
+              <a:t>Micro-Breakout Monday at 1:30pm</a:t>
+            </a:r>
+            <a:endParaRPr lang="en-US" dirty="0"/>
+          </a:p>
+        </p:txBody>
+      </p:sp>
+      <p:sp>
+        <p:nvSpPr>
+          <p:cNvPr id="4" name="Footer Placeholder 3"/>
+          <p:cNvSpPr>
+            <a:spLocks noGrp="1"/>
+          </p:cNvSpPr>
+          <p:nvPr>
+            <p:ph type="ftr" sz="quarter" idx="11"/>
+          </p:nvPr>
+        </p:nvSpPr>
+        <p:spPr/>
+        <p:txBody>
+          <a:bodyPr/>
+          <a:lstStyle/>
+          <a:p>
+            <a:r>
+              <a:rPr lang="en-US" smtClean="0"/>
+              <a:t>Distribution Unlimited</a:t>
+            </a:r>
+            <a:endParaRPr lang="en-US"/>
+          </a:p>
+        </p:txBody>
+      </p:sp>
+      <p:sp>
+        <p:nvSpPr>
+          <p:cNvPr id="5" name="Slide Number Placeholder 4"/>
+          <p:cNvSpPr>
+            <a:spLocks noGrp="1"/>
+          </p:cNvSpPr>
+          <p:nvPr>
+            <p:ph type="sldNum" sz="quarter" idx="12"/>
+          </p:nvPr>
+        </p:nvSpPr>
+        <p:spPr/>
+        <p:txBody>
+          <a:bodyPr/>
+          <a:lstStyle/>
+          <a:p>
+            <a:fld id="{B7AE4108-064F-4050-AAE5-C40EA46DD43F}" type="slidenum">
+              <a:rPr lang="en-US" smtClean="0"/>
+              <a:pPr/>
+              <a:t>19</a:t>
+            </a:fld>
+            <a:endParaRPr lang="en-US"/>
+          </a:p>
+        </p:txBody>
+      </p:sp>
+    </p:spTree>
+    <p:extLst>
+      <p:ext uri="{BB962C8B-B14F-4D97-AF65-F5344CB8AC3E}">
+        <p14:creationId xmlns:p14="http://schemas.microsoft.com/office/powerpoint/2010/main" val="668578897"/>
+      </p:ext>
+    </p:extLst>
+  </p:cSld>
+  <p:clrMapOvr>
+    <a:masterClrMapping/>
+  </p:clrMapOvr>
+  <mc:AlternateContent xmlns:mc="http://schemas.openxmlformats.org/markup-compatibility/2006" xmlns:p14="http://schemas.microsoft.com/office/powerpoint/2010/main">
+    <mc:Choice Requires="p14">
+      <p:transition spd="slow" p14:dur="2000" advTm="61355"/>
+    </mc:Choice>
+    <mc:Fallback xmlns="">
+      <p:transition spd="slow" advTm="61355"/>
     </mc:Fallback>
   </mc:AlternateContent>
   <p:timing>
@@ -10923,6 +15197,286 @@
   <p:clrMapOvr>
     <a:masterClrMapping/>
   </p:clrMapOvr>
+</p:sld>
+</file>
+
+<file path=ppt/slides/slide20.xml><?xml version="1.0" encoding="utf-8"?>
+<p:sld xmlns:a="http://schemas.openxmlformats.org/drawingml/2006/main" xmlns:r="http://schemas.openxmlformats.org/officeDocument/2006/relationships" xmlns:p="http://schemas.openxmlformats.org/presentationml/2006/main">
+  <p:cSld>
+    <p:spTree>
+      <p:nvGrpSpPr>
+        <p:cNvPr id="1" name=""/>
+        <p:cNvGrpSpPr/>
+        <p:nvPr/>
+      </p:nvGrpSpPr>
+      <p:grpSpPr>
+        <a:xfrm>
+          <a:off x="0" y="0"/>
+          <a:ext cx="0" cy="0"/>
+          <a:chOff x="0" y="0"/>
+          <a:chExt cx="0" cy="0"/>
+        </a:xfrm>
+      </p:grpSpPr>
+      <p:sp>
+        <p:nvSpPr>
+          <p:cNvPr id="2" name="Footer Placeholder 1"/>
+          <p:cNvSpPr>
+            <a:spLocks noGrp="1"/>
+          </p:cNvSpPr>
+          <p:nvPr>
+            <p:ph type="ftr" sz="quarter" idx="10"/>
+          </p:nvPr>
+        </p:nvSpPr>
+        <p:spPr/>
+        <p:txBody>
+          <a:bodyPr/>
+          <a:lstStyle/>
+          <a:p>
+            <a:pPr>
+              <a:defRPr/>
+            </a:pPr>
+            <a:r>
+              <a:rPr lang="en-US" smtClean="0"/>
+              <a:t>Distribution Unlimited</a:t>
+            </a:r>
+            <a:endParaRPr lang="en-US" dirty="0"/>
+          </a:p>
+        </p:txBody>
+      </p:sp>
+      <p:sp>
+        <p:nvSpPr>
+          <p:cNvPr id="3" name="Slide Number Placeholder 2"/>
+          <p:cNvSpPr>
+            <a:spLocks noGrp="1"/>
+          </p:cNvSpPr>
+          <p:nvPr>
+            <p:ph type="sldNum" sz="quarter" idx="11"/>
+          </p:nvPr>
+        </p:nvSpPr>
+        <p:spPr/>
+        <p:txBody>
+          <a:bodyPr/>
+          <a:lstStyle/>
+          <a:p>
+            <a:pPr>
+              <a:defRPr/>
+            </a:pPr>
+            <a:fld id="{231CC523-8BC6-4921-807A-66BD262F34AB}" type="slidenum">
+              <a:rPr lang="en-US" smtClean="0"/>
+              <a:pPr>
+                <a:defRPr/>
+              </a:pPr>
+              <a:t>20</a:t>
+            </a:fld>
+            <a:endParaRPr lang="en-US"/>
+          </a:p>
+        </p:txBody>
+      </p:sp>
+      <p:sp>
+        <p:nvSpPr>
+          <p:cNvPr id="5" name="Title 4"/>
+          <p:cNvSpPr>
+            <a:spLocks noGrp="1"/>
+          </p:cNvSpPr>
+          <p:nvPr>
+            <p:ph type="ctrTitle"/>
+          </p:nvPr>
+        </p:nvSpPr>
+        <p:spPr>
+          <a:xfrm>
+            <a:off x="1752601" y="151418"/>
+            <a:ext cx="6172200" cy="612648"/>
+          </a:xfrm>
+        </p:spPr>
+        <p:txBody>
+          <a:bodyPr/>
+          <a:lstStyle/>
+          <a:p>
+            <a:pPr algn="ctr"/>
+            <a:r>
+              <a:rPr lang="en-US" b="1" dirty="0" smtClean="0"/>
+              <a:t>PPAML Summer School 2016</a:t>
+            </a:r>
+            <a:endParaRPr lang="en-US" b="1" dirty="0"/>
+          </a:p>
+        </p:txBody>
+      </p:sp>
+      <p:sp>
+        <p:nvSpPr>
+          <p:cNvPr id="6" name="Content Placeholder 5"/>
+          <p:cNvSpPr>
+            <a:spLocks noGrp="1"/>
+          </p:cNvSpPr>
+          <p:nvPr>
+            <p:ph sz="quarter" idx="13"/>
+          </p:nvPr>
+        </p:nvSpPr>
+        <p:spPr>
+          <a:xfrm>
+            <a:off x="304800" y="1143000"/>
+            <a:ext cx="8534400" cy="4953000"/>
+          </a:xfrm>
+        </p:spPr>
+        <p:txBody>
+          <a:bodyPr>
+            <a:normAutofit fontScale="92500" lnSpcReduction="10000"/>
+          </a:bodyPr>
+          <a:lstStyle/>
+          <a:p>
+            <a:pPr marL="0" indent="0">
+              <a:buNone/>
+            </a:pPr>
+            <a:r>
+              <a:rPr lang="en-US" b="1" dirty="0" smtClean="0"/>
+              <a:t>Where:</a:t>
+            </a:r>
+          </a:p>
+          <a:p>
+            <a:pPr lvl="1"/>
+            <a:r>
+              <a:rPr lang="en-US" sz="2400" dirty="0" smtClean="0"/>
+              <a:t>Portland, Oregon</a:t>
+            </a:r>
+          </a:p>
+          <a:p>
+            <a:pPr marL="0" indent="0">
+              <a:buNone/>
+            </a:pPr>
+            <a:endParaRPr lang="en-US" b="1" dirty="0" smtClean="0"/>
+          </a:p>
+          <a:p>
+            <a:pPr marL="0" indent="0">
+              <a:buNone/>
+            </a:pPr>
+            <a:r>
+              <a:rPr lang="en-US" b="1" dirty="0" smtClean="0"/>
+              <a:t>When:</a:t>
+            </a:r>
+          </a:p>
+          <a:p>
+            <a:pPr lvl="1"/>
+            <a:r>
+              <a:rPr lang="en-US" sz="2600" dirty="0"/>
+              <a:t>July 25th to August 5th, 2016</a:t>
+            </a:r>
+          </a:p>
+          <a:p>
+            <a:pPr marL="0" indent="0">
+              <a:buNone/>
+            </a:pPr>
+            <a:endParaRPr lang="en-US" b="1" dirty="0" smtClean="0"/>
+          </a:p>
+          <a:p>
+            <a:pPr marL="0" indent="0">
+              <a:buNone/>
+            </a:pPr>
+            <a:r>
+              <a:rPr lang="en-US" b="1" dirty="0" smtClean="0"/>
+              <a:t>How:</a:t>
+            </a:r>
+          </a:p>
+          <a:p>
+            <a:pPr lvl="1"/>
+            <a:r>
+              <a:rPr lang="en-US" sz="2400" dirty="0"/>
+              <a:t>Online </a:t>
+            </a:r>
+            <a:r>
+              <a:rPr lang="en-US" sz="2400" dirty="0" smtClean="0"/>
+              <a:t>Announcement</a:t>
+            </a:r>
+          </a:p>
+          <a:p>
+            <a:pPr lvl="2"/>
+            <a:r>
+              <a:rPr lang="en-US" sz="2000" dirty="0">
+                <a:hlinkClick r:id="rId2"/>
+              </a:rPr>
+              <a:t>http://ppaml.galois.com/wiki/wiki/SummerSchools/2016/Announcement</a:t>
+            </a:r>
+            <a:endParaRPr lang="en-US" sz="2000" dirty="0"/>
+          </a:p>
+          <a:p>
+            <a:pPr lvl="3"/>
+            <a:endParaRPr lang="en-US" sz="2100" dirty="0"/>
+          </a:p>
+          <a:p>
+            <a:pPr lvl="1"/>
+            <a:r>
+              <a:rPr lang="en-US" sz="2400" dirty="0" smtClean="0"/>
+              <a:t>Application </a:t>
+            </a:r>
+            <a:r>
+              <a:rPr lang="en-US" sz="2400" dirty="0"/>
+              <a:t>Form</a:t>
+            </a:r>
+            <a:endParaRPr lang="en-US" sz="2400" dirty="0">
+              <a:hlinkClick r:id="rId3"/>
+            </a:endParaRPr>
+          </a:p>
+          <a:p>
+            <a:pPr lvl="2"/>
+            <a:r>
+              <a:rPr lang="en-US" sz="2000" dirty="0" smtClean="0">
+                <a:hlinkClick r:id="rId4"/>
+              </a:rPr>
+              <a:t>https://www.tfaforms.com/406358</a:t>
+            </a:r>
+            <a:endParaRPr lang="en-US" sz="2000" dirty="0"/>
+          </a:p>
+          <a:p>
+            <a:pPr lvl="4"/>
+            <a:endParaRPr lang="en-US" sz="1900" dirty="0" smtClean="0"/>
+          </a:p>
+          <a:p>
+            <a:pPr lvl="1"/>
+            <a:r>
+              <a:rPr lang="en-US" sz="2400" dirty="0"/>
+              <a:t>Email </a:t>
+            </a:r>
+            <a:r>
+              <a:rPr lang="en-US" sz="2400" dirty="0" smtClean="0"/>
+              <a:t>and forum announcements forthcoming</a:t>
+            </a:r>
+            <a:endParaRPr lang="en-US" sz="2400" dirty="0"/>
+          </a:p>
+          <a:p>
+            <a:pPr lvl="1"/>
+            <a:endParaRPr lang="en-US" dirty="0"/>
+          </a:p>
+          <a:p>
+            <a:endParaRPr lang="en-US" dirty="0" smtClean="0"/>
+          </a:p>
+          <a:p>
+            <a:endParaRPr lang="en-US" dirty="0"/>
+          </a:p>
+        </p:txBody>
+      </p:sp>
+    </p:spTree>
+    <p:extLst>
+      <p:ext uri="{BB962C8B-B14F-4D97-AF65-F5344CB8AC3E}">
+        <p14:creationId xmlns:p14="http://schemas.microsoft.com/office/powerpoint/2010/main" val="362877624"/>
+      </p:ext>
+    </p:extLst>
+  </p:cSld>
+  <p:clrMapOvr>
+    <a:masterClrMapping/>
+  </p:clrMapOvr>
+  <mc:AlternateContent xmlns:mc="http://schemas.openxmlformats.org/markup-compatibility/2006" xmlns:p14="http://schemas.microsoft.com/office/powerpoint/2010/main">
+    <mc:Choice Requires="p14">
+      <p:transition spd="slow" p14:dur="2000" advTm="63123"/>
+    </mc:Choice>
+    <mc:Fallback xmlns="">
+      <p:transition spd="slow" advTm="63123"/>
+    </mc:Fallback>
+  </mc:AlternateContent>
+  <p:timing>
+    <p:tnLst>
+      <p:par>
+        <p:cTn id="1" dur="indefinite" restart="never" nodeType="tmRoot"/>
+      </p:par>
+    </p:tnLst>
+  </p:timing>
 </p:sld>
 </file>
 
